--- a/hrf/terrorist_attack.pptx
+++ b/hrf/terrorist_attack.pptx
@@ -6476,7 +6476,7 @@
             </a:pPr>
             <a:r>
               <a:rPr lang="en"/>
-              <a:t>Motivation</a:t>
+              <a:t>Motivation (10184)</a:t>
             </a:r>
             <a:endParaRPr/>
           </a:p>
@@ -6516,7 +6516,7 @@
             </a:pPr>
             <a:r>
               <a:rPr b="1" lang="en"/>
-              <a:t>Injustice</a:t>
+              <a:t>Injustice (10190)</a:t>
             </a:r>
             <a:r>
               <a:rPr lang="en"/>
@@ -6536,7 +6536,7 @@
             </a:pPr>
             <a:r>
               <a:rPr b="1" lang="en"/>
-              <a:t>Recruitment</a:t>
+              <a:t>Recruitment (10194)</a:t>
             </a:r>
             <a:r>
               <a:rPr lang="en"/>
@@ -6556,7 +6556,7 @@
             </a:pPr>
             <a:r>
               <a:rPr b="1" lang="en"/>
-              <a:t>Propaganda</a:t>
+              <a:t>Propaganda (10191)</a:t>
             </a:r>
             <a:r>
               <a:rPr lang="en"/>
@@ -6576,7 +6576,7 @@
             </a:pPr>
             <a:r>
               <a:rPr b="1" lang="en"/>
-              <a:t>Awareness Campaign</a:t>
+              <a:t>Awareness Campaign (10192)</a:t>
             </a:r>
             <a:r>
               <a:rPr lang="en"/>
@@ -6596,7 +6596,7 @@
             </a:pPr>
             <a:r>
               <a:rPr b="1" lang="en"/>
-              <a:t>Terrorism</a:t>
+              <a:t>Terrorism (10193)</a:t>
             </a:r>
             <a:r>
               <a:rPr lang="en"/>
@@ -6616,7 +6616,7 @@
             </a:pPr>
             <a:r>
               <a:rPr b="1" lang="en"/>
-              <a:t>Personal Beliefs</a:t>
+              <a:t>Personal Beliefs (10195)</a:t>
             </a:r>
             <a:r>
               <a:rPr lang="en"/>
@@ -6698,7 +6698,7 @@
         </p:spPr>
         <p:txBody>
           <a:bodyPr anchorCtr="0" anchor="b" bIns="91425" lIns="91425" spcFirstLastPara="1" rIns="91425" wrap="square" tIns="91425">
-            <a:normAutofit/>
+            <a:normAutofit fontScale="90000"/>
           </a:bodyPr>
           <a:lstStyle/>
           <a:p>
@@ -6713,7 +6713,7 @@
             </a:pPr>
             <a:r>
               <a:rPr lang="en"/>
-              <a:t>Preparation</a:t>
+              <a:t>Preparation (10185)</a:t>
             </a:r>
             <a:endParaRPr/>
           </a:p>
@@ -6753,7 +6753,7 @@
             </a:pPr>
             <a:r>
               <a:rPr b="1" lang="en"/>
-              <a:t>Train Participants</a:t>
+              <a:t>Train Participants (10197)</a:t>
             </a:r>
             <a:r>
               <a:rPr lang="en"/>
@@ -6773,7 +6773,7 @@
             </a:pPr>
             <a:r>
               <a:rPr b="1" lang="en"/>
-              <a:t>Plan Attack</a:t>
+              <a:t>Plan Attack (10196)</a:t>
             </a:r>
             <a:r>
               <a:rPr lang="en"/>
@@ -6793,7 +6793,7 @@
             </a:pPr>
             <a:r>
               <a:rPr b="1" lang="en"/>
-              <a:t>Purchase Weapons</a:t>
+              <a:t>Purchase Weapons (10199)</a:t>
             </a:r>
             <a:r>
               <a:rPr lang="en"/>
@@ -6813,7 +6813,7 @@
             </a:pPr>
             <a:r>
               <a:rPr b="1" lang="en"/>
-              <a:t>Plant Undercover Agents</a:t>
+              <a:t>Plant Undercover Agents (10198)</a:t>
             </a:r>
             <a:r>
               <a:rPr lang="en"/>
@@ -6895,7 +6895,7 @@
         </p:spPr>
         <p:txBody>
           <a:bodyPr anchorCtr="0" anchor="b" bIns="91425" lIns="91425" spcFirstLastPara="1" rIns="91425" wrap="square" tIns="91425">
-            <a:normAutofit/>
+            <a:normAutofit fontScale="90000"/>
           </a:bodyPr>
           <a:lstStyle/>
           <a:p>
@@ -6910,7 +6910,7 @@
             </a:pPr>
             <a:r>
               <a:rPr lang="en"/>
-              <a:t>Fundraising</a:t>
+              <a:t>Fundraising (10186)</a:t>
             </a:r>
             <a:endParaRPr/>
           </a:p>
@@ -6950,7 +6950,7 @@
             </a:pPr>
             <a:r>
               <a:rPr b="1" lang="en"/>
-              <a:t>Donation</a:t>
+              <a:t>Donation (10200)</a:t>
             </a:r>
             <a:r>
               <a:rPr lang="en"/>
@@ -6970,7 +6970,7 @@
             </a:pPr>
             <a:r>
               <a:rPr b="1" lang="en"/>
-              <a:t>Organized Crime</a:t>
+              <a:t>Organized Crime (10201)</a:t>
             </a:r>
             <a:r>
               <a:rPr lang="en"/>
@@ -7067,7 +7067,7 @@
             </a:pPr>
             <a:r>
               <a:rPr lang="en"/>
-              <a:t>Crime</a:t>
+              <a:t>Crime (10187)</a:t>
             </a:r>
             <a:endParaRPr/>
           </a:p>
@@ -7092,7 +7092,7 @@
         </p:spPr>
         <p:txBody>
           <a:bodyPr anchorCtr="0" anchor="t" bIns="91425" lIns="91425" spcFirstLastPara="1" rIns="91425" wrap="square" tIns="91425">
-            <a:normAutofit/>
+            <a:normAutofit lnSpcReduction="20000"/>
           </a:bodyPr>
           <a:lstStyle/>
           <a:p>
@@ -7107,7 +7107,7 @@
             </a:pPr>
             <a:r>
               <a:rPr b="1" lang="en"/>
-              <a:t>Attack</a:t>
+              <a:t>Attack (10202)</a:t>
             </a:r>
             <a:r>
               <a:rPr lang="en"/>
@@ -7127,7 +7127,7 @@
             </a:pPr>
             <a:r>
               <a:rPr b="1" lang="en"/>
-              <a:t>Bombing</a:t>
+              <a:t>Bombing (10205)</a:t>
             </a:r>
             <a:r>
               <a:rPr lang="en"/>
@@ -7147,7 +7147,7 @@
             </a:pPr>
             <a:r>
               <a:rPr b="1" lang="en"/>
-              <a:t>Shooting</a:t>
+              <a:t>Shooting (10206)</a:t>
             </a:r>
             <a:r>
               <a:rPr lang="en"/>
@@ -7167,7 +7167,7 @@
             </a:pPr>
             <a:r>
               <a:rPr b="1" lang="en"/>
-              <a:t>Kill</a:t>
+              <a:t>Kill (10204)</a:t>
             </a:r>
             <a:r>
               <a:rPr lang="en"/>
@@ -7187,7 +7187,7 @@
             </a:pPr>
             <a:r>
               <a:rPr b="1" lang="en"/>
-              <a:t>Injure</a:t>
+              <a:t>Injure (10203)</a:t>
             </a:r>
             <a:r>
               <a:rPr lang="en"/>
@@ -7269,7 +7269,7 @@
         </p:spPr>
         <p:txBody>
           <a:bodyPr anchorCtr="0" anchor="b" bIns="91425" lIns="91425" spcFirstLastPara="1" rIns="91425" wrap="square" tIns="91425">
-            <a:normAutofit/>
+            <a:normAutofit fontScale="90000"/>
           </a:bodyPr>
           <a:lstStyle/>
           <a:p>
@@ -7284,7 +7284,7 @@
             </a:pPr>
             <a:r>
               <a:rPr lang="en"/>
-              <a:t>Society Response</a:t>
+              <a:t>Society Response (10189)</a:t>
             </a:r>
             <a:endParaRPr/>
           </a:p>
@@ -7324,7 +7324,7 @@
             </a:pPr>
             <a:r>
               <a:rPr b="1" lang="en"/>
-              <a:t>Social Media</a:t>
+              <a:t>Social Media (10207)</a:t>
             </a:r>
             <a:r>
               <a:rPr lang="en"/>
@@ -7344,7 +7344,7 @@
             </a:pPr>
             <a:r>
               <a:rPr b="1" lang="en"/>
-              <a:t>Protest</a:t>
+              <a:t>Protest (10217)</a:t>
             </a:r>
             <a:r>
               <a:rPr lang="en"/>
@@ -7364,7 +7364,7 @@
             </a:pPr>
             <a:r>
               <a:rPr b="1" lang="en"/>
-              <a:t>Journalism</a:t>
+              <a:t>Journalism (10208)</a:t>
             </a:r>
             <a:r>
               <a:rPr lang="en"/>
@@ -7446,7 +7446,7 @@
         </p:spPr>
         <p:txBody>
           <a:bodyPr anchorCtr="0" anchor="b" bIns="91425" lIns="91425" spcFirstLastPara="1" rIns="91425" wrap="square" tIns="91425">
-            <a:normAutofit/>
+            <a:normAutofit fontScale="90000"/>
           </a:bodyPr>
           <a:lstStyle/>
           <a:p>
@@ -7461,7 +7461,7 @@
             </a:pPr>
             <a:r>
               <a:rPr lang="en"/>
-              <a:t>Counter Terrorism</a:t>
+              <a:t>Counter Terrorism (10188)</a:t>
             </a:r>
             <a:endParaRPr/>
           </a:p>
@@ -7486,7 +7486,7 @@
         </p:spPr>
         <p:txBody>
           <a:bodyPr anchorCtr="0" anchor="t" bIns="91425" lIns="91425" spcFirstLastPara="1" rIns="91425" wrap="square" tIns="91425">
-            <a:normAutofit fontScale="62500" lnSpcReduction="10000"/>
+            <a:normAutofit fontScale="55000"/>
           </a:bodyPr>
           <a:lstStyle/>
           <a:p>
@@ -7501,7 +7501,7 @@
             </a:pPr>
             <a:r>
               <a:rPr b="1" lang="en"/>
-              <a:t>Legislation</a:t>
+              <a:t>Legislation (10211)</a:t>
             </a:r>
             <a:r>
               <a:rPr lang="en"/>
@@ -7521,7 +7521,7 @@
             </a:pPr>
             <a:r>
               <a:rPr b="1" lang="en"/>
-              <a:t>Target Hardening</a:t>
+              <a:t>Target Hardening (10214)</a:t>
             </a:r>
             <a:r>
               <a:rPr lang="en"/>
@@ -7541,7 +7541,7 @@
             </a:pPr>
             <a:r>
               <a:rPr b="1" lang="en"/>
-              <a:t>Military Action</a:t>
+              <a:t>Military Action (10209)</a:t>
             </a:r>
             <a:r>
               <a:rPr lang="en"/>
@@ -7561,7 +7561,7 @@
             </a:pPr>
             <a:r>
               <a:rPr b="1" lang="en"/>
-              <a:t>Terrorism Research</a:t>
+              <a:t>Terrorism Research (10215)</a:t>
             </a:r>
             <a:r>
               <a:rPr lang="en"/>
@@ -7581,7 +7581,7 @@
             </a:pPr>
             <a:r>
               <a:rPr b="1" lang="en"/>
-              <a:t>Surveillance</a:t>
+              <a:t>Surveillance (10216)</a:t>
             </a:r>
             <a:r>
               <a:rPr lang="en"/>
@@ -7601,7 +7601,7 @@
             </a:pPr>
             <a:r>
               <a:rPr b="1" lang="en"/>
-              <a:t>Detention</a:t>
+              <a:t>Detention (10212)</a:t>
             </a:r>
             <a:r>
               <a:rPr lang="en"/>
@@ -7621,7 +7621,7 @@
             </a:pPr>
             <a:r>
               <a:rPr b="1" lang="en"/>
-              <a:t>Interrogation</a:t>
+              <a:t>Interrogation (10213)</a:t>
             </a:r>
             <a:r>
               <a:rPr lang="en"/>
@@ -7641,7 +7641,7 @@
             </a:pPr>
             <a:r>
               <a:rPr b="1" lang="en"/>
-              <a:t>Deportation</a:t>
+              <a:t>Deportation (10210)</a:t>
             </a:r>
             <a:r>
               <a:rPr lang="en"/>

--- a/hrf/terrorist_attack.pptx
+++ b/hrf/terrorist_attack.pptx
@@ -1,26 +1,26 @@
 
 <file path=ppt/presentation.xml><?xml version="1.0" encoding="utf-8"?>
-<p:presentation xmlns:a="http://schemas.openxmlformats.org/drawingml/2006/main" xmlns:r="http://schemas.openxmlformats.org/officeDocument/2006/relationships" xmlns:mc="http://schemas.openxmlformats.org/markup-compatibility/2006" xmlns:mv="urn:schemas-microsoft-com:mac:vml" xmlns:p="http://schemas.openxmlformats.org/presentationml/2006/main" xmlns:c="http://schemas.openxmlformats.org/drawingml/2006/chart" xmlns:dgm="http://schemas.openxmlformats.org/drawingml/2006/diagram" xmlns:o="urn:schemas-microsoft-com:office:office" xmlns:v="urn:schemas-microsoft-com:vml" xmlns:pvml="urn:schemas-microsoft-com:office:powerpoint" xmlns:com="http://schemas.openxmlformats.org/drawingml/2006/compatibility" xmlns:p14="http://schemas.microsoft.com/office/powerpoint/2010/main" xmlns:p15="http://schemas.microsoft.com/office/powerpoint/2012/main" xmlns:ahyp="http://schemas.microsoft.com/office/drawing/2018/hyperlinkcolor" autoCompressPictures="0" strictFirstAndLastChars="0" saveSubsetFonts="1">
+<p:presentation xmlns:a="http://schemas.openxmlformats.org/drawingml/2006/main" xmlns:r="http://schemas.openxmlformats.org/officeDocument/2006/relationships" xmlns:p="http://schemas.openxmlformats.org/presentationml/2006/main" strictFirstAndLastChars="0" saveSubsetFonts="1" autoCompressPictures="0">
   <p:sldMasterIdLst>
-    <p:sldMasterId id="2147483659" r:id="rId4"/>
+    <p:sldMasterId id="2147483659" r:id="rId1"/>
   </p:sldMasterIdLst>
   <p:notesMasterIdLst>
-    <p:notesMasterId r:id="rId5"/>
+    <p:notesMasterId r:id="rId10"/>
   </p:notesMasterIdLst>
   <p:sldIdLst>
-    <p:sldId id="256" r:id="rId6"/>
-    <p:sldId id="257" r:id="rId7"/>
-    <p:sldId id="258" r:id="rId8"/>
-    <p:sldId id="259" r:id="rId9"/>
-    <p:sldId id="260" r:id="rId10"/>
-    <p:sldId id="261" r:id="rId11"/>
-    <p:sldId id="262" r:id="rId12"/>
-    <p:sldId id="263" r:id="rId13"/>
+    <p:sldId id="256" r:id="rId2"/>
+    <p:sldId id="257" r:id="rId3"/>
+    <p:sldId id="258" r:id="rId4"/>
+    <p:sldId id="259" r:id="rId5"/>
+    <p:sldId id="260" r:id="rId6"/>
+    <p:sldId id="261" r:id="rId7"/>
+    <p:sldId id="262" r:id="rId8"/>
+    <p:sldId id="263" r:id="rId9"/>
   </p:sldIdLst>
-  <p:sldSz cy="5143500" cx="9144000"/>
+  <p:sldSz cx="9144000" cy="5143500" type="screen16x9"/>
   <p:notesSz cx="6858000" cy="9144000"/>
   <p:defaultTextStyle>
-    <a:defPPr lvl="0" marR="0" rtl="0" algn="l">
+    <a:defPPr marR="0" lvl="0" algn="l" rtl="0">
       <a:lnSpc>
         <a:spcPct val="100000"/>
       </a:lnSpc>
@@ -31,7 +31,7 @@
         <a:spcPts val="0"/>
       </a:spcAft>
     </a:defPPr>
-    <a:lvl1pPr lvl="0" marR="0" rtl="0" algn="l">
+    <a:lvl1pPr marR="0" lvl="0" algn="l" rtl="0">
       <a:lnSpc>
         <a:spcPct val="100000"/>
       </a:lnSpc>
@@ -45,7 +45,7 @@
         <a:srgbClr val="000000"/>
       </a:buClr>
       <a:buFont typeface="Arial"/>
-      <a:defRPr b="0" i="0" sz="1400" u="none" cap="none" strike="noStrike">
+      <a:defRPr sz="1400" b="0" i="0" u="none" strike="noStrike" cap="none">
         <a:solidFill>
           <a:srgbClr val="000000"/>
         </a:solidFill>
@@ -55,7 +55,7 @@
         <a:sym typeface="Arial"/>
       </a:defRPr>
     </a:lvl1pPr>
-    <a:lvl2pPr lvl="1" marR="0" rtl="0" algn="l">
+    <a:lvl2pPr marR="0" lvl="1" algn="l" rtl="0">
       <a:lnSpc>
         <a:spcPct val="100000"/>
       </a:lnSpc>
@@ -69,7 +69,7 @@
         <a:srgbClr val="000000"/>
       </a:buClr>
       <a:buFont typeface="Arial"/>
-      <a:defRPr b="0" i="0" sz="1400" u="none" cap="none" strike="noStrike">
+      <a:defRPr sz="1400" b="0" i="0" u="none" strike="noStrike" cap="none">
         <a:solidFill>
           <a:srgbClr val="000000"/>
         </a:solidFill>
@@ -79,7 +79,7 @@
         <a:sym typeface="Arial"/>
       </a:defRPr>
     </a:lvl2pPr>
-    <a:lvl3pPr lvl="2" marR="0" rtl="0" algn="l">
+    <a:lvl3pPr marR="0" lvl="2" algn="l" rtl="0">
       <a:lnSpc>
         <a:spcPct val="100000"/>
       </a:lnSpc>
@@ -93,7 +93,7 @@
         <a:srgbClr val="000000"/>
       </a:buClr>
       <a:buFont typeface="Arial"/>
-      <a:defRPr b="0" i="0" sz="1400" u="none" cap="none" strike="noStrike">
+      <a:defRPr sz="1400" b="0" i="0" u="none" strike="noStrike" cap="none">
         <a:solidFill>
           <a:srgbClr val="000000"/>
         </a:solidFill>
@@ -103,7 +103,7 @@
         <a:sym typeface="Arial"/>
       </a:defRPr>
     </a:lvl3pPr>
-    <a:lvl4pPr lvl="3" marR="0" rtl="0" algn="l">
+    <a:lvl4pPr marR="0" lvl="3" algn="l" rtl="0">
       <a:lnSpc>
         <a:spcPct val="100000"/>
       </a:lnSpc>
@@ -117,7 +117,7 @@
         <a:srgbClr val="000000"/>
       </a:buClr>
       <a:buFont typeface="Arial"/>
-      <a:defRPr b="0" i="0" sz="1400" u="none" cap="none" strike="noStrike">
+      <a:defRPr sz="1400" b="0" i="0" u="none" strike="noStrike" cap="none">
         <a:solidFill>
           <a:srgbClr val="000000"/>
         </a:solidFill>
@@ -127,7 +127,7 @@
         <a:sym typeface="Arial"/>
       </a:defRPr>
     </a:lvl4pPr>
-    <a:lvl5pPr lvl="4" marR="0" rtl="0" algn="l">
+    <a:lvl5pPr marR="0" lvl="4" algn="l" rtl="0">
       <a:lnSpc>
         <a:spcPct val="100000"/>
       </a:lnSpc>
@@ -141,7 +141,7 @@
         <a:srgbClr val="000000"/>
       </a:buClr>
       <a:buFont typeface="Arial"/>
-      <a:defRPr b="0" i="0" sz="1400" u="none" cap="none" strike="noStrike">
+      <a:defRPr sz="1400" b="0" i="0" u="none" strike="noStrike" cap="none">
         <a:solidFill>
           <a:srgbClr val="000000"/>
         </a:solidFill>
@@ -151,7 +151,7 @@
         <a:sym typeface="Arial"/>
       </a:defRPr>
     </a:lvl5pPr>
-    <a:lvl6pPr lvl="5" marR="0" rtl="0" algn="l">
+    <a:lvl6pPr marR="0" lvl="5" algn="l" rtl="0">
       <a:lnSpc>
         <a:spcPct val="100000"/>
       </a:lnSpc>
@@ -165,7 +165,7 @@
         <a:srgbClr val="000000"/>
       </a:buClr>
       <a:buFont typeface="Arial"/>
-      <a:defRPr b="0" i="0" sz="1400" u="none" cap="none" strike="noStrike">
+      <a:defRPr sz="1400" b="0" i="0" u="none" strike="noStrike" cap="none">
         <a:solidFill>
           <a:srgbClr val="000000"/>
         </a:solidFill>
@@ -175,7 +175,7 @@
         <a:sym typeface="Arial"/>
       </a:defRPr>
     </a:lvl6pPr>
-    <a:lvl7pPr lvl="6" marR="0" rtl="0" algn="l">
+    <a:lvl7pPr marR="0" lvl="6" algn="l" rtl="0">
       <a:lnSpc>
         <a:spcPct val="100000"/>
       </a:lnSpc>
@@ -189,7 +189,7 @@
         <a:srgbClr val="000000"/>
       </a:buClr>
       <a:buFont typeface="Arial"/>
-      <a:defRPr b="0" i="0" sz="1400" u="none" cap="none" strike="noStrike">
+      <a:defRPr sz="1400" b="0" i="0" u="none" strike="noStrike" cap="none">
         <a:solidFill>
           <a:srgbClr val="000000"/>
         </a:solidFill>
@@ -199,7 +199,7 @@
         <a:sym typeface="Arial"/>
       </a:defRPr>
     </a:lvl7pPr>
-    <a:lvl8pPr lvl="7" marR="0" rtl="0" algn="l">
+    <a:lvl8pPr marR="0" lvl="7" algn="l" rtl="0">
       <a:lnSpc>
         <a:spcPct val="100000"/>
       </a:lnSpc>
@@ -213,7 +213,7 @@
         <a:srgbClr val="000000"/>
       </a:buClr>
       <a:buFont typeface="Arial"/>
-      <a:defRPr b="0" i="0" sz="1400" u="none" cap="none" strike="noStrike">
+      <a:defRPr sz="1400" b="0" i="0" u="none" strike="noStrike" cap="none">
         <a:solidFill>
           <a:srgbClr val="000000"/>
         </a:solidFill>
@@ -223,7 +223,7 @@
         <a:sym typeface="Arial"/>
       </a:defRPr>
     </a:lvl8pPr>
-    <a:lvl9pPr lvl="8" marR="0" rtl="0" algn="l">
+    <a:lvl9pPr marR="0" lvl="8" algn="l" rtl="0">
       <a:lnSpc>
         <a:spcPct val="100000"/>
       </a:lnSpc>
@@ -237,7 +237,7 @@
         <a:srgbClr val="000000"/>
       </a:buClr>
       <a:buFont typeface="Arial"/>
-      <a:defRPr b="0" i="0" sz="1400" u="none" cap="none" strike="noStrike">
+      <a:defRPr sz="1400" b="0" i="0" u="none" strike="noStrike" cap="none">
         <a:solidFill>
           <a:srgbClr val="000000"/>
         </a:solidFill>
@@ -250,7 +250,7 @@
   </p:defaultTextStyle>
   <p:extLst>
     <p:ext uri="{EFAFB233-063F-42B5-8137-9DF3F51BA10A}">
-      <p15:sldGuideLst>
+      <p15:sldGuideLst xmlns:p15="http://schemas.microsoft.com/office/powerpoint/2012/main">
         <p15:guide id="1" orient="horz" pos="1620">
           <p15:clr>
             <a:srgbClr val="A4A3A4"/>
@@ -268,11 +268,16 @@
 </file>
 
 <file path=ppt/notesMasters/notesMaster1.xml><?xml version="1.0" encoding="utf-8"?>
-<p:notesMaster xmlns:a="http://schemas.openxmlformats.org/drawingml/2006/main" xmlns:r="http://schemas.openxmlformats.org/officeDocument/2006/relationships" xmlns:mc="http://schemas.openxmlformats.org/markup-compatibility/2006" xmlns:mv="urn:schemas-microsoft-com:mac:vml" xmlns:p="http://schemas.openxmlformats.org/presentationml/2006/main" xmlns:c="http://schemas.openxmlformats.org/drawingml/2006/chart" xmlns:dgm="http://schemas.openxmlformats.org/drawingml/2006/diagram" xmlns:o="urn:schemas-microsoft-com:office:office" xmlns:v="urn:schemas-microsoft-com:vml" xmlns:pvml="urn:schemas-microsoft-com:office:powerpoint" xmlns:com="http://schemas.openxmlformats.org/drawingml/2006/compatibility" xmlns:p14="http://schemas.microsoft.com/office/powerpoint/2010/main" xmlns:p15="http://schemas.microsoft.com/office/powerpoint/2012/main" xmlns:ahyp="http://schemas.microsoft.com/office/drawing/2018/hyperlinkcolor">
+<p:notesMaster xmlns:a="http://schemas.openxmlformats.org/drawingml/2006/main" xmlns:r="http://schemas.openxmlformats.org/officeDocument/2006/relationships" xmlns:p="http://schemas.openxmlformats.org/presentationml/2006/main">
   <p:cSld>
+    <p:bg>
+      <p:bgRef idx="1001">
+        <a:schemeClr val="bg1"/>
+      </p:bgRef>
+    </p:bg>
     <p:spTree>
       <p:nvGrpSpPr>
-        <p:cNvPr id="2" name="Shape 2"/>
+        <p:cNvPr id="1" name="Shape 2"/>
         <p:cNvGrpSpPr/>
         <p:nvPr/>
       </p:nvGrpSpPr>
@@ -287,9 +292,11 @@
       <p:sp>
         <p:nvSpPr>
           <p:cNvPr id="3" name="Google Shape;3;n"/>
-          <p:cNvSpPr/>
+          <p:cNvSpPr>
+            <a:spLocks noGrp="1" noRot="1" noChangeAspect="1"/>
+          </p:cNvSpPr>
           <p:nvPr>
-            <p:ph idx="2" type="sldImg"/>
+            <p:ph type="sldImg" idx="2"/>
           </p:nvPr>
         </p:nvSpPr>
         <p:spPr>
@@ -298,9 +305,13 @@
             <a:ext cx="6096075" cy="3429000"/>
           </a:xfrm>
           <a:custGeom>
-            <a:rect b="b" l="l" r="r" t="t"/>
+            <a:avLst/>
+            <a:gdLst/>
+            <a:ahLst/>
+            <a:cxnLst/>
+            <a:rect l="l" t="t" r="r" b="b"/>
             <a:pathLst>
-              <a:path extrusionOk="0" h="120000" w="120000">
+              <a:path w="120000" h="120000" extrusionOk="0">
                 <a:moveTo>
                   <a:pt x="0" y="0"/>
                 </a:moveTo>
@@ -318,23 +329,25 @@
             </a:pathLst>
           </a:custGeom>
           <a:noFill/>
-          <a:ln cap="flat" cmpd="sng" w="9525">
+          <a:ln w="9525" cap="flat" cmpd="sng">
             <a:solidFill>
               <a:srgbClr val="000000"/>
             </a:solidFill>
             <a:prstDash val="solid"/>
             <a:round/>
-            <a:headEnd len="sm" w="sm" type="none"/>
-            <a:tailEnd len="sm" w="sm" type="none"/>
+            <a:headEnd type="none" w="sm" len="sm"/>
+            <a:tailEnd type="none" w="sm" len="sm"/>
           </a:ln>
         </p:spPr>
       </p:sp>
       <p:sp>
         <p:nvSpPr>
           <p:cNvPr id="4" name="Google Shape;4;n"/>
-          <p:cNvSpPr txBox="1"/>
+          <p:cNvSpPr txBox="1">
+            <a:spLocks noGrp="1"/>
+          </p:cNvSpPr>
           <p:nvPr>
-            <p:ph idx="1" type="body"/>
+            <p:ph type="body" idx="1"/>
           </p:nvPr>
         </p:nvSpPr>
         <p:spPr>
@@ -351,11 +364,11 @@
           </a:ln>
         </p:spPr>
         <p:txBody>
-          <a:bodyPr anchorCtr="0" anchor="t" bIns="91425" lIns="91425" spcFirstLastPara="1" rIns="91425" wrap="square" tIns="91425">
+          <a:bodyPr spcFirstLastPara="1" wrap="square" lIns="91425" tIns="91425" rIns="91425" bIns="91425" anchor="t" anchorCtr="0">
             <a:noAutofit/>
           </a:bodyPr>
           <a:lstStyle>
-            <a:lvl1pPr indent="-298450" lvl="0" marL="457200">
+            <a:lvl1pPr marL="457200" lvl="0" indent="-298450">
               <a:spcBef>
                 <a:spcPts val="0"/>
               </a:spcBef>
@@ -366,7 +379,7 @@
               <a:buChar char="●"/>
               <a:defRPr sz="1100"/>
             </a:lvl1pPr>
-            <a:lvl2pPr indent="-298450" lvl="1" marL="914400">
+            <a:lvl2pPr marL="914400" lvl="1" indent="-298450">
               <a:spcBef>
                 <a:spcPts val="0"/>
               </a:spcBef>
@@ -377,7 +390,7 @@
               <a:buChar char="○"/>
               <a:defRPr sz="1100"/>
             </a:lvl2pPr>
-            <a:lvl3pPr indent="-298450" lvl="2" marL="1371600">
+            <a:lvl3pPr marL="1371600" lvl="2" indent="-298450">
               <a:spcBef>
                 <a:spcPts val="0"/>
               </a:spcBef>
@@ -388,7 +401,7 @@
               <a:buChar char="■"/>
               <a:defRPr sz="1100"/>
             </a:lvl3pPr>
-            <a:lvl4pPr indent="-298450" lvl="3" marL="1828800">
+            <a:lvl4pPr marL="1828800" lvl="3" indent="-298450">
               <a:spcBef>
                 <a:spcPts val="0"/>
               </a:spcBef>
@@ -399,7 +412,7 @@
               <a:buChar char="●"/>
               <a:defRPr sz="1100"/>
             </a:lvl4pPr>
-            <a:lvl5pPr indent="-298450" lvl="4" marL="2286000">
+            <a:lvl5pPr marL="2286000" lvl="4" indent="-298450">
               <a:spcBef>
                 <a:spcPts val="0"/>
               </a:spcBef>
@@ -410,7 +423,7 @@
               <a:buChar char="○"/>
               <a:defRPr sz="1100"/>
             </a:lvl5pPr>
-            <a:lvl6pPr indent="-298450" lvl="5" marL="2743200">
+            <a:lvl6pPr marL="2743200" lvl="5" indent="-298450">
               <a:spcBef>
                 <a:spcPts val="0"/>
               </a:spcBef>
@@ -421,7 +434,7 @@
               <a:buChar char="■"/>
               <a:defRPr sz="1100"/>
             </a:lvl6pPr>
-            <a:lvl7pPr indent="-298450" lvl="6" marL="3200400">
+            <a:lvl7pPr marL="3200400" lvl="6" indent="-298450">
               <a:spcBef>
                 <a:spcPts val="0"/>
               </a:spcBef>
@@ -432,7 +445,7 @@
               <a:buChar char="●"/>
               <a:defRPr sz="1100"/>
             </a:lvl7pPr>
-            <a:lvl8pPr indent="-298450" lvl="7" marL="3657600">
+            <a:lvl8pPr marL="3657600" lvl="7" indent="-298450">
               <a:spcBef>
                 <a:spcPts val="0"/>
               </a:spcBef>
@@ -443,7 +456,7 @@
               <a:buChar char="○"/>
               <a:defRPr sz="1100"/>
             </a:lvl8pPr>
-            <a:lvl9pPr indent="-298450" lvl="8" marL="4114800">
+            <a:lvl9pPr marL="4114800" lvl="8" indent="-298450">
               <a:spcBef>
                 <a:spcPts val="0"/>
               </a:spcBef>
@@ -455,14 +468,16 @@
               <a:defRPr sz="1100"/>
             </a:lvl9pPr>
           </a:lstStyle>
-          <a:p/>
+          <a:p>
+            <a:endParaRPr/>
+          </a:p>
         </p:txBody>
       </p:sp>
     </p:spTree>
   </p:cSld>
-  <p:clrMap accent1="accent1" accent2="accent2" accent3="accent3" accent4="accent4" accent5="accent5" accent6="accent6" bg1="lt1" bg2="dk2" tx1="dk1" tx2="lt2" folHlink="folHlink" hlink="hlink"/>
+  <p:clrMap bg1="lt1" tx1="dk1" bg2="dk2" tx2="lt2" accent1="accent1" accent2="accent2" accent3="accent3" accent4="accent4" accent5="accent5" accent6="accent6" hlink="hlink" folHlink="folHlink"/>
   <p:notesStyle>
-    <a:defPPr lvl="0" marR="0" rtl="0" algn="l">
+    <a:defPPr marR="0" lvl="0" algn="l" rtl="0">
       <a:lnSpc>
         <a:spcPct val="100000"/>
       </a:lnSpc>
@@ -473,7 +488,7 @@
         <a:spcPts val="0"/>
       </a:spcAft>
     </a:defPPr>
-    <a:lvl1pPr lvl="0" marR="0" rtl="0" algn="l">
+    <a:lvl1pPr marR="0" lvl="0" algn="l" rtl="0">
       <a:lnSpc>
         <a:spcPct val="100000"/>
       </a:lnSpc>
@@ -487,7 +502,7 @@
         <a:srgbClr val="000000"/>
       </a:buClr>
       <a:buFont typeface="Arial"/>
-      <a:defRPr b="0" i="0" sz="1400" u="none" cap="none" strike="noStrike">
+      <a:defRPr sz="1400" b="0" i="0" u="none" strike="noStrike" cap="none">
         <a:solidFill>
           <a:srgbClr val="000000"/>
         </a:solidFill>
@@ -497,7 +512,7 @@
         <a:sym typeface="Arial"/>
       </a:defRPr>
     </a:lvl1pPr>
-    <a:lvl2pPr lvl="1" marR="0" rtl="0" algn="l">
+    <a:lvl2pPr marR="0" lvl="1" algn="l" rtl="0">
       <a:lnSpc>
         <a:spcPct val="100000"/>
       </a:lnSpc>
@@ -511,7 +526,7 @@
         <a:srgbClr val="000000"/>
       </a:buClr>
       <a:buFont typeface="Arial"/>
-      <a:defRPr b="0" i="0" sz="1400" u="none" cap="none" strike="noStrike">
+      <a:defRPr sz="1400" b="0" i="0" u="none" strike="noStrike" cap="none">
         <a:solidFill>
           <a:srgbClr val="000000"/>
         </a:solidFill>
@@ -521,7 +536,7 @@
         <a:sym typeface="Arial"/>
       </a:defRPr>
     </a:lvl2pPr>
-    <a:lvl3pPr lvl="2" marR="0" rtl="0" algn="l">
+    <a:lvl3pPr marR="0" lvl="2" algn="l" rtl="0">
       <a:lnSpc>
         <a:spcPct val="100000"/>
       </a:lnSpc>
@@ -535,7 +550,7 @@
         <a:srgbClr val="000000"/>
       </a:buClr>
       <a:buFont typeface="Arial"/>
-      <a:defRPr b="0" i="0" sz="1400" u="none" cap="none" strike="noStrike">
+      <a:defRPr sz="1400" b="0" i="0" u="none" strike="noStrike" cap="none">
         <a:solidFill>
           <a:srgbClr val="000000"/>
         </a:solidFill>
@@ -545,7 +560,7 @@
         <a:sym typeface="Arial"/>
       </a:defRPr>
     </a:lvl3pPr>
-    <a:lvl4pPr lvl="3" marR="0" rtl="0" algn="l">
+    <a:lvl4pPr marR="0" lvl="3" algn="l" rtl="0">
       <a:lnSpc>
         <a:spcPct val="100000"/>
       </a:lnSpc>
@@ -559,7 +574,7 @@
         <a:srgbClr val="000000"/>
       </a:buClr>
       <a:buFont typeface="Arial"/>
-      <a:defRPr b="0" i="0" sz="1400" u="none" cap="none" strike="noStrike">
+      <a:defRPr sz="1400" b="0" i="0" u="none" strike="noStrike" cap="none">
         <a:solidFill>
           <a:srgbClr val="000000"/>
         </a:solidFill>
@@ -569,7 +584,7 @@
         <a:sym typeface="Arial"/>
       </a:defRPr>
     </a:lvl4pPr>
-    <a:lvl5pPr lvl="4" marR="0" rtl="0" algn="l">
+    <a:lvl5pPr marR="0" lvl="4" algn="l" rtl="0">
       <a:lnSpc>
         <a:spcPct val="100000"/>
       </a:lnSpc>
@@ -583,7 +598,7 @@
         <a:srgbClr val="000000"/>
       </a:buClr>
       <a:buFont typeface="Arial"/>
-      <a:defRPr b="0" i="0" sz="1400" u="none" cap="none" strike="noStrike">
+      <a:defRPr sz="1400" b="0" i="0" u="none" strike="noStrike" cap="none">
         <a:solidFill>
           <a:srgbClr val="000000"/>
         </a:solidFill>
@@ -593,7 +608,7 @@
         <a:sym typeface="Arial"/>
       </a:defRPr>
     </a:lvl5pPr>
-    <a:lvl6pPr lvl="5" marR="0" rtl="0" algn="l">
+    <a:lvl6pPr marR="0" lvl="5" algn="l" rtl="0">
       <a:lnSpc>
         <a:spcPct val="100000"/>
       </a:lnSpc>
@@ -607,7 +622,7 @@
         <a:srgbClr val="000000"/>
       </a:buClr>
       <a:buFont typeface="Arial"/>
-      <a:defRPr b="0" i="0" sz="1400" u="none" cap="none" strike="noStrike">
+      <a:defRPr sz="1400" b="0" i="0" u="none" strike="noStrike" cap="none">
         <a:solidFill>
           <a:srgbClr val="000000"/>
         </a:solidFill>
@@ -617,7 +632,7 @@
         <a:sym typeface="Arial"/>
       </a:defRPr>
     </a:lvl6pPr>
-    <a:lvl7pPr lvl="6" marR="0" rtl="0" algn="l">
+    <a:lvl7pPr marR="0" lvl="6" algn="l" rtl="0">
       <a:lnSpc>
         <a:spcPct val="100000"/>
       </a:lnSpc>
@@ -631,7 +646,7 @@
         <a:srgbClr val="000000"/>
       </a:buClr>
       <a:buFont typeface="Arial"/>
-      <a:defRPr b="0" i="0" sz="1400" u="none" cap="none" strike="noStrike">
+      <a:defRPr sz="1400" b="0" i="0" u="none" strike="noStrike" cap="none">
         <a:solidFill>
           <a:srgbClr val="000000"/>
         </a:solidFill>
@@ -641,7 +656,7 @@
         <a:sym typeface="Arial"/>
       </a:defRPr>
     </a:lvl7pPr>
-    <a:lvl8pPr lvl="7" marR="0" rtl="0" algn="l">
+    <a:lvl8pPr marR="0" lvl="7" algn="l" rtl="0">
       <a:lnSpc>
         <a:spcPct val="100000"/>
       </a:lnSpc>
@@ -655,7 +670,7 @@
         <a:srgbClr val="000000"/>
       </a:buClr>
       <a:buFont typeface="Arial"/>
-      <a:defRPr b="0" i="0" sz="1400" u="none" cap="none" strike="noStrike">
+      <a:defRPr sz="1400" b="0" i="0" u="none" strike="noStrike" cap="none">
         <a:solidFill>
           <a:srgbClr val="000000"/>
         </a:solidFill>
@@ -665,7 +680,7 @@
         <a:sym typeface="Arial"/>
       </a:defRPr>
     </a:lvl8pPr>
-    <a:lvl9pPr lvl="8" marR="0" rtl="0" algn="l">
+    <a:lvl9pPr marR="0" lvl="8" algn="l" rtl="0">
       <a:lnSpc>
         <a:spcPct val="100000"/>
       </a:lnSpc>
@@ -679,7 +694,7 @@
         <a:srgbClr val="000000"/>
       </a:buClr>
       <a:buFont typeface="Arial"/>
-      <a:defRPr b="0" i="0" sz="1400" u="none" cap="none" strike="noStrike">
+      <a:defRPr sz="1400" b="0" i="0" u="none" strike="noStrike" cap="none">
         <a:solidFill>
           <a:srgbClr val="000000"/>
         </a:solidFill>
@@ -694,11 +709,11 @@
 </file>
 
 <file path=ppt/notesSlides/notesSlide1.xml><?xml version="1.0" encoding="utf-8"?>
-<p:notes xmlns:a="http://schemas.openxmlformats.org/drawingml/2006/main" xmlns:r="http://schemas.openxmlformats.org/officeDocument/2006/relationships" xmlns:mc="http://schemas.openxmlformats.org/markup-compatibility/2006" xmlns:mv="urn:schemas-microsoft-com:mac:vml" xmlns:p="http://schemas.openxmlformats.org/presentationml/2006/main" xmlns:c="http://schemas.openxmlformats.org/drawingml/2006/chart" xmlns:dgm="http://schemas.openxmlformats.org/drawingml/2006/diagram" xmlns:o="urn:schemas-microsoft-com:office:office" xmlns:v="urn:schemas-microsoft-com:vml" xmlns:pvml="urn:schemas-microsoft-com:office:powerpoint" xmlns:com="http://schemas.openxmlformats.org/drawingml/2006/compatibility" xmlns:p14="http://schemas.microsoft.com/office/powerpoint/2010/main" xmlns:p15="http://schemas.microsoft.com/office/powerpoint/2012/main" xmlns:ahyp="http://schemas.microsoft.com/office/drawing/2018/hyperlinkcolor" showMasterPhAnim="0" showMasterSp="0">
+<p:notes xmlns:a="http://schemas.openxmlformats.org/drawingml/2006/main" xmlns:r="http://schemas.openxmlformats.org/officeDocument/2006/relationships" xmlns:p="http://schemas.openxmlformats.org/presentationml/2006/main" showMasterSp="0" showMasterPhAnim="0">
   <p:cSld>
     <p:spTree>
       <p:nvGrpSpPr>
-        <p:cNvPr id="50" name="Shape 50"/>
+        <p:cNvPr id="1" name="Shape 50"/>
         <p:cNvGrpSpPr/>
         <p:nvPr/>
       </p:nvGrpSpPr>
@@ -713,9 +728,11 @@
       <p:sp>
         <p:nvSpPr>
           <p:cNvPr id="51" name="Google Shape;51;g1101a2ab91c_0_0:notes"/>
-          <p:cNvSpPr/>
+          <p:cNvSpPr>
+            <a:spLocks noGrp="1" noRot="1" noChangeAspect="1"/>
+          </p:cNvSpPr>
           <p:nvPr>
-            <p:ph idx="2" type="sldImg"/>
+            <p:ph type="sldImg" idx="2"/>
           </p:nvPr>
         </p:nvSpPr>
         <p:spPr>
@@ -724,9 +741,13 @@
             <a:ext cx="6096000" cy="3429000"/>
           </a:xfrm>
           <a:custGeom>
-            <a:rect b="b" l="l" r="r" t="t"/>
+            <a:avLst/>
+            <a:gdLst/>
+            <a:ahLst/>
+            <a:cxnLst/>
+            <a:rect l="l" t="t" r="r" b="b"/>
             <a:pathLst>
-              <a:path extrusionOk="0" h="120000" w="120000">
+              <a:path w="120000" h="120000" extrusionOk="0">
                 <a:moveTo>
                   <a:pt x="0" y="0"/>
                 </a:moveTo>
@@ -744,23 +765,25 @@
             </a:pathLst>
           </a:custGeom>
           <a:noFill/>
-          <a:ln cap="flat" cmpd="sng" w="9525">
+          <a:ln w="9525" cap="flat" cmpd="sng">
             <a:solidFill>
               <a:srgbClr val="000000"/>
             </a:solidFill>
             <a:prstDash val="solid"/>
             <a:round/>
-            <a:headEnd len="sm" w="sm" type="none"/>
-            <a:tailEnd len="sm" w="sm" type="none"/>
+            <a:headEnd type="none" w="sm" len="sm"/>
+            <a:tailEnd type="none" w="sm" len="sm"/>
           </a:ln>
         </p:spPr>
       </p:sp>
       <p:sp>
         <p:nvSpPr>
           <p:cNvPr id="52" name="Google Shape;52;g1101a2ab91c_0_0:notes"/>
-          <p:cNvSpPr txBox="1"/>
+          <p:cNvSpPr txBox="1">
+            <a:spLocks noGrp="1"/>
+          </p:cNvSpPr>
           <p:nvPr>
-            <p:ph idx="1" type="body"/>
+            <p:ph type="body" idx="1"/>
           </p:nvPr>
         </p:nvSpPr>
         <p:spPr>
@@ -777,12 +800,12 @@
           </a:ln>
         </p:spPr>
         <p:txBody>
-          <a:bodyPr anchorCtr="0" anchor="t" bIns="91425" lIns="91425" spcFirstLastPara="1" rIns="91425" wrap="square" tIns="91425">
+          <a:bodyPr spcFirstLastPara="1" wrap="square" lIns="91425" tIns="91425" rIns="91425" bIns="91425" anchor="t" anchorCtr="0">
             <a:noAutofit/>
           </a:bodyPr>
           <a:lstStyle/>
           <a:p>
-            <a:pPr indent="0" lvl="0" marL="0" rtl="0" algn="l">
+            <a:pPr marL="0" lvl="0" indent="0" algn="l" rtl="0">
               <a:lnSpc>
                 <a:spcPct val="100000"/>
               </a:lnSpc>
@@ -795,9 +818,6 @@
               <a:buSzPts val="1100"/>
               <a:buNone/>
             </a:pPr>
-            <a:r>
-              <a:t/>
-            </a:r>
             <a:endParaRPr/>
           </a:p>
         </p:txBody>
@@ -811,11 +831,11 @@
 </file>
 
 <file path=ppt/notesSlides/notesSlide2.xml><?xml version="1.0" encoding="utf-8"?>
-<p:notes xmlns:a="http://schemas.openxmlformats.org/drawingml/2006/main" xmlns:r="http://schemas.openxmlformats.org/officeDocument/2006/relationships" xmlns:mc="http://schemas.openxmlformats.org/markup-compatibility/2006" xmlns:mv="urn:schemas-microsoft-com:mac:vml" xmlns:p="http://schemas.openxmlformats.org/presentationml/2006/main" xmlns:c="http://schemas.openxmlformats.org/drawingml/2006/chart" xmlns:dgm="http://schemas.openxmlformats.org/drawingml/2006/diagram" xmlns:o="urn:schemas-microsoft-com:office:office" xmlns:v="urn:schemas-microsoft-com:vml" xmlns:pvml="urn:schemas-microsoft-com:office:powerpoint" xmlns:com="http://schemas.openxmlformats.org/drawingml/2006/compatibility" xmlns:p14="http://schemas.microsoft.com/office/powerpoint/2010/main" xmlns:p15="http://schemas.microsoft.com/office/powerpoint/2012/main" xmlns:ahyp="http://schemas.microsoft.com/office/drawing/2018/hyperlinkcolor" showMasterPhAnim="0" showMasterSp="0">
+<p:notes xmlns:a="http://schemas.openxmlformats.org/drawingml/2006/main" xmlns:r="http://schemas.openxmlformats.org/officeDocument/2006/relationships" xmlns:p="http://schemas.openxmlformats.org/presentationml/2006/main" showMasterSp="0" showMasterPhAnim="0">
   <p:cSld>
     <p:spTree>
       <p:nvGrpSpPr>
-        <p:cNvPr id="56" name="Shape 56"/>
+        <p:cNvPr id="1" name="Shape 56"/>
         <p:cNvGrpSpPr/>
         <p:nvPr/>
       </p:nvGrpSpPr>
@@ -830,9 +850,11 @@
       <p:sp>
         <p:nvSpPr>
           <p:cNvPr id="57" name="Google Shape;57;g1101a2ab91c_0_50:notes"/>
-          <p:cNvSpPr/>
+          <p:cNvSpPr>
+            <a:spLocks noGrp="1" noRot="1" noChangeAspect="1"/>
+          </p:cNvSpPr>
           <p:nvPr>
-            <p:ph idx="2" type="sldImg"/>
+            <p:ph type="sldImg" idx="2"/>
           </p:nvPr>
         </p:nvSpPr>
         <p:spPr>
@@ -841,9 +863,13 @@
             <a:ext cx="6096000" cy="3429000"/>
           </a:xfrm>
           <a:custGeom>
-            <a:rect b="b" l="l" r="r" t="t"/>
+            <a:avLst/>
+            <a:gdLst/>
+            <a:ahLst/>
+            <a:cxnLst/>
+            <a:rect l="l" t="t" r="r" b="b"/>
             <a:pathLst>
-              <a:path extrusionOk="0" h="120000" w="120000">
+              <a:path w="120000" h="120000" extrusionOk="0">
                 <a:moveTo>
                   <a:pt x="0" y="0"/>
                 </a:moveTo>
@@ -865,9 +891,11 @@
       <p:sp>
         <p:nvSpPr>
           <p:cNvPr id="58" name="Google Shape;58;g1101a2ab91c_0_50:notes"/>
-          <p:cNvSpPr txBox="1"/>
+          <p:cNvSpPr txBox="1">
+            <a:spLocks noGrp="1"/>
+          </p:cNvSpPr>
           <p:nvPr>
-            <p:ph idx="1" type="body"/>
+            <p:ph type="body" idx="1"/>
           </p:nvPr>
         </p:nvSpPr>
         <p:spPr>
@@ -880,12 +908,12 @@
           </a:prstGeom>
         </p:spPr>
         <p:txBody>
-          <a:bodyPr anchorCtr="0" anchor="t" bIns="91425" lIns="91425" spcFirstLastPara="1" rIns="91425" wrap="square" tIns="91425">
+          <a:bodyPr spcFirstLastPara="1" wrap="square" lIns="91425" tIns="91425" rIns="91425" bIns="91425" anchor="t" anchorCtr="0">
             <a:noAutofit/>
           </a:bodyPr>
           <a:lstStyle/>
           <a:p>
-            <a:pPr indent="0" lvl="0" marL="0" rtl="0" algn="l">
+            <a:pPr marL="0" lvl="0" indent="0" algn="l" rtl="0">
               <a:spcBef>
                 <a:spcPts val="0"/>
               </a:spcBef>
@@ -894,9 +922,6 @@
               </a:spcAft>
               <a:buNone/>
             </a:pPr>
-            <a:r>
-              <a:t/>
-            </a:r>
             <a:endParaRPr/>
           </a:p>
         </p:txBody>
@@ -910,11 +935,11 @@
 </file>
 
 <file path=ppt/notesSlides/notesSlide3.xml><?xml version="1.0" encoding="utf-8"?>
-<p:notes xmlns:a="http://schemas.openxmlformats.org/drawingml/2006/main" xmlns:r="http://schemas.openxmlformats.org/officeDocument/2006/relationships" xmlns:mc="http://schemas.openxmlformats.org/markup-compatibility/2006" xmlns:mv="urn:schemas-microsoft-com:mac:vml" xmlns:p="http://schemas.openxmlformats.org/presentationml/2006/main" xmlns:c="http://schemas.openxmlformats.org/drawingml/2006/chart" xmlns:dgm="http://schemas.openxmlformats.org/drawingml/2006/diagram" xmlns:o="urn:schemas-microsoft-com:office:office" xmlns:v="urn:schemas-microsoft-com:vml" xmlns:pvml="urn:schemas-microsoft-com:office:powerpoint" xmlns:com="http://schemas.openxmlformats.org/drawingml/2006/compatibility" xmlns:p14="http://schemas.microsoft.com/office/powerpoint/2010/main" xmlns:p15="http://schemas.microsoft.com/office/powerpoint/2012/main" xmlns:ahyp="http://schemas.microsoft.com/office/drawing/2018/hyperlinkcolor" showMasterPhAnim="0" showMasterSp="0">
+<p:notes xmlns:a="http://schemas.openxmlformats.org/drawingml/2006/main" xmlns:r="http://schemas.openxmlformats.org/officeDocument/2006/relationships" xmlns:p="http://schemas.openxmlformats.org/presentationml/2006/main" showMasterSp="0" showMasterPhAnim="0">
   <p:cSld>
     <p:spTree>
       <p:nvGrpSpPr>
-        <p:cNvPr id="63" name="Shape 63"/>
+        <p:cNvPr id="1" name="Shape 63"/>
         <p:cNvGrpSpPr/>
         <p:nvPr/>
       </p:nvGrpSpPr>
@@ -929,20 +954,26 @@
       <p:sp>
         <p:nvSpPr>
           <p:cNvPr id="64" name="Google Shape;64;g1101a2ab91c_0_56:notes"/>
-          <p:cNvSpPr/>
+          <p:cNvSpPr>
+            <a:spLocks noGrp="1" noRot="1" noChangeAspect="1"/>
+          </p:cNvSpPr>
           <p:nvPr>
-            <p:ph idx="2" type="sldImg"/>
+            <p:ph type="sldImg" idx="2"/>
           </p:nvPr>
         </p:nvSpPr>
         <p:spPr>
           <a:xfrm>
-            <a:off x="381300" y="685800"/>
+            <a:off x="381000" y="685800"/>
             <a:ext cx="6096000" cy="3429000"/>
           </a:xfrm>
           <a:custGeom>
-            <a:rect b="b" l="l" r="r" t="t"/>
+            <a:avLst/>
+            <a:gdLst/>
+            <a:ahLst/>
+            <a:cxnLst/>
+            <a:rect l="l" t="t" r="r" b="b"/>
             <a:pathLst>
-              <a:path extrusionOk="0" h="120000" w="120000">
+              <a:path w="120000" h="120000" extrusionOk="0">
                 <a:moveTo>
                   <a:pt x="0" y="0"/>
                 </a:moveTo>
@@ -964,9 +995,11 @@
       <p:sp>
         <p:nvSpPr>
           <p:cNvPr id="65" name="Google Shape;65;g1101a2ab91c_0_56:notes"/>
-          <p:cNvSpPr txBox="1"/>
+          <p:cNvSpPr txBox="1">
+            <a:spLocks noGrp="1"/>
+          </p:cNvSpPr>
           <p:nvPr>
-            <p:ph idx="1" type="body"/>
+            <p:ph type="body" idx="1"/>
           </p:nvPr>
         </p:nvSpPr>
         <p:spPr>
@@ -979,12 +1012,12 @@
           </a:prstGeom>
         </p:spPr>
         <p:txBody>
-          <a:bodyPr anchorCtr="0" anchor="t" bIns="91425" lIns="91425" spcFirstLastPara="1" rIns="91425" wrap="square" tIns="91425">
+          <a:bodyPr spcFirstLastPara="1" wrap="square" lIns="91425" tIns="91425" rIns="91425" bIns="91425" anchor="t" anchorCtr="0">
             <a:noAutofit/>
           </a:bodyPr>
           <a:lstStyle/>
           <a:p>
-            <a:pPr indent="0" lvl="0" marL="0" rtl="0" algn="l">
+            <a:pPr marL="0" lvl="0" indent="0" algn="l" rtl="0">
               <a:spcBef>
                 <a:spcPts val="0"/>
               </a:spcBef>
@@ -993,9 +1026,6 @@
               </a:spcAft>
               <a:buNone/>
             </a:pPr>
-            <a:r>
-              <a:t/>
-            </a:r>
             <a:endParaRPr/>
           </a:p>
         </p:txBody>
@@ -1009,11 +1039,11 @@
 </file>
 
 <file path=ppt/notesSlides/notesSlide4.xml><?xml version="1.0" encoding="utf-8"?>
-<p:notes xmlns:a="http://schemas.openxmlformats.org/drawingml/2006/main" xmlns:r="http://schemas.openxmlformats.org/officeDocument/2006/relationships" xmlns:mc="http://schemas.openxmlformats.org/markup-compatibility/2006" xmlns:mv="urn:schemas-microsoft-com:mac:vml" xmlns:p="http://schemas.openxmlformats.org/presentationml/2006/main" xmlns:c="http://schemas.openxmlformats.org/drawingml/2006/chart" xmlns:dgm="http://schemas.openxmlformats.org/drawingml/2006/diagram" xmlns:o="urn:schemas-microsoft-com:office:office" xmlns:v="urn:schemas-microsoft-com:vml" xmlns:pvml="urn:schemas-microsoft-com:office:powerpoint" xmlns:com="http://schemas.openxmlformats.org/drawingml/2006/compatibility" xmlns:p14="http://schemas.microsoft.com/office/powerpoint/2010/main" xmlns:p15="http://schemas.microsoft.com/office/powerpoint/2012/main" xmlns:ahyp="http://schemas.microsoft.com/office/drawing/2018/hyperlinkcolor" showMasterPhAnim="0" showMasterSp="0">
+<p:notes xmlns:a="http://schemas.openxmlformats.org/drawingml/2006/main" xmlns:r="http://schemas.openxmlformats.org/officeDocument/2006/relationships" xmlns:p="http://schemas.openxmlformats.org/presentationml/2006/main" showMasterSp="0" showMasterPhAnim="0">
   <p:cSld>
     <p:spTree>
       <p:nvGrpSpPr>
-        <p:cNvPr id="70" name="Shape 70"/>
+        <p:cNvPr id="1" name="Shape 70"/>
         <p:cNvGrpSpPr/>
         <p:nvPr/>
       </p:nvGrpSpPr>
@@ -1028,20 +1058,26 @@
       <p:sp>
         <p:nvSpPr>
           <p:cNvPr id="71" name="Google Shape;71;g1101a2ab91c_0_62:notes"/>
-          <p:cNvSpPr/>
+          <p:cNvSpPr>
+            <a:spLocks noGrp="1" noRot="1" noChangeAspect="1"/>
+          </p:cNvSpPr>
           <p:nvPr>
-            <p:ph idx="2" type="sldImg"/>
+            <p:ph type="sldImg" idx="2"/>
           </p:nvPr>
         </p:nvSpPr>
         <p:spPr>
           <a:xfrm>
-            <a:off x="381300" y="685800"/>
+            <a:off x="381000" y="685800"/>
             <a:ext cx="6096000" cy="3429000"/>
           </a:xfrm>
           <a:custGeom>
-            <a:rect b="b" l="l" r="r" t="t"/>
+            <a:avLst/>
+            <a:gdLst/>
+            <a:ahLst/>
+            <a:cxnLst/>
+            <a:rect l="l" t="t" r="r" b="b"/>
             <a:pathLst>
-              <a:path extrusionOk="0" h="120000" w="120000">
+              <a:path w="120000" h="120000" extrusionOk="0">
                 <a:moveTo>
                   <a:pt x="0" y="0"/>
                 </a:moveTo>
@@ -1063,9 +1099,11 @@
       <p:sp>
         <p:nvSpPr>
           <p:cNvPr id="72" name="Google Shape;72;g1101a2ab91c_0_62:notes"/>
-          <p:cNvSpPr txBox="1"/>
+          <p:cNvSpPr txBox="1">
+            <a:spLocks noGrp="1"/>
+          </p:cNvSpPr>
           <p:nvPr>
-            <p:ph idx="1" type="body"/>
+            <p:ph type="body" idx="1"/>
           </p:nvPr>
         </p:nvSpPr>
         <p:spPr>
@@ -1078,12 +1116,12 @@
           </a:prstGeom>
         </p:spPr>
         <p:txBody>
-          <a:bodyPr anchorCtr="0" anchor="t" bIns="91425" lIns="91425" spcFirstLastPara="1" rIns="91425" wrap="square" tIns="91425">
+          <a:bodyPr spcFirstLastPara="1" wrap="square" lIns="91425" tIns="91425" rIns="91425" bIns="91425" anchor="t" anchorCtr="0">
             <a:noAutofit/>
           </a:bodyPr>
           <a:lstStyle/>
           <a:p>
-            <a:pPr indent="0" lvl="0" marL="0" rtl="0" algn="l">
+            <a:pPr marL="0" lvl="0" indent="0" algn="l" rtl="0">
               <a:spcBef>
                 <a:spcPts val="0"/>
               </a:spcBef>
@@ -1092,9 +1130,6 @@
               </a:spcAft>
               <a:buNone/>
             </a:pPr>
-            <a:r>
-              <a:t/>
-            </a:r>
             <a:endParaRPr/>
           </a:p>
         </p:txBody>
@@ -1108,11 +1143,11 @@
 </file>
 
 <file path=ppt/notesSlides/notesSlide5.xml><?xml version="1.0" encoding="utf-8"?>
-<p:notes xmlns:a="http://schemas.openxmlformats.org/drawingml/2006/main" xmlns:r="http://schemas.openxmlformats.org/officeDocument/2006/relationships" xmlns:mc="http://schemas.openxmlformats.org/markup-compatibility/2006" xmlns:mv="urn:schemas-microsoft-com:mac:vml" xmlns:p="http://schemas.openxmlformats.org/presentationml/2006/main" xmlns:c="http://schemas.openxmlformats.org/drawingml/2006/chart" xmlns:dgm="http://schemas.openxmlformats.org/drawingml/2006/diagram" xmlns:o="urn:schemas-microsoft-com:office:office" xmlns:v="urn:schemas-microsoft-com:vml" xmlns:pvml="urn:schemas-microsoft-com:office:powerpoint" xmlns:com="http://schemas.openxmlformats.org/drawingml/2006/compatibility" xmlns:p14="http://schemas.microsoft.com/office/powerpoint/2010/main" xmlns:p15="http://schemas.microsoft.com/office/powerpoint/2012/main" xmlns:ahyp="http://schemas.microsoft.com/office/drawing/2018/hyperlinkcolor" showMasterPhAnim="0" showMasterSp="0">
+<p:notes xmlns:a="http://schemas.openxmlformats.org/drawingml/2006/main" xmlns:r="http://schemas.openxmlformats.org/officeDocument/2006/relationships" xmlns:p="http://schemas.openxmlformats.org/presentationml/2006/main" showMasterSp="0" showMasterPhAnim="0">
   <p:cSld>
     <p:spTree>
       <p:nvGrpSpPr>
-        <p:cNvPr id="77" name="Shape 77"/>
+        <p:cNvPr id="1" name="Shape 77"/>
         <p:cNvGrpSpPr/>
         <p:nvPr/>
       </p:nvGrpSpPr>
@@ -1127,20 +1162,26 @@
       <p:sp>
         <p:nvSpPr>
           <p:cNvPr id="78" name="Google Shape;78;g1101a2ab91c_0_68:notes"/>
-          <p:cNvSpPr/>
+          <p:cNvSpPr>
+            <a:spLocks noGrp="1" noRot="1" noChangeAspect="1"/>
+          </p:cNvSpPr>
           <p:nvPr>
-            <p:ph idx="2" type="sldImg"/>
+            <p:ph type="sldImg" idx="2"/>
           </p:nvPr>
         </p:nvSpPr>
         <p:spPr>
           <a:xfrm>
-            <a:off x="381300" y="685800"/>
+            <a:off x="381000" y="685800"/>
             <a:ext cx="6096000" cy="3429000"/>
           </a:xfrm>
           <a:custGeom>
-            <a:rect b="b" l="l" r="r" t="t"/>
+            <a:avLst/>
+            <a:gdLst/>
+            <a:ahLst/>
+            <a:cxnLst/>
+            <a:rect l="l" t="t" r="r" b="b"/>
             <a:pathLst>
-              <a:path extrusionOk="0" h="120000" w="120000">
+              <a:path w="120000" h="120000" extrusionOk="0">
                 <a:moveTo>
                   <a:pt x="0" y="0"/>
                 </a:moveTo>
@@ -1162,9 +1203,11 @@
       <p:sp>
         <p:nvSpPr>
           <p:cNvPr id="79" name="Google Shape;79;g1101a2ab91c_0_68:notes"/>
-          <p:cNvSpPr txBox="1"/>
+          <p:cNvSpPr txBox="1">
+            <a:spLocks noGrp="1"/>
+          </p:cNvSpPr>
           <p:nvPr>
-            <p:ph idx="1" type="body"/>
+            <p:ph type="body" idx="1"/>
           </p:nvPr>
         </p:nvSpPr>
         <p:spPr>
@@ -1177,12 +1220,12 @@
           </a:prstGeom>
         </p:spPr>
         <p:txBody>
-          <a:bodyPr anchorCtr="0" anchor="t" bIns="91425" lIns="91425" spcFirstLastPara="1" rIns="91425" wrap="square" tIns="91425">
+          <a:bodyPr spcFirstLastPara="1" wrap="square" lIns="91425" tIns="91425" rIns="91425" bIns="91425" anchor="t" anchorCtr="0">
             <a:noAutofit/>
           </a:bodyPr>
           <a:lstStyle/>
           <a:p>
-            <a:pPr indent="0" lvl="0" marL="0" rtl="0" algn="l">
+            <a:pPr marL="0" lvl="0" indent="0" algn="l" rtl="0">
               <a:spcBef>
                 <a:spcPts val="0"/>
               </a:spcBef>
@@ -1191,9 +1234,6 @@
               </a:spcAft>
               <a:buNone/>
             </a:pPr>
-            <a:r>
-              <a:t/>
-            </a:r>
             <a:endParaRPr/>
           </a:p>
         </p:txBody>
@@ -1207,11 +1247,11 @@
 </file>
 
 <file path=ppt/notesSlides/notesSlide6.xml><?xml version="1.0" encoding="utf-8"?>
-<p:notes xmlns:a="http://schemas.openxmlformats.org/drawingml/2006/main" xmlns:r="http://schemas.openxmlformats.org/officeDocument/2006/relationships" xmlns:mc="http://schemas.openxmlformats.org/markup-compatibility/2006" xmlns:mv="urn:schemas-microsoft-com:mac:vml" xmlns:p="http://schemas.openxmlformats.org/presentationml/2006/main" xmlns:c="http://schemas.openxmlformats.org/drawingml/2006/chart" xmlns:dgm="http://schemas.openxmlformats.org/drawingml/2006/diagram" xmlns:o="urn:schemas-microsoft-com:office:office" xmlns:v="urn:schemas-microsoft-com:vml" xmlns:pvml="urn:schemas-microsoft-com:office:powerpoint" xmlns:com="http://schemas.openxmlformats.org/drawingml/2006/compatibility" xmlns:p14="http://schemas.microsoft.com/office/powerpoint/2010/main" xmlns:p15="http://schemas.microsoft.com/office/powerpoint/2012/main" xmlns:ahyp="http://schemas.microsoft.com/office/drawing/2018/hyperlinkcolor" showMasterPhAnim="0" showMasterSp="0">
+<p:notes xmlns:a="http://schemas.openxmlformats.org/drawingml/2006/main" xmlns:r="http://schemas.openxmlformats.org/officeDocument/2006/relationships" xmlns:p="http://schemas.openxmlformats.org/presentationml/2006/main" showMasterSp="0" showMasterPhAnim="0">
   <p:cSld>
     <p:spTree>
       <p:nvGrpSpPr>
-        <p:cNvPr id="84" name="Shape 84"/>
+        <p:cNvPr id="1" name="Shape 84"/>
         <p:cNvGrpSpPr/>
         <p:nvPr/>
       </p:nvGrpSpPr>
@@ -1226,20 +1266,26 @@
       <p:sp>
         <p:nvSpPr>
           <p:cNvPr id="85" name="Google Shape;85;g1101a2ab91c_0_74:notes"/>
-          <p:cNvSpPr/>
+          <p:cNvSpPr>
+            <a:spLocks noGrp="1" noRot="1" noChangeAspect="1"/>
+          </p:cNvSpPr>
           <p:nvPr>
-            <p:ph idx="2" type="sldImg"/>
+            <p:ph type="sldImg" idx="2"/>
           </p:nvPr>
         </p:nvSpPr>
         <p:spPr>
           <a:xfrm>
-            <a:off x="381300" y="685800"/>
+            <a:off x="381000" y="685800"/>
             <a:ext cx="6096000" cy="3429000"/>
           </a:xfrm>
           <a:custGeom>
-            <a:rect b="b" l="l" r="r" t="t"/>
+            <a:avLst/>
+            <a:gdLst/>
+            <a:ahLst/>
+            <a:cxnLst/>
+            <a:rect l="l" t="t" r="r" b="b"/>
             <a:pathLst>
-              <a:path extrusionOk="0" h="120000" w="120000">
+              <a:path w="120000" h="120000" extrusionOk="0">
                 <a:moveTo>
                   <a:pt x="0" y="0"/>
                 </a:moveTo>
@@ -1261,9 +1307,11 @@
       <p:sp>
         <p:nvSpPr>
           <p:cNvPr id="86" name="Google Shape;86;g1101a2ab91c_0_74:notes"/>
-          <p:cNvSpPr txBox="1"/>
+          <p:cNvSpPr txBox="1">
+            <a:spLocks noGrp="1"/>
+          </p:cNvSpPr>
           <p:nvPr>
-            <p:ph idx="1" type="body"/>
+            <p:ph type="body" idx="1"/>
           </p:nvPr>
         </p:nvSpPr>
         <p:spPr>
@@ -1276,12 +1324,12 @@
           </a:prstGeom>
         </p:spPr>
         <p:txBody>
-          <a:bodyPr anchorCtr="0" anchor="t" bIns="91425" lIns="91425" spcFirstLastPara="1" rIns="91425" wrap="square" tIns="91425">
+          <a:bodyPr spcFirstLastPara="1" wrap="square" lIns="91425" tIns="91425" rIns="91425" bIns="91425" anchor="t" anchorCtr="0">
             <a:noAutofit/>
           </a:bodyPr>
           <a:lstStyle/>
           <a:p>
-            <a:pPr indent="0" lvl="0" marL="0" rtl="0" algn="l">
+            <a:pPr marL="0" lvl="0" indent="0" algn="l" rtl="0">
               <a:spcBef>
                 <a:spcPts val="0"/>
               </a:spcBef>
@@ -1290,9 +1338,6 @@
               </a:spcAft>
               <a:buNone/>
             </a:pPr>
-            <a:r>
-              <a:t/>
-            </a:r>
             <a:endParaRPr/>
           </a:p>
         </p:txBody>
@@ -1306,11 +1351,11 @@
 </file>
 
 <file path=ppt/notesSlides/notesSlide7.xml><?xml version="1.0" encoding="utf-8"?>
-<p:notes xmlns:a="http://schemas.openxmlformats.org/drawingml/2006/main" xmlns:r="http://schemas.openxmlformats.org/officeDocument/2006/relationships" xmlns:mc="http://schemas.openxmlformats.org/markup-compatibility/2006" xmlns:mv="urn:schemas-microsoft-com:mac:vml" xmlns:p="http://schemas.openxmlformats.org/presentationml/2006/main" xmlns:c="http://schemas.openxmlformats.org/drawingml/2006/chart" xmlns:dgm="http://schemas.openxmlformats.org/drawingml/2006/diagram" xmlns:o="urn:schemas-microsoft-com:office:office" xmlns:v="urn:schemas-microsoft-com:vml" xmlns:pvml="urn:schemas-microsoft-com:office:powerpoint" xmlns:com="http://schemas.openxmlformats.org/drawingml/2006/compatibility" xmlns:p14="http://schemas.microsoft.com/office/powerpoint/2010/main" xmlns:p15="http://schemas.microsoft.com/office/powerpoint/2012/main" xmlns:ahyp="http://schemas.microsoft.com/office/drawing/2018/hyperlinkcolor" showMasterPhAnim="0" showMasterSp="0">
+<p:notes xmlns:a="http://schemas.openxmlformats.org/drawingml/2006/main" xmlns:r="http://schemas.openxmlformats.org/officeDocument/2006/relationships" xmlns:p="http://schemas.openxmlformats.org/presentationml/2006/main" showMasterSp="0" showMasterPhAnim="0">
   <p:cSld>
     <p:spTree>
       <p:nvGrpSpPr>
-        <p:cNvPr id="91" name="Shape 91"/>
+        <p:cNvPr id="1" name="Shape 91"/>
         <p:cNvGrpSpPr/>
         <p:nvPr/>
       </p:nvGrpSpPr>
@@ -1325,20 +1370,26 @@
       <p:sp>
         <p:nvSpPr>
           <p:cNvPr id="92" name="Google Shape;92;g1101a2ab91c_0_80:notes"/>
-          <p:cNvSpPr/>
+          <p:cNvSpPr>
+            <a:spLocks noGrp="1" noRot="1" noChangeAspect="1"/>
+          </p:cNvSpPr>
           <p:nvPr>
-            <p:ph idx="2" type="sldImg"/>
+            <p:ph type="sldImg" idx="2"/>
           </p:nvPr>
         </p:nvSpPr>
         <p:spPr>
           <a:xfrm>
-            <a:off x="381300" y="685800"/>
+            <a:off x="381000" y="685800"/>
             <a:ext cx="6096000" cy="3429000"/>
           </a:xfrm>
           <a:custGeom>
-            <a:rect b="b" l="l" r="r" t="t"/>
+            <a:avLst/>
+            <a:gdLst/>
+            <a:ahLst/>
+            <a:cxnLst/>
+            <a:rect l="l" t="t" r="r" b="b"/>
             <a:pathLst>
-              <a:path extrusionOk="0" h="120000" w="120000">
+              <a:path w="120000" h="120000" extrusionOk="0">
                 <a:moveTo>
                   <a:pt x="0" y="0"/>
                 </a:moveTo>
@@ -1360,9 +1411,11 @@
       <p:sp>
         <p:nvSpPr>
           <p:cNvPr id="93" name="Google Shape;93;g1101a2ab91c_0_80:notes"/>
-          <p:cNvSpPr txBox="1"/>
+          <p:cNvSpPr txBox="1">
+            <a:spLocks noGrp="1"/>
+          </p:cNvSpPr>
           <p:nvPr>
-            <p:ph idx="1" type="body"/>
+            <p:ph type="body" idx="1"/>
           </p:nvPr>
         </p:nvSpPr>
         <p:spPr>
@@ -1375,12 +1428,12 @@
           </a:prstGeom>
         </p:spPr>
         <p:txBody>
-          <a:bodyPr anchorCtr="0" anchor="t" bIns="91425" lIns="91425" spcFirstLastPara="1" rIns="91425" wrap="square" tIns="91425">
+          <a:bodyPr spcFirstLastPara="1" wrap="square" lIns="91425" tIns="91425" rIns="91425" bIns="91425" anchor="t" anchorCtr="0">
             <a:noAutofit/>
           </a:bodyPr>
           <a:lstStyle/>
           <a:p>
-            <a:pPr indent="0" lvl="0" marL="0" rtl="0" algn="l">
+            <a:pPr marL="0" lvl="0" indent="0" algn="l" rtl="0">
               <a:spcBef>
                 <a:spcPts val="0"/>
               </a:spcBef>
@@ -1389,9 +1442,6 @@
               </a:spcAft>
               <a:buNone/>
             </a:pPr>
-            <a:r>
-              <a:t/>
-            </a:r>
             <a:endParaRPr/>
           </a:p>
         </p:txBody>
@@ -1405,11 +1455,11 @@
 </file>
 
 <file path=ppt/notesSlides/notesSlide8.xml><?xml version="1.0" encoding="utf-8"?>
-<p:notes xmlns:a="http://schemas.openxmlformats.org/drawingml/2006/main" xmlns:r="http://schemas.openxmlformats.org/officeDocument/2006/relationships" xmlns:mc="http://schemas.openxmlformats.org/markup-compatibility/2006" xmlns:mv="urn:schemas-microsoft-com:mac:vml" xmlns:p="http://schemas.openxmlformats.org/presentationml/2006/main" xmlns:c="http://schemas.openxmlformats.org/drawingml/2006/chart" xmlns:dgm="http://schemas.openxmlformats.org/drawingml/2006/diagram" xmlns:o="urn:schemas-microsoft-com:office:office" xmlns:v="urn:schemas-microsoft-com:vml" xmlns:pvml="urn:schemas-microsoft-com:office:powerpoint" xmlns:com="http://schemas.openxmlformats.org/drawingml/2006/compatibility" xmlns:p14="http://schemas.microsoft.com/office/powerpoint/2010/main" xmlns:p15="http://schemas.microsoft.com/office/powerpoint/2012/main" xmlns:ahyp="http://schemas.microsoft.com/office/drawing/2018/hyperlinkcolor" showMasterPhAnim="0" showMasterSp="0">
+<p:notes xmlns:a="http://schemas.openxmlformats.org/drawingml/2006/main" xmlns:r="http://schemas.openxmlformats.org/officeDocument/2006/relationships" xmlns:p="http://schemas.openxmlformats.org/presentationml/2006/main" showMasterSp="0" showMasterPhAnim="0">
   <p:cSld>
     <p:spTree>
       <p:nvGrpSpPr>
-        <p:cNvPr id="98" name="Shape 98"/>
+        <p:cNvPr id="1" name="Shape 98"/>
         <p:cNvGrpSpPr/>
         <p:nvPr/>
       </p:nvGrpSpPr>
@@ -1424,20 +1474,26 @@
       <p:sp>
         <p:nvSpPr>
           <p:cNvPr id="99" name="Google Shape;99;g1101a2ab91c_0_86:notes"/>
-          <p:cNvSpPr/>
+          <p:cNvSpPr>
+            <a:spLocks noGrp="1" noRot="1" noChangeAspect="1"/>
+          </p:cNvSpPr>
           <p:nvPr>
-            <p:ph idx="2" type="sldImg"/>
+            <p:ph type="sldImg" idx="2"/>
           </p:nvPr>
         </p:nvSpPr>
         <p:spPr>
           <a:xfrm>
-            <a:off x="381300" y="685800"/>
+            <a:off x="381000" y="685800"/>
             <a:ext cx="6096000" cy="3429000"/>
           </a:xfrm>
           <a:custGeom>
-            <a:rect b="b" l="l" r="r" t="t"/>
+            <a:avLst/>
+            <a:gdLst/>
+            <a:ahLst/>
+            <a:cxnLst/>
+            <a:rect l="l" t="t" r="r" b="b"/>
             <a:pathLst>
-              <a:path extrusionOk="0" h="120000" w="120000">
+              <a:path w="120000" h="120000" extrusionOk="0">
                 <a:moveTo>
                   <a:pt x="0" y="0"/>
                 </a:moveTo>
@@ -1459,9 +1515,11 @@
       <p:sp>
         <p:nvSpPr>
           <p:cNvPr id="100" name="Google Shape;100;g1101a2ab91c_0_86:notes"/>
-          <p:cNvSpPr txBox="1"/>
+          <p:cNvSpPr txBox="1">
+            <a:spLocks noGrp="1"/>
+          </p:cNvSpPr>
           <p:nvPr>
-            <p:ph idx="1" type="body"/>
+            <p:ph type="body" idx="1"/>
           </p:nvPr>
         </p:nvSpPr>
         <p:spPr>
@@ -1474,12 +1532,12 @@
           </a:prstGeom>
         </p:spPr>
         <p:txBody>
-          <a:bodyPr anchorCtr="0" anchor="t" bIns="91425" lIns="91425" spcFirstLastPara="1" rIns="91425" wrap="square" tIns="91425">
+          <a:bodyPr spcFirstLastPara="1" wrap="square" lIns="91425" tIns="91425" rIns="91425" bIns="91425" anchor="t" anchorCtr="0">
             <a:noAutofit/>
           </a:bodyPr>
           <a:lstStyle/>
           <a:p>
-            <a:pPr indent="0" lvl="0" marL="0" rtl="0" algn="l">
+            <a:pPr marL="0" lvl="0" indent="0" algn="l" rtl="0">
               <a:spcBef>
                 <a:spcPts val="0"/>
               </a:spcBef>
@@ -1488,9 +1546,6 @@
               </a:spcAft>
               <a:buNone/>
             </a:pPr>
-            <a:r>
-              <a:t/>
-            </a:r>
             <a:endParaRPr/>
           </a:p>
         </p:txBody>
@@ -1504,11 +1559,11 @@
 </file>
 
 <file path=ppt/slideLayouts/slideLayout1.xml><?xml version="1.0" encoding="utf-8"?>
-<p:sldLayout xmlns:a="http://schemas.openxmlformats.org/drawingml/2006/main" xmlns:r="http://schemas.openxmlformats.org/officeDocument/2006/relationships" xmlns:mc="http://schemas.openxmlformats.org/markup-compatibility/2006" xmlns:mv="urn:schemas-microsoft-com:mac:vml" xmlns:p="http://schemas.openxmlformats.org/presentationml/2006/main" xmlns:c="http://schemas.openxmlformats.org/drawingml/2006/chart" xmlns:dgm="http://schemas.openxmlformats.org/drawingml/2006/diagram" xmlns:o="urn:schemas-microsoft-com:office:office" xmlns:v="urn:schemas-microsoft-com:vml" xmlns:pvml="urn:schemas-microsoft-com:office:powerpoint" xmlns:com="http://schemas.openxmlformats.org/drawingml/2006/compatibility" xmlns:p14="http://schemas.microsoft.com/office/powerpoint/2010/main" xmlns:p15="http://schemas.microsoft.com/office/powerpoint/2012/main" xmlns:ahyp="http://schemas.microsoft.com/office/drawing/2018/hyperlinkcolor" matchingName="Title slide" type="title">
+<p:sldLayout xmlns:a="http://schemas.openxmlformats.org/drawingml/2006/main" xmlns:r="http://schemas.openxmlformats.org/officeDocument/2006/relationships" xmlns:p="http://schemas.openxmlformats.org/presentationml/2006/main" matchingName="Title slide" type="title">
   <p:cSld name="TITLE">
     <p:spTree>
       <p:nvGrpSpPr>
-        <p:cNvPr id="9" name="Shape 9"/>
+        <p:cNvPr id="1" name="Shape 9"/>
         <p:cNvGrpSpPr/>
         <p:nvPr/>
       </p:nvGrpSpPr>
@@ -1523,7 +1578,9 @@
       <p:sp>
         <p:nvSpPr>
           <p:cNvPr id="10" name="Google Shape;10;p2"/>
-          <p:cNvSpPr txBox="1"/>
+          <p:cNvSpPr txBox="1">
+            <a:spLocks noGrp="1"/>
+          </p:cNvSpPr>
           <p:nvPr>
             <p:ph type="ctrTitle"/>
           </p:nvPr>
@@ -1538,7 +1595,7 @@
           </a:prstGeom>
         </p:spPr>
         <p:txBody>
-          <a:bodyPr anchorCtr="0" anchor="b" bIns="91425" lIns="91425" spcFirstLastPara="1" rIns="91425" wrap="square" tIns="91425">
+          <a:bodyPr spcFirstLastPara="1" wrap="square" lIns="91425" tIns="91425" rIns="91425" bIns="91425" anchor="b" anchorCtr="0">
             <a:normAutofit/>
           </a:bodyPr>
           <a:lstStyle>
@@ -1642,15 +1699,19 @@
               <a:defRPr sz="5200"/>
             </a:lvl9pPr>
           </a:lstStyle>
-          <a:p/>
+          <a:p>
+            <a:endParaRPr/>
+          </a:p>
         </p:txBody>
       </p:sp>
       <p:sp>
         <p:nvSpPr>
           <p:cNvPr id="11" name="Google Shape;11;p2"/>
-          <p:cNvSpPr txBox="1"/>
+          <p:cNvSpPr txBox="1">
+            <a:spLocks noGrp="1"/>
+          </p:cNvSpPr>
           <p:nvPr>
-            <p:ph idx="1" type="subTitle"/>
+            <p:ph type="subTitle" idx="1"/>
           </p:nvPr>
         </p:nvSpPr>
         <p:spPr>
@@ -1663,7 +1724,7 @@
           </a:prstGeom>
         </p:spPr>
         <p:txBody>
-          <a:bodyPr anchorCtr="0" anchor="t" bIns="91425" lIns="91425" spcFirstLastPara="1" rIns="91425" wrap="square" tIns="91425">
+          <a:bodyPr spcFirstLastPara="1" wrap="square" lIns="91425" tIns="91425" rIns="91425" bIns="91425" anchor="t" anchorCtr="0">
             <a:normAutofit/>
           </a:bodyPr>
           <a:lstStyle>
@@ -1794,15 +1855,19 @@
               <a:defRPr sz="2800"/>
             </a:lvl9pPr>
           </a:lstStyle>
-          <a:p/>
+          <a:p>
+            <a:endParaRPr/>
+          </a:p>
         </p:txBody>
       </p:sp>
       <p:sp>
         <p:nvSpPr>
           <p:cNvPr id="12" name="Google Shape;12;p2"/>
-          <p:cNvSpPr txBox="1"/>
+          <p:cNvSpPr txBox="1">
+            <a:spLocks noGrp="1"/>
+          </p:cNvSpPr>
           <p:nvPr>
-            <p:ph idx="12" type="sldNum"/>
+            <p:ph type="sldNum" idx="12"/>
           </p:nvPr>
         </p:nvSpPr>
         <p:spPr>
@@ -1815,7 +1880,7 @@
           </a:prstGeom>
         </p:spPr>
         <p:txBody>
-          <a:bodyPr anchorCtr="0" anchor="ctr" bIns="91425" lIns="91425" spcFirstLastPara="1" rIns="91425" wrap="square" tIns="91425">
+          <a:bodyPr spcFirstLastPara="1" wrap="square" lIns="91425" tIns="91425" rIns="91425" bIns="91425" anchor="ctr" anchorCtr="0">
             <a:normAutofit/>
           </a:bodyPr>
           <a:lstStyle>
@@ -1857,7 +1922,7 @@
             </a:lvl9pPr>
           </a:lstStyle>
           <a:p>
-            <a:pPr indent="0" lvl="0" marL="0" rtl="0" algn="r">
+            <a:pPr marL="0" lvl="0" indent="0" algn="r" rtl="0">
               <a:spcBef>
                 <a:spcPts val="0"/>
               </a:spcBef>
@@ -1883,11 +1948,11 @@
 </file>
 
 <file path=ppt/slideLayouts/slideLayout10.xml><?xml version="1.0" encoding="utf-8"?>
-<p:sldLayout xmlns:a="http://schemas.openxmlformats.org/drawingml/2006/main" xmlns:r="http://schemas.openxmlformats.org/officeDocument/2006/relationships" xmlns:mc="http://schemas.openxmlformats.org/markup-compatibility/2006" xmlns:mv="urn:schemas-microsoft-com:mac:vml" xmlns:p="http://schemas.openxmlformats.org/presentationml/2006/main" xmlns:c="http://schemas.openxmlformats.org/drawingml/2006/chart" xmlns:dgm="http://schemas.openxmlformats.org/drawingml/2006/diagram" xmlns:o="urn:schemas-microsoft-com:office:office" xmlns:v="urn:schemas-microsoft-com:vml" xmlns:pvml="urn:schemas-microsoft-com:office:powerpoint" xmlns:com="http://schemas.openxmlformats.org/drawingml/2006/compatibility" xmlns:p14="http://schemas.microsoft.com/office/powerpoint/2010/main" xmlns:p15="http://schemas.microsoft.com/office/powerpoint/2012/main" xmlns:ahyp="http://schemas.microsoft.com/office/drawing/2018/hyperlinkcolor" matchingName="Big number">
+<p:sldLayout xmlns:a="http://schemas.openxmlformats.org/drawingml/2006/main" xmlns:r="http://schemas.openxmlformats.org/officeDocument/2006/relationships" xmlns:p="http://schemas.openxmlformats.org/presentationml/2006/main" matchingName="Big number">
   <p:cSld name="BIG_NUMBER">
     <p:spTree>
       <p:nvGrpSpPr>
-        <p:cNvPr id="44" name="Shape 44"/>
+        <p:cNvPr id="1" name="Shape 44"/>
         <p:cNvGrpSpPr/>
         <p:nvPr/>
       </p:nvGrpSpPr>
@@ -1902,9 +1967,11 @@
       <p:sp>
         <p:nvSpPr>
           <p:cNvPr id="45" name="Google Shape;45;p11"/>
-          <p:cNvSpPr txBox="1"/>
+          <p:cNvSpPr txBox="1">
+            <a:spLocks noGrp="1"/>
+          </p:cNvSpPr>
           <p:nvPr>
-            <p:ph hasCustomPrompt="1" type="title"/>
+            <p:ph type="title" hasCustomPrompt="1"/>
           </p:nvPr>
         </p:nvSpPr>
         <p:spPr>
@@ -1917,7 +1984,7 @@
           </a:prstGeom>
         </p:spPr>
         <p:txBody>
-          <a:bodyPr anchorCtr="0" anchor="b" bIns="91425" lIns="91425" spcFirstLastPara="1" rIns="91425" wrap="square" tIns="91425">
+          <a:bodyPr spcFirstLastPara="1" wrap="square" lIns="91425" tIns="91425" rIns="91425" bIns="91425" anchor="b" anchorCtr="0">
             <a:normAutofit/>
           </a:bodyPr>
           <a:lstStyle>
@@ -2031,9 +2098,11 @@
       <p:sp>
         <p:nvSpPr>
           <p:cNvPr id="46" name="Google Shape;46;p11"/>
-          <p:cNvSpPr txBox="1"/>
+          <p:cNvSpPr txBox="1">
+            <a:spLocks noGrp="1"/>
+          </p:cNvSpPr>
           <p:nvPr>
-            <p:ph idx="1" type="body"/>
+            <p:ph type="body" idx="1"/>
           </p:nvPr>
         </p:nvSpPr>
         <p:spPr>
@@ -2046,11 +2115,11 @@
           </a:prstGeom>
         </p:spPr>
         <p:txBody>
-          <a:bodyPr anchorCtr="0" anchor="t" bIns="91425" lIns="91425" spcFirstLastPara="1" rIns="91425" wrap="square" tIns="91425">
+          <a:bodyPr spcFirstLastPara="1" wrap="square" lIns="91425" tIns="91425" rIns="91425" bIns="91425" anchor="t" anchorCtr="0">
             <a:normAutofit/>
           </a:bodyPr>
           <a:lstStyle>
-            <a:lvl1pPr indent="-342900" lvl="0" marL="457200" algn="ctr">
+            <a:lvl1pPr marL="457200" lvl="0" indent="-342900" algn="ctr">
               <a:spcBef>
                 <a:spcPts val="0"/>
               </a:spcBef>
@@ -2061,7 +2130,7 @@
               <a:buChar char="●"/>
               <a:defRPr/>
             </a:lvl1pPr>
-            <a:lvl2pPr indent="-317500" lvl="1" marL="914400" algn="ctr">
+            <a:lvl2pPr marL="914400" lvl="1" indent="-317500" algn="ctr">
               <a:spcBef>
                 <a:spcPts val="0"/>
               </a:spcBef>
@@ -2072,7 +2141,7 @@
               <a:buChar char="○"/>
               <a:defRPr/>
             </a:lvl2pPr>
-            <a:lvl3pPr indent="-317500" lvl="2" marL="1371600" algn="ctr">
+            <a:lvl3pPr marL="1371600" lvl="2" indent="-317500" algn="ctr">
               <a:spcBef>
                 <a:spcPts val="0"/>
               </a:spcBef>
@@ -2083,7 +2152,7 @@
               <a:buChar char="■"/>
               <a:defRPr/>
             </a:lvl3pPr>
-            <a:lvl4pPr indent="-317500" lvl="3" marL="1828800" algn="ctr">
+            <a:lvl4pPr marL="1828800" lvl="3" indent="-317500" algn="ctr">
               <a:spcBef>
                 <a:spcPts val="0"/>
               </a:spcBef>
@@ -2094,7 +2163,7 @@
               <a:buChar char="●"/>
               <a:defRPr/>
             </a:lvl4pPr>
-            <a:lvl5pPr indent="-317500" lvl="4" marL="2286000" algn="ctr">
+            <a:lvl5pPr marL="2286000" lvl="4" indent="-317500" algn="ctr">
               <a:spcBef>
                 <a:spcPts val="0"/>
               </a:spcBef>
@@ -2105,7 +2174,7 @@
               <a:buChar char="○"/>
               <a:defRPr/>
             </a:lvl5pPr>
-            <a:lvl6pPr indent="-317500" lvl="5" marL="2743200" algn="ctr">
+            <a:lvl6pPr marL="2743200" lvl="5" indent="-317500" algn="ctr">
               <a:spcBef>
                 <a:spcPts val="0"/>
               </a:spcBef>
@@ -2116,7 +2185,7 @@
               <a:buChar char="■"/>
               <a:defRPr/>
             </a:lvl6pPr>
-            <a:lvl7pPr indent="-317500" lvl="6" marL="3200400" algn="ctr">
+            <a:lvl7pPr marL="3200400" lvl="6" indent="-317500" algn="ctr">
               <a:spcBef>
                 <a:spcPts val="0"/>
               </a:spcBef>
@@ -2127,7 +2196,7 @@
               <a:buChar char="●"/>
               <a:defRPr/>
             </a:lvl7pPr>
-            <a:lvl8pPr indent="-317500" lvl="7" marL="3657600" algn="ctr">
+            <a:lvl8pPr marL="3657600" lvl="7" indent="-317500" algn="ctr">
               <a:spcBef>
                 <a:spcPts val="0"/>
               </a:spcBef>
@@ -2138,7 +2207,7 @@
               <a:buChar char="○"/>
               <a:defRPr/>
             </a:lvl8pPr>
-            <a:lvl9pPr indent="-317500" lvl="8" marL="4114800" algn="ctr">
+            <a:lvl9pPr marL="4114800" lvl="8" indent="-317500" algn="ctr">
               <a:spcBef>
                 <a:spcPts val="0"/>
               </a:spcBef>
@@ -2150,15 +2219,19 @@
               <a:defRPr/>
             </a:lvl9pPr>
           </a:lstStyle>
-          <a:p/>
+          <a:p>
+            <a:endParaRPr/>
+          </a:p>
         </p:txBody>
       </p:sp>
       <p:sp>
         <p:nvSpPr>
           <p:cNvPr id="47" name="Google Shape;47;p11"/>
-          <p:cNvSpPr txBox="1"/>
+          <p:cNvSpPr txBox="1">
+            <a:spLocks noGrp="1"/>
+          </p:cNvSpPr>
           <p:nvPr>
-            <p:ph idx="12" type="sldNum"/>
+            <p:ph type="sldNum" idx="12"/>
           </p:nvPr>
         </p:nvSpPr>
         <p:spPr>
@@ -2171,7 +2244,7 @@
           </a:prstGeom>
         </p:spPr>
         <p:txBody>
-          <a:bodyPr anchorCtr="0" anchor="ctr" bIns="91425" lIns="91425" spcFirstLastPara="1" rIns="91425" wrap="square" tIns="91425">
+          <a:bodyPr spcFirstLastPara="1" wrap="square" lIns="91425" tIns="91425" rIns="91425" bIns="91425" anchor="ctr" anchorCtr="0">
             <a:normAutofit/>
           </a:bodyPr>
           <a:lstStyle>
@@ -2213,7 +2286,7 @@
             </a:lvl9pPr>
           </a:lstStyle>
           <a:p>
-            <a:pPr indent="0" lvl="0" marL="0" rtl="0" algn="r">
+            <a:pPr marL="0" lvl="0" indent="0" algn="r" rtl="0">
               <a:spcBef>
                 <a:spcPts val="0"/>
               </a:spcBef>
@@ -2239,11 +2312,11 @@
 </file>
 
 <file path=ppt/slideLayouts/slideLayout11.xml><?xml version="1.0" encoding="utf-8"?>
-<p:sldLayout xmlns:a="http://schemas.openxmlformats.org/drawingml/2006/main" xmlns:r="http://schemas.openxmlformats.org/officeDocument/2006/relationships" xmlns:mc="http://schemas.openxmlformats.org/markup-compatibility/2006" xmlns:mv="urn:schemas-microsoft-com:mac:vml" xmlns:p="http://schemas.openxmlformats.org/presentationml/2006/main" xmlns:c="http://schemas.openxmlformats.org/drawingml/2006/chart" xmlns:dgm="http://schemas.openxmlformats.org/drawingml/2006/diagram" xmlns:o="urn:schemas-microsoft-com:office:office" xmlns:v="urn:schemas-microsoft-com:vml" xmlns:pvml="urn:schemas-microsoft-com:office:powerpoint" xmlns:com="http://schemas.openxmlformats.org/drawingml/2006/compatibility" xmlns:p14="http://schemas.microsoft.com/office/powerpoint/2010/main" xmlns:p15="http://schemas.microsoft.com/office/powerpoint/2012/main" xmlns:ahyp="http://schemas.microsoft.com/office/drawing/2018/hyperlinkcolor" matchingName="Blank" type="blank">
+<p:sldLayout xmlns:a="http://schemas.openxmlformats.org/drawingml/2006/main" xmlns:r="http://schemas.openxmlformats.org/officeDocument/2006/relationships" xmlns:p="http://schemas.openxmlformats.org/presentationml/2006/main" matchingName="Blank" type="blank">
   <p:cSld name="BLANK">
     <p:spTree>
       <p:nvGrpSpPr>
-        <p:cNvPr id="48" name="Shape 48"/>
+        <p:cNvPr id="1" name="Shape 48"/>
         <p:cNvGrpSpPr/>
         <p:nvPr/>
       </p:nvGrpSpPr>
@@ -2258,9 +2331,11 @@
       <p:sp>
         <p:nvSpPr>
           <p:cNvPr id="49" name="Google Shape;49;p12"/>
-          <p:cNvSpPr txBox="1"/>
+          <p:cNvSpPr txBox="1">
+            <a:spLocks noGrp="1"/>
+          </p:cNvSpPr>
           <p:nvPr>
-            <p:ph idx="12" type="sldNum"/>
+            <p:ph type="sldNum" idx="12"/>
           </p:nvPr>
         </p:nvSpPr>
         <p:spPr>
@@ -2273,7 +2348,7 @@
           </a:prstGeom>
         </p:spPr>
         <p:txBody>
-          <a:bodyPr anchorCtr="0" anchor="ctr" bIns="91425" lIns="91425" spcFirstLastPara="1" rIns="91425" wrap="square" tIns="91425">
+          <a:bodyPr spcFirstLastPara="1" wrap="square" lIns="91425" tIns="91425" rIns="91425" bIns="91425" anchor="ctr" anchorCtr="0">
             <a:normAutofit/>
           </a:bodyPr>
           <a:lstStyle>
@@ -2315,7 +2390,7 @@
             </a:lvl9pPr>
           </a:lstStyle>
           <a:p>
-            <a:pPr indent="0" lvl="0" marL="0" rtl="0" algn="r">
+            <a:pPr marL="0" lvl="0" indent="0" algn="r" rtl="0">
               <a:spcBef>
                 <a:spcPts val="0"/>
               </a:spcBef>
@@ -2341,11 +2416,11 @@
 </file>
 
 <file path=ppt/slideLayouts/slideLayout2.xml><?xml version="1.0" encoding="utf-8"?>
-<p:sldLayout xmlns:a="http://schemas.openxmlformats.org/drawingml/2006/main" xmlns:r="http://schemas.openxmlformats.org/officeDocument/2006/relationships" xmlns:mc="http://schemas.openxmlformats.org/markup-compatibility/2006" xmlns:mv="urn:schemas-microsoft-com:mac:vml" xmlns:p="http://schemas.openxmlformats.org/presentationml/2006/main" xmlns:c="http://schemas.openxmlformats.org/drawingml/2006/chart" xmlns:dgm="http://schemas.openxmlformats.org/drawingml/2006/diagram" xmlns:o="urn:schemas-microsoft-com:office:office" xmlns:v="urn:schemas-microsoft-com:vml" xmlns:pvml="urn:schemas-microsoft-com:office:powerpoint" xmlns:com="http://schemas.openxmlformats.org/drawingml/2006/compatibility" xmlns:p14="http://schemas.microsoft.com/office/powerpoint/2010/main" xmlns:p15="http://schemas.microsoft.com/office/powerpoint/2012/main" xmlns:ahyp="http://schemas.microsoft.com/office/drawing/2018/hyperlinkcolor" matchingName="Section header" type="secHead">
+<p:sldLayout xmlns:a="http://schemas.openxmlformats.org/drawingml/2006/main" xmlns:r="http://schemas.openxmlformats.org/officeDocument/2006/relationships" xmlns:p="http://schemas.openxmlformats.org/presentationml/2006/main" matchingName="Section header" type="secHead">
   <p:cSld name="SECTION_HEADER">
     <p:spTree>
       <p:nvGrpSpPr>
-        <p:cNvPr id="13" name="Shape 13"/>
+        <p:cNvPr id="1" name="Shape 13"/>
         <p:cNvGrpSpPr/>
         <p:nvPr/>
       </p:nvGrpSpPr>
@@ -2360,7 +2435,9 @@
       <p:sp>
         <p:nvSpPr>
           <p:cNvPr id="14" name="Google Shape;14;p3"/>
-          <p:cNvSpPr txBox="1"/>
+          <p:cNvSpPr txBox="1">
+            <a:spLocks noGrp="1"/>
+          </p:cNvSpPr>
           <p:nvPr>
             <p:ph type="title"/>
           </p:nvPr>
@@ -2375,7 +2452,7 @@
           </a:prstGeom>
         </p:spPr>
         <p:txBody>
-          <a:bodyPr anchorCtr="0" anchor="ctr" bIns="91425" lIns="91425" spcFirstLastPara="1" rIns="91425" wrap="square" tIns="91425">
+          <a:bodyPr spcFirstLastPara="1" wrap="square" lIns="91425" tIns="91425" rIns="91425" bIns="91425" anchor="ctr" anchorCtr="0">
             <a:normAutofit/>
           </a:bodyPr>
           <a:lstStyle>
@@ -2479,15 +2556,19 @@
               <a:defRPr sz="3600"/>
             </a:lvl9pPr>
           </a:lstStyle>
-          <a:p/>
+          <a:p>
+            <a:endParaRPr/>
+          </a:p>
         </p:txBody>
       </p:sp>
       <p:sp>
         <p:nvSpPr>
           <p:cNvPr id="15" name="Google Shape;15;p3"/>
-          <p:cNvSpPr txBox="1"/>
+          <p:cNvSpPr txBox="1">
+            <a:spLocks noGrp="1"/>
+          </p:cNvSpPr>
           <p:nvPr>
-            <p:ph idx="12" type="sldNum"/>
+            <p:ph type="sldNum" idx="12"/>
           </p:nvPr>
         </p:nvSpPr>
         <p:spPr>
@@ -2500,7 +2581,7 @@
           </a:prstGeom>
         </p:spPr>
         <p:txBody>
-          <a:bodyPr anchorCtr="0" anchor="ctr" bIns="91425" lIns="91425" spcFirstLastPara="1" rIns="91425" wrap="square" tIns="91425">
+          <a:bodyPr spcFirstLastPara="1" wrap="square" lIns="91425" tIns="91425" rIns="91425" bIns="91425" anchor="ctr" anchorCtr="0">
             <a:normAutofit/>
           </a:bodyPr>
           <a:lstStyle>
@@ -2542,7 +2623,7 @@
             </a:lvl9pPr>
           </a:lstStyle>
           <a:p>
-            <a:pPr indent="0" lvl="0" marL="0" rtl="0" algn="r">
+            <a:pPr marL="0" lvl="0" indent="0" algn="r" rtl="0">
               <a:spcBef>
                 <a:spcPts val="0"/>
               </a:spcBef>
@@ -2568,11 +2649,11 @@
 </file>
 
 <file path=ppt/slideLayouts/slideLayout3.xml><?xml version="1.0" encoding="utf-8"?>
-<p:sldLayout xmlns:a="http://schemas.openxmlformats.org/drawingml/2006/main" xmlns:r="http://schemas.openxmlformats.org/officeDocument/2006/relationships" xmlns:mc="http://schemas.openxmlformats.org/markup-compatibility/2006" xmlns:mv="urn:schemas-microsoft-com:mac:vml" xmlns:p="http://schemas.openxmlformats.org/presentationml/2006/main" xmlns:c="http://schemas.openxmlformats.org/drawingml/2006/chart" xmlns:dgm="http://schemas.openxmlformats.org/drawingml/2006/diagram" xmlns:o="urn:schemas-microsoft-com:office:office" xmlns:v="urn:schemas-microsoft-com:vml" xmlns:pvml="urn:schemas-microsoft-com:office:powerpoint" xmlns:com="http://schemas.openxmlformats.org/drawingml/2006/compatibility" xmlns:p14="http://schemas.microsoft.com/office/powerpoint/2010/main" xmlns:p15="http://schemas.microsoft.com/office/powerpoint/2012/main" xmlns:ahyp="http://schemas.microsoft.com/office/drawing/2018/hyperlinkcolor" matchingName="Title and body" type="tx">
+<p:sldLayout xmlns:a="http://schemas.openxmlformats.org/drawingml/2006/main" xmlns:r="http://schemas.openxmlformats.org/officeDocument/2006/relationships" xmlns:p="http://schemas.openxmlformats.org/presentationml/2006/main" matchingName="Title and body" type="tx">
   <p:cSld name="TITLE_AND_BODY">
     <p:spTree>
       <p:nvGrpSpPr>
-        <p:cNvPr id="16" name="Shape 16"/>
+        <p:cNvPr id="1" name="Shape 16"/>
         <p:cNvGrpSpPr/>
         <p:nvPr/>
       </p:nvGrpSpPr>
@@ -2587,7 +2668,9 @@
       <p:sp>
         <p:nvSpPr>
           <p:cNvPr id="17" name="Google Shape;17;p4"/>
-          <p:cNvSpPr txBox="1"/>
+          <p:cNvSpPr txBox="1">
+            <a:spLocks noGrp="1"/>
+          </p:cNvSpPr>
           <p:nvPr>
             <p:ph type="title"/>
           </p:nvPr>
@@ -2602,7 +2685,7 @@
           </a:prstGeom>
         </p:spPr>
         <p:txBody>
-          <a:bodyPr anchorCtr="0" anchor="t" bIns="91425" lIns="91425" spcFirstLastPara="1" rIns="91425" wrap="square" tIns="91425">
+          <a:bodyPr spcFirstLastPara="1" wrap="square" lIns="91425" tIns="91425" rIns="91425" bIns="91425" anchor="t" anchorCtr="0">
             <a:normAutofit/>
           </a:bodyPr>
           <a:lstStyle>
@@ -2706,15 +2789,19 @@
               <a:defRPr/>
             </a:lvl9pPr>
           </a:lstStyle>
-          <a:p/>
+          <a:p>
+            <a:endParaRPr/>
+          </a:p>
         </p:txBody>
       </p:sp>
       <p:sp>
         <p:nvSpPr>
           <p:cNvPr id="18" name="Google Shape;18;p4"/>
-          <p:cNvSpPr txBox="1"/>
+          <p:cNvSpPr txBox="1">
+            <a:spLocks noGrp="1"/>
+          </p:cNvSpPr>
           <p:nvPr>
-            <p:ph idx="1" type="body"/>
+            <p:ph type="body" idx="1"/>
           </p:nvPr>
         </p:nvSpPr>
         <p:spPr>
@@ -2727,11 +2814,11 @@
           </a:prstGeom>
         </p:spPr>
         <p:txBody>
-          <a:bodyPr anchorCtr="0" anchor="t" bIns="91425" lIns="91425" spcFirstLastPara="1" rIns="91425" wrap="square" tIns="91425">
+          <a:bodyPr spcFirstLastPara="1" wrap="square" lIns="91425" tIns="91425" rIns="91425" bIns="91425" anchor="t" anchorCtr="0">
             <a:normAutofit/>
           </a:bodyPr>
           <a:lstStyle>
-            <a:lvl1pPr indent="-342900" lvl="0" marL="457200">
+            <a:lvl1pPr marL="457200" lvl="0" indent="-342900">
               <a:spcBef>
                 <a:spcPts val="0"/>
               </a:spcBef>
@@ -2742,7 +2829,7 @@
               <a:buChar char="●"/>
               <a:defRPr/>
             </a:lvl1pPr>
-            <a:lvl2pPr indent="-317500" lvl="1" marL="914400">
+            <a:lvl2pPr marL="914400" lvl="1" indent="-317500">
               <a:spcBef>
                 <a:spcPts val="0"/>
               </a:spcBef>
@@ -2753,7 +2840,7 @@
               <a:buChar char="○"/>
               <a:defRPr/>
             </a:lvl2pPr>
-            <a:lvl3pPr indent="-317500" lvl="2" marL="1371600">
+            <a:lvl3pPr marL="1371600" lvl="2" indent="-317500">
               <a:spcBef>
                 <a:spcPts val="0"/>
               </a:spcBef>
@@ -2764,7 +2851,7 @@
               <a:buChar char="■"/>
               <a:defRPr/>
             </a:lvl3pPr>
-            <a:lvl4pPr indent="-317500" lvl="3" marL="1828800">
+            <a:lvl4pPr marL="1828800" lvl="3" indent="-317500">
               <a:spcBef>
                 <a:spcPts val="0"/>
               </a:spcBef>
@@ -2775,7 +2862,7 @@
               <a:buChar char="●"/>
               <a:defRPr/>
             </a:lvl4pPr>
-            <a:lvl5pPr indent="-317500" lvl="4" marL="2286000">
+            <a:lvl5pPr marL="2286000" lvl="4" indent="-317500">
               <a:spcBef>
                 <a:spcPts val="0"/>
               </a:spcBef>
@@ -2786,7 +2873,7 @@
               <a:buChar char="○"/>
               <a:defRPr/>
             </a:lvl5pPr>
-            <a:lvl6pPr indent="-317500" lvl="5" marL="2743200">
+            <a:lvl6pPr marL="2743200" lvl="5" indent="-317500">
               <a:spcBef>
                 <a:spcPts val="0"/>
               </a:spcBef>
@@ -2797,7 +2884,7 @@
               <a:buChar char="■"/>
               <a:defRPr/>
             </a:lvl6pPr>
-            <a:lvl7pPr indent="-317500" lvl="6" marL="3200400">
+            <a:lvl7pPr marL="3200400" lvl="6" indent="-317500">
               <a:spcBef>
                 <a:spcPts val="0"/>
               </a:spcBef>
@@ -2808,7 +2895,7 @@
               <a:buChar char="●"/>
               <a:defRPr/>
             </a:lvl7pPr>
-            <a:lvl8pPr indent="-317500" lvl="7" marL="3657600">
+            <a:lvl8pPr marL="3657600" lvl="7" indent="-317500">
               <a:spcBef>
                 <a:spcPts val="0"/>
               </a:spcBef>
@@ -2819,7 +2906,7 @@
               <a:buChar char="○"/>
               <a:defRPr/>
             </a:lvl8pPr>
-            <a:lvl9pPr indent="-317500" lvl="8" marL="4114800">
+            <a:lvl9pPr marL="4114800" lvl="8" indent="-317500">
               <a:spcBef>
                 <a:spcPts val="0"/>
               </a:spcBef>
@@ -2831,15 +2918,19 @@
               <a:defRPr/>
             </a:lvl9pPr>
           </a:lstStyle>
-          <a:p/>
+          <a:p>
+            <a:endParaRPr/>
+          </a:p>
         </p:txBody>
       </p:sp>
       <p:sp>
         <p:nvSpPr>
           <p:cNvPr id="19" name="Google Shape;19;p4"/>
-          <p:cNvSpPr txBox="1"/>
+          <p:cNvSpPr txBox="1">
+            <a:spLocks noGrp="1"/>
+          </p:cNvSpPr>
           <p:nvPr>
-            <p:ph idx="12" type="sldNum"/>
+            <p:ph type="sldNum" idx="12"/>
           </p:nvPr>
         </p:nvSpPr>
         <p:spPr>
@@ -2852,7 +2943,7 @@
           </a:prstGeom>
         </p:spPr>
         <p:txBody>
-          <a:bodyPr anchorCtr="0" anchor="ctr" bIns="91425" lIns="91425" spcFirstLastPara="1" rIns="91425" wrap="square" tIns="91425">
+          <a:bodyPr spcFirstLastPara="1" wrap="square" lIns="91425" tIns="91425" rIns="91425" bIns="91425" anchor="ctr" anchorCtr="0">
             <a:normAutofit/>
           </a:bodyPr>
           <a:lstStyle>
@@ -2894,7 +2985,7 @@
             </a:lvl9pPr>
           </a:lstStyle>
           <a:p>
-            <a:pPr indent="0" lvl="0" marL="0" rtl="0" algn="r">
+            <a:pPr marL="0" lvl="0" indent="0" algn="r" rtl="0">
               <a:spcBef>
                 <a:spcPts val="0"/>
               </a:spcBef>
@@ -2920,11 +3011,11 @@
 </file>
 
 <file path=ppt/slideLayouts/slideLayout4.xml><?xml version="1.0" encoding="utf-8"?>
-<p:sldLayout xmlns:a="http://schemas.openxmlformats.org/drawingml/2006/main" xmlns:r="http://schemas.openxmlformats.org/officeDocument/2006/relationships" xmlns:mc="http://schemas.openxmlformats.org/markup-compatibility/2006" xmlns:mv="urn:schemas-microsoft-com:mac:vml" xmlns:p="http://schemas.openxmlformats.org/presentationml/2006/main" xmlns:c="http://schemas.openxmlformats.org/drawingml/2006/chart" xmlns:dgm="http://schemas.openxmlformats.org/drawingml/2006/diagram" xmlns:o="urn:schemas-microsoft-com:office:office" xmlns:v="urn:schemas-microsoft-com:vml" xmlns:pvml="urn:schemas-microsoft-com:office:powerpoint" xmlns:com="http://schemas.openxmlformats.org/drawingml/2006/compatibility" xmlns:p14="http://schemas.microsoft.com/office/powerpoint/2010/main" xmlns:p15="http://schemas.microsoft.com/office/powerpoint/2012/main" xmlns:ahyp="http://schemas.microsoft.com/office/drawing/2018/hyperlinkcolor" matchingName="Title and two columns" type="twoColTx">
+<p:sldLayout xmlns:a="http://schemas.openxmlformats.org/drawingml/2006/main" xmlns:r="http://schemas.openxmlformats.org/officeDocument/2006/relationships" xmlns:p="http://schemas.openxmlformats.org/presentationml/2006/main" matchingName="Title and two columns" type="twoColTx">
   <p:cSld name="TITLE_AND_TWO_COLUMNS">
     <p:spTree>
       <p:nvGrpSpPr>
-        <p:cNvPr id="20" name="Shape 20"/>
+        <p:cNvPr id="1" name="Shape 20"/>
         <p:cNvGrpSpPr/>
         <p:nvPr/>
       </p:nvGrpSpPr>
@@ -2939,7 +3030,9 @@
       <p:sp>
         <p:nvSpPr>
           <p:cNvPr id="21" name="Google Shape;21;p5"/>
-          <p:cNvSpPr txBox="1"/>
+          <p:cNvSpPr txBox="1">
+            <a:spLocks noGrp="1"/>
+          </p:cNvSpPr>
           <p:nvPr>
             <p:ph type="title"/>
           </p:nvPr>
@@ -2954,7 +3047,7 @@
           </a:prstGeom>
         </p:spPr>
         <p:txBody>
-          <a:bodyPr anchorCtr="0" anchor="t" bIns="91425" lIns="91425" spcFirstLastPara="1" rIns="91425" wrap="square" tIns="91425">
+          <a:bodyPr spcFirstLastPara="1" wrap="square" lIns="91425" tIns="91425" rIns="91425" bIns="91425" anchor="t" anchorCtr="0">
             <a:normAutofit/>
           </a:bodyPr>
           <a:lstStyle>
@@ -3058,15 +3151,19 @@
               <a:defRPr/>
             </a:lvl9pPr>
           </a:lstStyle>
-          <a:p/>
+          <a:p>
+            <a:endParaRPr/>
+          </a:p>
         </p:txBody>
       </p:sp>
       <p:sp>
         <p:nvSpPr>
           <p:cNvPr id="22" name="Google Shape;22;p5"/>
-          <p:cNvSpPr txBox="1"/>
+          <p:cNvSpPr txBox="1">
+            <a:spLocks noGrp="1"/>
+          </p:cNvSpPr>
           <p:nvPr>
-            <p:ph idx="1" type="body"/>
+            <p:ph type="body" idx="1"/>
           </p:nvPr>
         </p:nvSpPr>
         <p:spPr>
@@ -3079,11 +3176,11 @@
           </a:prstGeom>
         </p:spPr>
         <p:txBody>
-          <a:bodyPr anchorCtr="0" anchor="t" bIns="91425" lIns="91425" spcFirstLastPara="1" rIns="91425" wrap="square" tIns="91425">
+          <a:bodyPr spcFirstLastPara="1" wrap="square" lIns="91425" tIns="91425" rIns="91425" bIns="91425" anchor="t" anchorCtr="0">
             <a:normAutofit/>
           </a:bodyPr>
           <a:lstStyle>
-            <a:lvl1pPr indent="-317500" lvl="0" marL="457200">
+            <a:lvl1pPr marL="457200" lvl="0" indent="-317500">
               <a:spcBef>
                 <a:spcPts val="0"/>
               </a:spcBef>
@@ -3094,7 +3191,7 @@
               <a:buChar char="●"/>
               <a:defRPr sz="1400"/>
             </a:lvl1pPr>
-            <a:lvl2pPr indent="-304800" lvl="1" marL="914400">
+            <a:lvl2pPr marL="914400" lvl="1" indent="-304800">
               <a:spcBef>
                 <a:spcPts val="0"/>
               </a:spcBef>
@@ -3105,7 +3202,7 @@
               <a:buChar char="○"/>
               <a:defRPr sz="1200"/>
             </a:lvl2pPr>
-            <a:lvl3pPr indent="-304800" lvl="2" marL="1371600">
+            <a:lvl3pPr marL="1371600" lvl="2" indent="-304800">
               <a:spcBef>
                 <a:spcPts val="0"/>
               </a:spcBef>
@@ -3116,7 +3213,7 @@
               <a:buChar char="■"/>
               <a:defRPr sz="1200"/>
             </a:lvl3pPr>
-            <a:lvl4pPr indent="-304800" lvl="3" marL="1828800">
+            <a:lvl4pPr marL="1828800" lvl="3" indent="-304800">
               <a:spcBef>
                 <a:spcPts val="0"/>
               </a:spcBef>
@@ -3127,7 +3224,7 @@
               <a:buChar char="●"/>
               <a:defRPr sz="1200"/>
             </a:lvl4pPr>
-            <a:lvl5pPr indent="-304800" lvl="4" marL="2286000">
+            <a:lvl5pPr marL="2286000" lvl="4" indent="-304800">
               <a:spcBef>
                 <a:spcPts val="0"/>
               </a:spcBef>
@@ -3138,7 +3235,7 @@
               <a:buChar char="○"/>
               <a:defRPr sz="1200"/>
             </a:lvl5pPr>
-            <a:lvl6pPr indent="-304800" lvl="5" marL="2743200">
+            <a:lvl6pPr marL="2743200" lvl="5" indent="-304800">
               <a:spcBef>
                 <a:spcPts val="0"/>
               </a:spcBef>
@@ -3149,7 +3246,7 @@
               <a:buChar char="■"/>
               <a:defRPr sz="1200"/>
             </a:lvl6pPr>
-            <a:lvl7pPr indent="-304800" lvl="6" marL="3200400">
+            <a:lvl7pPr marL="3200400" lvl="6" indent="-304800">
               <a:spcBef>
                 <a:spcPts val="0"/>
               </a:spcBef>
@@ -3160,7 +3257,7 @@
               <a:buChar char="●"/>
               <a:defRPr sz="1200"/>
             </a:lvl7pPr>
-            <a:lvl8pPr indent="-304800" lvl="7" marL="3657600">
+            <a:lvl8pPr marL="3657600" lvl="7" indent="-304800">
               <a:spcBef>
                 <a:spcPts val="0"/>
               </a:spcBef>
@@ -3171,7 +3268,7 @@
               <a:buChar char="○"/>
               <a:defRPr sz="1200"/>
             </a:lvl8pPr>
-            <a:lvl9pPr indent="-304800" lvl="8" marL="4114800">
+            <a:lvl9pPr marL="4114800" lvl="8" indent="-304800">
               <a:spcBef>
                 <a:spcPts val="0"/>
               </a:spcBef>
@@ -3183,15 +3280,19 @@
               <a:defRPr sz="1200"/>
             </a:lvl9pPr>
           </a:lstStyle>
-          <a:p/>
+          <a:p>
+            <a:endParaRPr/>
+          </a:p>
         </p:txBody>
       </p:sp>
       <p:sp>
         <p:nvSpPr>
           <p:cNvPr id="23" name="Google Shape;23;p5"/>
-          <p:cNvSpPr txBox="1"/>
+          <p:cNvSpPr txBox="1">
+            <a:spLocks noGrp="1"/>
+          </p:cNvSpPr>
           <p:nvPr>
-            <p:ph idx="2" type="body"/>
+            <p:ph type="body" idx="2"/>
           </p:nvPr>
         </p:nvSpPr>
         <p:spPr>
@@ -3204,11 +3305,11 @@
           </a:prstGeom>
         </p:spPr>
         <p:txBody>
-          <a:bodyPr anchorCtr="0" anchor="t" bIns="91425" lIns="91425" spcFirstLastPara="1" rIns="91425" wrap="square" tIns="91425">
+          <a:bodyPr spcFirstLastPara="1" wrap="square" lIns="91425" tIns="91425" rIns="91425" bIns="91425" anchor="t" anchorCtr="0">
             <a:normAutofit/>
           </a:bodyPr>
           <a:lstStyle>
-            <a:lvl1pPr indent="-317500" lvl="0" marL="457200">
+            <a:lvl1pPr marL="457200" lvl="0" indent="-317500">
               <a:spcBef>
                 <a:spcPts val="0"/>
               </a:spcBef>
@@ -3219,7 +3320,7 @@
               <a:buChar char="●"/>
               <a:defRPr sz="1400"/>
             </a:lvl1pPr>
-            <a:lvl2pPr indent="-304800" lvl="1" marL="914400">
+            <a:lvl2pPr marL="914400" lvl="1" indent="-304800">
               <a:spcBef>
                 <a:spcPts val="0"/>
               </a:spcBef>
@@ -3230,7 +3331,7 @@
               <a:buChar char="○"/>
               <a:defRPr sz="1200"/>
             </a:lvl2pPr>
-            <a:lvl3pPr indent="-304800" lvl="2" marL="1371600">
+            <a:lvl3pPr marL="1371600" lvl="2" indent="-304800">
               <a:spcBef>
                 <a:spcPts val="0"/>
               </a:spcBef>
@@ -3241,7 +3342,7 @@
               <a:buChar char="■"/>
               <a:defRPr sz="1200"/>
             </a:lvl3pPr>
-            <a:lvl4pPr indent="-304800" lvl="3" marL="1828800">
+            <a:lvl4pPr marL="1828800" lvl="3" indent="-304800">
               <a:spcBef>
                 <a:spcPts val="0"/>
               </a:spcBef>
@@ -3252,7 +3353,7 @@
               <a:buChar char="●"/>
               <a:defRPr sz="1200"/>
             </a:lvl4pPr>
-            <a:lvl5pPr indent="-304800" lvl="4" marL="2286000">
+            <a:lvl5pPr marL="2286000" lvl="4" indent="-304800">
               <a:spcBef>
                 <a:spcPts val="0"/>
               </a:spcBef>
@@ -3263,7 +3364,7 @@
               <a:buChar char="○"/>
               <a:defRPr sz="1200"/>
             </a:lvl5pPr>
-            <a:lvl6pPr indent="-304800" lvl="5" marL="2743200">
+            <a:lvl6pPr marL="2743200" lvl="5" indent="-304800">
               <a:spcBef>
                 <a:spcPts val="0"/>
               </a:spcBef>
@@ -3274,7 +3375,7 @@
               <a:buChar char="■"/>
               <a:defRPr sz="1200"/>
             </a:lvl6pPr>
-            <a:lvl7pPr indent="-304800" lvl="6" marL="3200400">
+            <a:lvl7pPr marL="3200400" lvl="6" indent="-304800">
               <a:spcBef>
                 <a:spcPts val="0"/>
               </a:spcBef>
@@ -3285,7 +3386,7 @@
               <a:buChar char="●"/>
               <a:defRPr sz="1200"/>
             </a:lvl7pPr>
-            <a:lvl8pPr indent="-304800" lvl="7" marL="3657600">
+            <a:lvl8pPr marL="3657600" lvl="7" indent="-304800">
               <a:spcBef>
                 <a:spcPts val="0"/>
               </a:spcBef>
@@ -3296,7 +3397,7 @@
               <a:buChar char="○"/>
               <a:defRPr sz="1200"/>
             </a:lvl8pPr>
-            <a:lvl9pPr indent="-304800" lvl="8" marL="4114800">
+            <a:lvl9pPr marL="4114800" lvl="8" indent="-304800">
               <a:spcBef>
                 <a:spcPts val="0"/>
               </a:spcBef>
@@ -3308,15 +3409,19 @@
               <a:defRPr sz="1200"/>
             </a:lvl9pPr>
           </a:lstStyle>
-          <a:p/>
+          <a:p>
+            <a:endParaRPr/>
+          </a:p>
         </p:txBody>
       </p:sp>
       <p:sp>
         <p:nvSpPr>
           <p:cNvPr id="24" name="Google Shape;24;p5"/>
-          <p:cNvSpPr txBox="1"/>
+          <p:cNvSpPr txBox="1">
+            <a:spLocks noGrp="1"/>
+          </p:cNvSpPr>
           <p:nvPr>
-            <p:ph idx="12" type="sldNum"/>
+            <p:ph type="sldNum" idx="12"/>
           </p:nvPr>
         </p:nvSpPr>
         <p:spPr>
@@ -3329,7 +3434,7 @@
           </a:prstGeom>
         </p:spPr>
         <p:txBody>
-          <a:bodyPr anchorCtr="0" anchor="ctr" bIns="91425" lIns="91425" spcFirstLastPara="1" rIns="91425" wrap="square" tIns="91425">
+          <a:bodyPr spcFirstLastPara="1" wrap="square" lIns="91425" tIns="91425" rIns="91425" bIns="91425" anchor="ctr" anchorCtr="0">
             <a:normAutofit/>
           </a:bodyPr>
           <a:lstStyle>
@@ -3371,7 +3476,7 @@
             </a:lvl9pPr>
           </a:lstStyle>
           <a:p>
-            <a:pPr indent="0" lvl="0" marL="0" rtl="0" algn="r">
+            <a:pPr marL="0" lvl="0" indent="0" algn="r" rtl="0">
               <a:spcBef>
                 <a:spcPts val="0"/>
               </a:spcBef>
@@ -3397,11 +3502,11 @@
 </file>
 
 <file path=ppt/slideLayouts/slideLayout5.xml><?xml version="1.0" encoding="utf-8"?>
-<p:sldLayout xmlns:a="http://schemas.openxmlformats.org/drawingml/2006/main" xmlns:r="http://schemas.openxmlformats.org/officeDocument/2006/relationships" xmlns:mc="http://schemas.openxmlformats.org/markup-compatibility/2006" xmlns:mv="urn:schemas-microsoft-com:mac:vml" xmlns:p="http://schemas.openxmlformats.org/presentationml/2006/main" xmlns:c="http://schemas.openxmlformats.org/drawingml/2006/chart" xmlns:dgm="http://schemas.openxmlformats.org/drawingml/2006/diagram" xmlns:o="urn:schemas-microsoft-com:office:office" xmlns:v="urn:schemas-microsoft-com:vml" xmlns:pvml="urn:schemas-microsoft-com:office:powerpoint" xmlns:com="http://schemas.openxmlformats.org/drawingml/2006/compatibility" xmlns:p14="http://schemas.microsoft.com/office/powerpoint/2010/main" xmlns:p15="http://schemas.microsoft.com/office/powerpoint/2012/main" xmlns:ahyp="http://schemas.microsoft.com/office/drawing/2018/hyperlinkcolor" matchingName="Title only" type="titleOnly">
+<p:sldLayout xmlns:a="http://schemas.openxmlformats.org/drawingml/2006/main" xmlns:r="http://schemas.openxmlformats.org/officeDocument/2006/relationships" xmlns:p="http://schemas.openxmlformats.org/presentationml/2006/main" matchingName="Title only" type="titleOnly">
   <p:cSld name="TITLE_ONLY">
     <p:spTree>
       <p:nvGrpSpPr>
-        <p:cNvPr id="25" name="Shape 25"/>
+        <p:cNvPr id="1" name="Shape 25"/>
         <p:cNvGrpSpPr/>
         <p:nvPr/>
       </p:nvGrpSpPr>
@@ -3416,7 +3521,9 @@
       <p:sp>
         <p:nvSpPr>
           <p:cNvPr id="26" name="Google Shape;26;p6"/>
-          <p:cNvSpPr txBox="1"/>
+          <p:cNvSpPr txBox="1">
+            <a:spLocks noGrp="1"/>
+          </p:cNvSpPr>
           <p:nvPr>
             <p:ph type="title"/>
           </p:nvPr>
@@ -3431,7 +3538,7 @@
           </a:prstGeom>
         </p:spPr>
         <p:txBody>
-          <a:bodyPr anchorCtr="0" anchor="t" bIns="91425" lIns="91425" spcFirstLastPara="1" rIns="91425" wrap="square" tIns="91425">
+          <a:bodyPr spcFirstLastPara="1" wrap="square" lIns="91425" tIns="91425" rIns="91425" bIns="91425" anchor="t" anchorCtr="0">
             <a:normAutofit/>
           </a:bodyPr>
           <a:lstStyle>
@@ -3535,15 +3642,19 @@
               <a:defRPr/>
             </a:lvl9pPr>
           </a:lstStyle>
-          <a:p/>
+          <a:p>
+            <a:endParaRPr/>
+          </a:p>
         </p:txBody>
       </p:sp>
       <p:sp>
         <p:nvSpPr>
           <p:cNvPr id="27" name="Google Shape;27;p6"/>
-          <p:cNvSpPr txBox="1"/>
+          <p:cNvSpPr txBox="1">
+            <a:spLocks noGrp="1"/>
+          </p:cNvSpPr>
           <p:nvPr>
-            <p:ph idx="12" type="sldNum"/>
+            <p:ph type="sldNum" idx="12"/>
           </p:nvPr>
         </p:nvSpPr>
         <p:spPr>
@@ -3556,7 +3667,7 @@
           </a:prstGeom>
         </p:spPr>
         <p:txBody>
-          <a:bodyPr anchorCtr="0" anchor="ctr" bIns="91425" lIns="91425" spcFirstLastPara="1" rIns="91425" wrap="square" tIns="91425">
+          <a:bodyPr spcFirstLastPara="1" wrap="square" lIns="91425" tIns="91425" rIns="91425" bIns="91425" anchor="ctr" anchorCtr="0">
             <a:normAutofit/>
           </a:bodyPr>
           <a:lstStyle>
@@ -3598,7 +3709,7 @@
             </a:lvl9pPr>
           </a:lstStyle>
           <a:p>
-            <a:pPr indent="0" lvl="0" marL="0" rtl="0" algn="r">
+            <a:pPr marL="0" lvl="0" indent="0" algn="r" rtl="0">
               <a:spcBef>
                 <a:spcPts val="0"/>
               </a:spcBef>
@@ -3624,11 +3735,11 @@
 </file>
 
 <file path=ppt/slideLayouts/slideLayout6.xml><?xml version="1.0" encoding="utf-8"?>
-<p:sldLayout xmlns:a="http://schemas.openxmlformats.org/drawingml/2006/main" xmlns:r="http://schemas.openxmlformats.org/officeDocument/2006/relationships" xmlns:mc="http://schemas.openxmlformats.org/markup-compatibility/2006" xmlns:mv="urn:schemas-microsoft-com:mac:vml" xmlns:p="http://schemas.openxmlformats.org/presentationml/2006/main" xmlns:c="http://schemas.openxmlformats.org/drawingml/2006/chart" xmlns:dgm="http://schemas.openxmlformats.org/drawingml/2006/diagram" xmlns:o="urn:schemas-microsoft-com:office:office" xmlns:v="urn:schemas-microsoft-com:vml" xmlns:pvml="urn:schemas-microsoft-com:office:powerpoint" xmlns:com="http://schemas.openxmlformats.org/drawingml/2006/compatibility" xmlns:p14="http://schemas.microsoft.com/office/powerpoint/2010/main" xmlns:p15="http://schemas.microsoft.com/office/powerpoint/2012/main" xmlns:ahyp="http://schemas.microsoft.com/office/drawing/2018/hyperlinkcolor" matchingName="One column text">
+<p:sldLayout xmlns:a="http://schemas.openxmlformats.org/drawingml/2006/main" xmlns:r="http://schemas.openxmlformats.org/officeDocument/2006/relationships" xmlns:p="http://schemas.openxmlformats.org/presentationml/2006/main" matchingName="One column text">
   <p:cSld name="ONE_COLUMN_TEXT">
     <p:spTree>
       <p:nvGrpSpPr>
-        <p:cNvPr id="28" name="Shape 28"/>
+        <p:cNvPr id="1" name="Shape 28"/>
         <p:cNvGrpSpPr/>
         <p:nvPr/>
       </p:nvGrpSpPr>
@@ -3643,7 +3754,9 @@
       <p:sp>
         <p:nvSpPr>
           <p:cNvPr id="29" name="Google Shape;29;p7"/>
-          <p:cNvSpPr txBox="1"/>
+          <p:cNvSpPr txBox="1">
+            <a:spLocks noGrp="1"/>
+          </p:cNvSpPr>
           <p:nvPr>
             <p:ph type="title"/>
           </p:nvPr>
@@ -3658,7 +3771,7 @@
           </a:prstGeom>
         </p:spPr>
         <p:txBody>
-          <a:bodyPr anchorCtr="0" anchor="b" bIns="91425" lIns="91425" spcFirstLastPara="1" rIns="91425" wrap="square" tIns="91425">
+          <a:bodyPr spcFirstLastPara="1" wrap="square" lIns="91425" tIns="91425" rIns="91425" bIns="91425" anchor="b" anchorCtr="0">
             <a:normAutofit/>
           </a:bodyPr>
           <a:lstStyle>
@@ -3762,15 +3875,19 @@
               <a:defRPr sz="2400"/>
             </a:lvl9pPr>
           </a:lstStyle>
-          <a:p/>
+          <a:p>
+            <a:endParaRPr/>
+          </a:p>
         </p:txBody>
       </p:sp>
       <p:sp>
         <p:nvSpPr>
           <p:cNvPr id="30" name="Google Shape;30;p7"/>
-          <p:cNvSpPr txBox="1"/>
+          <p:cNvSpPr txBox="1">
+            <a:spLocks noGrp="1"/>
+          </p:cNvSpPr>
           <p:nvPr>
-            <p:ph idx="1" type="body"/>
+            <p:ph type="body" idx="1"/>
           </p:nvPr>
         </p:nvSpPr>
         <p:spPr>
@@ -3783,11 +3900,11 @@
           </a:prstGeom>
         </p:spPr>
         <p:txBody>
-          <a:bodyPr anchorCtr="0" anchor="t" bIns="91425" lIns="91425" spcFirstLastPara="1" rIns="91425" wrap="square" tIns="91425">
+          <a:bodyPr spcFirstLastPara="1" wrap="square" lIns="91425" tIns="91425" rIns="91425" bIns="91425" anchor="t" anchorCtr="0">
             <a:normAutofit/>
           </a:bodyPr>
           <a:lstStyle>
-            <a:lvl1pPr indent="-304800" lvl="0" marL="457200">
+            <a:lvl1pPr marL="457200" lvl="0" indent="-304800">
               <a:spcBef>
                 <a:spcPts val="0"/>
               </a:spcBef>
@@ -3798,7 +3915,7 @@
               <a:buChar char="●"/>
               <a:defRPr sz="1200"/>
             </a:lvl1pPr>
-            <a:lvl2pPr indent="-304800" lvl="1" marL="914400">
+            <a:lvl2pPr marL="914400" lvl="1" indent="-304800">
               <a:spcBef>
                 <a:spcPts val="0"/>
               </a:spcBef>
@@ -3809,7 +3926,7 @@
               <a:buChar char="○"/>
               <a:defRPr sz="1200"/>
             </a:lvl2pPr>
-            <a:lvl3pPr indent="-304800" lvl="2" marL="1371600">
+            <a:lvl3pPr marL="1371600" lvl="2" indent="-304800">
               <a:spcBef>
                 <a:spcPts val="0"/>
               </a:spcBef>
@@ -3820,7 +3937,7 @@
               <a:buChar char="■"/>
               <a:defRPr sz="1200"/>
             </a:lvl3pPr>
-            <a:lvl4pPr indent="-304800" lvl="3" marL="1828800">
+            <a:lvl4pPr marL="1828800" lvl="3" indent="-304800">
               <a:spcBef>
                 <a:spcPts val="0"/>
               </a:spcBef>
@@ -3831,7 +3948,7 @@
               <a:buChar char="●"/>
               <a:defRPr sz="1200"/>
             </a:lvl4pPr>
-            <a:lvl5pPr indent="-304800" lvl="4" marL="2286000">
+            <a:lvl5pPr marL="2286000" lvl="4" indent="-304800">
               <a:spcBef>
                 <a:spcPts val="0"/>
               </a:spcBef>
@@ -3842,7 +3959,7 @@
               <a:buChar char="○"/>
               <a:defRPr sz="1200"/>
             </a:lvl5pPr>
-            <a:lvl6pPr indent="-304800" lvl="5" marL="2743200">
+            <a:lvl6pPr marL="2743200" lvl="5" indent="-304800">
               <a:spcBef>
                 <a:spcPts val="0"/>
               </a:spcBef>
@@ -3853,7 +3970,7 @@
               <a:buChar char="■"/>
               <a:defRPr sz="1200"/>
             </a:lvl6pPr>
-            <a:lvl7pPr indent="-304800" lvl="6" marL="3200400">
+            <a:lvl7pPr marL="3200400" lvl="6" indent="-304800">
               <a:spcBef>
                 <a:spcPts val="0"/>
               </a:spcBef>
@@ -3864,7 +3981,7 @@
               <a:buChar char="●"/>
               <a:defRPr sz="1200"/>
             </a:lvl7pPr>
-            <a:lvl8pPr indent="-304800" lvl="7" marL="3657600">
+            <a:lvl8pPr marL="3657600" lvl="7" indent="-304800">
               <a:spcBef>
                 <a:spcPts val="0"/>
               </a:spcBef>
@@ -3875,7 +3992,7 @@
               <a:buChar char="○"/>
               <a:defRPr sz="1200"/>
             </a:lvl8pPr>
-            <a:lvl9pPr indent="-304800" lvl="8" marL="4114800">
+            <a:lvl9pPr marL="4114800" lvl="8" indent="-304800">
               <a:spcBef>
                 <a:spcPts val="0"/>
               </a:spcBef>
@@ -3887,15 +4004,19 @@
               <a:defRPr sz="1200"/>
             </a:lvl9pPr>
           </a:lstStyle>
-          <a:p/>
+          <a:p>
+            <a:endParaRPr/>
+          </a:p>
         </p:txBody>
       </p:sp>
       <p:sp>
         <p:nvSpPr>
           <p:cNvPr id="31" name="Google Shape;31;p7"/>
-          <p:cNvSpPr txBox="1"/>
+          <p:cNvSpPr txBox="1">
+            <a:spLocks noGrp="1"/>
+          </p:cNvSpPr>
           <p:nvPr>
-            <p:ph idx="12" type="sldNum"/>
+            <p:ph type="sldNum" idx="12"/>
           </p:nvPr>
         </p:nvSpPr>
         <p:spPr>
@@ -3908,7 +4029,7 @@
           </a:prstGeom>
         </p:spPr>
         <p:txBody>
-          <a:bodyPr anchorCtr="0" anchor="ctr" bIns="91425" lIns="91425" spcFirstLastPara="1" rIns="91425" wrap="square" tIns="91425">
+          <a:bodyPr spcFirstLastPara="1" wrap="square" lIns="91425" tIns="91425" rIns="91425" bIns="91425" anchor="ctr" anchorCtr="0">
             <a:normAutofit/>
           </a:bodyPr>
           <a:lstStyle>
@@ -3950,7 +4071,7 @@
             </a:lvl9pPr>
           </a:lstStyle>
           <a:p>
-            <a:pPr indent="0" lvl="0" marL="0" rtl="0" algn="r">
+            <a:pPr marL="0" lvl="0" indent="0" algn="r" rtl="0">
               <a:spcBef>
                 <a:spcPts val="0"/>
               </a:spcBef>
@@ -3976,11 +4097,11 @@
 </file>
 
 <file path=ppt/slideLayouts/slideLayout7.xml><?xml version="1.0" encoding="utf-8"?>
-<p:sldLayout xmlns:a="http://schemas.openxmlformats.org/drawingml/2006/main" xmlns:r="http://schemas.openxmlformats.org/officeDocument/2006/relationships" xmlns:mc="http://schemas.openxmlformats.org/markup-compatibility/2006" xmlns:mv="urn:schemas-microsoft-com:mac:vml" xmlns:p="http://schemas.openxmlformats.org/presentationml/2006/main" xmlns:c="http://schemas.openxmlformats.org/drawingml/2006/chart" xmlns:dgm="http://schemas.openxmlformats.org/drawingml/2006/diagram" xmlns:o="urn:schemas-microsoft-com:office:office" xmlns:v="urn:schemas-microsoft-com:vml" xmlns:pvml="urn:schemas-microsoft-com:office:powerpoint" xmlns:com="http://schemas.openxmlformats.org/drawingml/2006/compatibility" xmlns:p14="http://schemas.microsoft.com/office/powerpoint/2010/main" xmlns:p15="http://schemas.microsoft.com/office/powerpoint/2012/main" xmlns:ahyp="http://schemas.microsoft.com/office/drawing/2018/hyperlinkcolor" matchingName="Main point">
+<p:sldLayout xmlns:a="http://schemas.openxmlformats.org/drawingml/2006/main" xmlns:r="http://schemas.openxmlformats.org/officeDocument/2006/relationships" xmlns:p="http://schemas.openxmlformats.org/presentationml/2006/main" matchingName="Main point">
   <p:cSld name="MAIN_POINT">
     <p:spTree>
       <p:nvGrpSpPr>
-        <p:cNvPr id="32" name="Shape 32"/>
+        <p:cNvPr id="1" name="Shape 32"/>
         <p:cNvGrpSpPr/>
         <p:nvPr/>
       </p:nvGrpSpPr>
@@ -3995,7 +4116,9 @@
       <p:sp>
         <p:nvSpPr>
           <p:cNvPr id="33" name="Google Shape;33;p8"/>
-          <p:cNvSpPr txBox="1"/>
+          <p:cNvSpPr txBox="1">
+            <a:spLocks noGrp="1"/>
+          </p:cNvSpPr>
           <p:nvPr>
             <p:ph type="title"/>
           </p:nvPr>
@@ -4010,7 +4133,7 @@
           </a:prstGeom>
         </p:spPr>
         <p:txBody>
-          <a:bodyPr anchorCtr="0" anchor="ctr" bIns="91425" lIns="91425" spcFirstLastPara="1" rIns="91425" wrap="square" tIns="91425">
+          <a:bodyPr spcFirstLastPara="1" wrap="square" lIns="91425" tIns="91425" rIns="91425" bIns="91425" anchor="ctr" anchorCtr="0">
             <a:normAutofit/>
           </a:bodyPr>
           <a:lstStyle>
@@ -4114,15 +4237,19 @@
               <a:defRPr sz="4800"/>
             </a:lvl9pPr>
           </a:lstStyle>
-          <a:p/>
+          <a:p>
+            <a:endParaRPr/>
+          </a:p>
         </p:txBody>
       </p:sp>
       <p:sp>
         <p:nvSpPr>
           <p:cNvPr id="34" name="Google Shape;34;p8"/>
-          <p:cNvSpPr txBox="1"/>
+          <p:cNvSpPr txBox="1">
+            <a:spLocks noGrp="1"/>
+          </p:cNvSpPr>
           <p:nvPr>
-            <p:ph idx="12" type="sldNum"/>
+            <p:ph type="sldNum" idx="12"/>
           </p:nvPr>
         </p:nvSpPr>
         <p:spPr>
@@ -4135,7 +4262,7 @@
           </a:prstGeom>
         </p:spPr>
         <p:txBody>
-          <a:bodyPr anchorCtr="0" anchor="ctr" bIns="91425" lIns="91425" spcFirstLastPara="1" rIns="91425" wrap="square" tIns="91425">
+          <a:bodyPr spcFirstLastPara="1" wrap="square" lIns="91425" tIns="91425" rIns="91425" bIns="91425" anchor="ctr" anchorCtr="0">
             <a:normAutofit/>
           </a:bodyPr>
           <a:lstStyle>
@@ -4177,7 +4304,7 @@
             </a:lvl9pPr>
           </a:lstStyle>
           <a:p>
-            <a:pPr indent="0" lvl="0" marL="0" rtl="0" algn="r">
+            <a:pPr marL="0" lvl="0" indent="0" algn="r" rtl="0">
               <a:spcBef>
                 <a:spcPts val="0"/>
               </a:spcBef>
@@ -4203,11 +4330,11 @@
 </file>
 
 <file path=ppt/slideLayouts/slideLayout8.xml><?xml version="1.0" encoding="utf-8"?>
-<p:sldLayout xmlns:a="http://schemas.openxmlformats.org/drawingml/2006/main" xmlns:r="http://schemas.openxmlformats.org/officeDocument/2006/relationships" xmlns:mc="http://schemas.openxmlformats.org/markup-compatibility/2006" xmlns:mv="urn:schemas-microsoft-com:mac:vml" xmlns:p="http://schemas.openxmlformats.org/presentationml/2006/main" xmlns:c="http://schemas.openxmlformats.org/drawingml/2006/chart" xmlns:dgm="http://schemas.openxmlformats.org/drawingml/2006/diagram" xmlns:o="urn:schemas-microsoft-com:office:office" xmlns:v="urn:schemas-microsoft-com:vml" xmlns:pvml="urn:schemas-microsoft-com:office:powerpoint" xmlns:com="http://schemas.openxmlformats.org/drawingml/2006/compatibility" xmlns:p14="http://schemas.microsoft.com/office/powerpoint/2010/main" xmlns:p15="http://schemas.microsoft.com/office/powerpoint/2012/main" xmlns:ahyp="http://schemas.microsoft.com/office/drawing/2018/hyperlinkcolor" matchingName="Section title and description">
+<p:sldLayout xmlns:a="http://schemas.openxmlformats.org/drawingml/2006/main" xmlns:r="http://schemas.openxmlformats.org/officeDocument/2006/relationships" xmlns:p="http://schemas.openxmlformats.org/presentationml/2006/main" matchingName="Section title and description">
   <p:cSld name="SECTION_TITLE_AND_DESCRIPTION">
     <p:spTree>
       <p:nvGrpSpPr>
-        <p:cNvPr id="35" name="Shape 35"/>
+        <p:cNvPr id="1" name="Shape 35"/>
         <p:cNvGrpSpPr/>
         <p:nvPr/>
       </p:nvGrpSpPr>
@@ -4241,12 +4368,12 @@
           </a:ln>
         </p:spPr>
         <p:txBody>
-          <a:bodyPr anchorCtr="0" anchor="ctr" bIns="91425" lIns="91425" spcFirstLastPara="1" rIns="91425" wrap="square" tIns="91425">
+          <a:bodyPr spcFirstLastPara="1" wrap="square" lIns="91425" tIns="91425" rIns="91425" bIns="91425" anchor="ctr" anchorCtr="0">
             <a:noAutofit/>
           </a:bodyPr>
           <a:lstStyle/>
           <a:p>
-            <a:pPr indent="0" lvl="0" marL="0" rtl="0" algn="l">
+            <a:pPr marL="0" lvl="0" indent="0" algn="l" rtl="0">
               <a:spcBef>
                 <a:spcPts val="0"/>
               </a:spcBef>
@@ -4255,9 +4382,6 @@
               </a:spcAft>
               <a:buNone/>
             </a:pPr>
-            <a:r>
-              <a:t/>
-            </a:r>
             <a:endParaRPr/>
           </a:p>
         </p:txBody>
@@ -4265,7 +4389,9 @@
       <p:sp>
         <p:nvSpPr>
           <p:cNvPr id="37" name="Google Shape;37;p9"/>
-          <p:cNvSpPr txBox="1"/>
+          <p:cNvSpPr txBox="1">
+            <a:spLocks noGrp="1"/>
+          </p:cNvSpPr>
           <p:nvPr>
             <p:ph type="title"/>
           </p:nvPr>
@@ -4280,7 +4406,7 @@
           </a:prstGeom>
         </p:spPr>
         <p:txBody>
-          <a:bodyPr anchorCtr="0" anchor="b" bIns="91425" lIns="91425" spcFirstLastPara="1" rIns="91425" wrap="square" tIns="91425">
+          <a:bodyPr spcFirstLastPara="1" wrap="square" lIns="91425" tIns="91425" rIns="91425" bIns="91425" anchor="b" anchorCtr="0">
             <a:normAutofit/>
           </a:bodyPr>
           <a:lstStyle>
@@ -4384,15 +4510,19 @@
               <a:defRPr sz="4200"/>
             </a:lvl9pPr>
           </a:lstStyle>
-          <a:p/>
+          <a:p>
+            <a:endParaRPr/>
+          </a:p>
         </p:txBody>
       </p:sp>
       <p:sp>
         <p:nvSpPr>
           <p:cNvPr id="38" name="Google Shape;38;p9"/>
-          <p:cNvSpPr txBox="1"/>
+          <p:cNvSpPr txBox="1">
+            <a:spLocks noGrp="1"/>
+          </p:cNvSpPr>
           <p:nvPr>
-            <p:ph idx="1" type="subTitle"/>
+            <p:ph type="subTitle" idx="1"/>
           </p:nvPr>
         </p:nvSpPr>
         <p:spPr>
@@ -4405,7 +4535,7 @@
           </a:prstGeom>
         </p:spPr>
         <p:txBody>
-          <a:bodyPr anchorCtr="0" anchor="t" bIns="91425" lIns="91425" spcFirstLastPara="1" rIns="91425" wrap="square" tIns="91425">
+          <a:bodyPr spcFirstLastPara="1" wrap="square" lIns="91425" tIns="91425" rIns="91425" bIns="91425" anchor="t" anchorCtr="0">
             <a:normAutofit/>
           </a:bodyPr>
           <a:lstStyle>
@@ -4536,15 +4666,19 @@
               <a:defRPr sz="2100"/>
             </a:lvl9pPr>
           </a:lstStyle>
-          <a:p/>
+          <a:p>
+            <a:endParaRPr/>
+          </a:p>
         </p:txBody>
       </p:sp>
       <p:sp>
         <p:nvSpPr>
           <p:cNvPr id="39" name="Google Shape;39;p9"/>
-          <p:cNvSpPr txBox="1"/>
+          <p:cNvSpPr txBox="1">
+            <a:spLocks noGrp="1"/>
+          </p:cNvSpPr>
           <p:nvPr>
-            <p:ph idx="2" type="body"/>
+            <p:ph type="body" idx="2"/>
           </p:nvPr>
         </p:nvSpPr>
         <p:spPr>
@@ -4557,11 +4691,11 @@
           </a:prstGeom>
         </p:spPr>
         <p:txBody>
-          <a:bodyPr anchorCtr="0" anchor="ctr" bIns="91425" lIns="91425" spcFirstLastPara="1" rIns="91425" wrap="square" tIns="91425">
+          <a:bodyPr spcFirstLastPara="1" wrap="square" lIns="91425" tIns="91425" rIns="91425" bIns="91425" anchor="ctr" anchorCtr="0">
             <a:normAutofit/>
           </a:bodyPr>
           <a:lstStyle>
-            <a:lvl1pPr indent="-342900" lvl="0" marL="457200">
+            <a:lvl1pPr marL="457200" lvl="0" indent="-342900">
               <a:spcBef>
                 <a:spcPts val="0"/>
               </a:spcBef>
@@ -4572,7 +4706,7 @@
               <a:buChar char="●"/>
               <a:defRPr/>
             </a:lvl1pPr>
-            <a:lvl2pPr indent="-317500" lvl="1" marL="914400">
+            <a:lvl2pPr marL="914400" lvl="1" indent="-317500">
               <a:spcBef>
                 <a:spcPts val="0"/>
               </a:spcBef>
@@ -4583,7 +4717,7 @@
               <a:buChar char="○"/>
               <a:defRPr/>
             </a:lvl2pPr>
-            <a:lvl3pPr indent="-317500" lvl="2" marL="1371600">
+            <a:lvl3pPr marL="1371600" lvl="2" indent="-317500">
               <a:spcBef>
                 <a:spcPts val="0"/>
               </a:spcBef>
@@ -4594,7 +4728,7 @@
               <a:buChar char="■"/>
               <a:defRPr/>
             </a:lvl3pPr>
-            <a:lvl4pPr indent="-317500" lvl="3" marL="1828800">
+            <a:lvl4pPr marL="1828800" lvl="3" indent="-317500">
               <a:spcBef>
                 <a:spcPts val="0"/>
               </a:spcBef>
@@ -4605,7 +4739,7 @@
               <a:buChar char="●"/>
               <a:defRPr/>
             </a:lvl4pPr>
-            <a:lvl5pPr indent="-317500" lvl="4" marL="2286000">
+            <a:lvl5pPr marL="2286000" lvl="4" indent="-317500">
               <a:spcBef>
                 <a:spcPts val="0"/>
               </a:spcBef>
@@ -4616,7 +4750,7 @@
               <a:buChar char="○"/>
               <a:defRPr/>
             </a:lvl5pPr>
-            <a:lvl6pPr indent="-317500" lvl="5" marL="2743200">
+            <a:lvl6pPr marL="2743200" lvl="5" indent="-317500">
               <a:spcBef>
                 <a:spcPts val="0"/>
               </a:spcBef>
@@ -4627,7 +4761,7 @@
               <a:buChar char="■"/>
               <a:defRPr/>
             </a:lvl6pPr>
-            <a:lvl7pPr indent="-317500" lvl="6" marL="3200400">
+            <a:lvl7pPr marL="3200400" lvl="6" indent="-317500">
               <a:spcBef>
                 <a:spcPts val="0"/>
               </a:spcBef>
@@ -4638,7 +4772,7 @@
               <a:buChar char="●"/>
               <a:defRPr/>
             </a:lvl7pPr>
-            <a:lvl8pPr indent="-317500" lvl="7" marL="3657600">
+            <a:lvl8pPr marL="3657600" lvl="7" indent="-317500">
               <a:spcBef>
                 <a:spcPts val="0"/>
               </a:spcBef>
@@ -4649,7 +4783,7 @@
               <a:buChar char="○"/>
               <a:defRPr/>
             </a:lvl8pPr>
-            <a:lvl9pPr indent="-317500" lvl="8" marL="4114800">
+            <a:lvl9pPr marL="4114800" lvl="8" indent="-317500">
               <a:spcBef>
                 <a:spcPts val="0"/>
               </a:spcBef>
@@ -4661,15 +4795,19 @@
               <a:defRPr/>
             </a:lvl9pPr>
           </a:lstStyle>
-          <a:p/>
+          <a:p>
+            <a:endParaRPr/>
+          </a:p>
         </p:txBody>
       </p:sp>
       <p:sp>
         <p:nvSpPr>
           <p:cNvPr id="40" name="Google Shape;40;p9"/>
-          <p:cNvSpPr txBox="1"/>
+          <p:cNvSpPr txBox="1">
+            <a:spLocks noGrp="1"/>
+          </p:cNvSpPr>
           <p:nvPr>
-            <p:ph idx="12" type="sldNum"/>
+            <p:ph type="sldNum" idx="12"/>
           </p:nvPr>
         </p:nvSpPr>
         <p:spPr>
@@ -4682,7 +4820,7 @@
           </a:prstGeom>
         </p:spPr>
         <p:txBody>
-          <a:bodyPr anchorCtr="0" anchor="ctr" bIns="91425" lIns="91425" spcFirstLastPara="1" rIns="91425" wrap="square" tIns="91425">
+          <a:bodyPr spcFirstLastPara="1" wrap="square" lIns="91425" tIns="91425" rIns="91425" bIns="91425" anchor="ctr" anchorCtr="0">
             <a:normAutofit/>
           </a:bodyPr>
           <a:lstStyle>
@@ -4724,7 +4862,7 @@
             </a:lvl9pPr>
           </a:lstStyle>
           <a:p>
-            <a:pPr indent="0" lvl="0" marL="0" rtl="0" algn="r">
+            <a:pPr marL="0" lvl="0" indent="0" algn="r" rtl="0">
               <a:spcBef>
                 <a:spcPts val="0"/>
               </a:spcBef>
@@ -4750,11 +4888,11 @@
 </file>
 
 <file path=ppt/slideLayouts/slideLayout9.xml><?xml version="1.0" encoding="utf-8"?>
-<p:sldLayout xmlns:a="http://schemas.openxmlformats.org/drawingml/2006/main" xmlns:r="http://schemas.openxmlformats.org/officeDocument/2006/relationships" xmlns:mc="http://schemas.openxmlformats.org/markup-compatibility/2006" xmlns:mv="urn:schemas-microsoft-com:mac:vml" xmlns:p="http://schemas.openxmlformats.org/presentationml/2006/main" xmlns:c="http://schemas.openxmlformats.org/drawingml/2006/chart" xmlns:dgm="http://schemas.openxmlformats.org/drawingml/2006/diagram" xmlns:o="urn:schemas-microsoft-com:office:office" xmlns:v="urn:schemas-microsoft-com:vml" xmlns:pvml="urn:schemas-microsoft-com:office:powerpoint" xmlns:com="http://schemas.openxmlformats.org/drawingml/2006/compatibility" xmlns:p14="http://schemas.microsoft.com/office/powerpoint/2010/main" xmlns:p15="http://schemas.microsoft.com/office/powerpoint/2012/main" xmlns:ahyp="http://schemas.microsoft.com/office/drawing/2018/hyperlinkcolor" matchingName="Caption">
+<p:sldLayout xmlns:a="http://schemas.openxmlformats.org/drawingml/2006/main" xmlns:r="http://schemas.openxmlformats.org/officeDocument/2006/relationships" xmlns:p="http://schemas.openxmlformats.org/presentationml/2006/main" matchingName="Caption">
   <p:cSld name="CAPTION_ONLY">
     <p:spTree>
       <p:nvGrpSpPr>
-        <p:cNvPr id="41" name="Shape 41"/>
+        <p:cNvPr id="1" name="Shape 41"/>
         <p:cNvGrpSpPr/>
         <p:nvPr/>
       </p:nvGrpSpPr>
@@ -4769,9 +4907,11 @@
       <p:sp>
         <p:nvSpPr>
           <p:cNvPr id="42" name="Google Shape;42;p10"/>
-          <p:cNvSpPr txBox="1"/>
+          <p:cNvSpPr txBox="1">
+            <a:spLocks noGrp="1"/>
+          </p:cNvSpPr>
           <p:nvPr>
-            <p:ph idx="1" type="body"/>
+            <p:ph type="body" idx="1"/>
           </p:nvPr>
         </p:nvSpPr>
         <p:spPr>
@@ -4784,11 +4924,11 @@
           </a:prstGeom>
         </p:spPr>
         <p:txBody>
-          <a:bodyPr anchorCtr="0" anchor="ctr" bIns="91425" lIns="91425" spcFirstLastPara="1" rIns="91425" wrap="square" tIns="91425">
+          <a:bodyPr spcFirstLastPara="1" wrap="square" lIns="91425" tIns="91425" rIns="91425" bIns="91425" anchor="ctr" anchorCtr="0">
             <a:normAutofit/>
           </a:bodyPr>
           <a:lstStyle>
-            <a:lvl1pPr indent="-228600" lvl="0" marL="457200">
+            <a:lvl1pPr marL="457200" lvl="0" indent="-228600">
               <a:lnSpc>
                 <a:spcPct val="100000"/>
               </a:lnSpc>
@@ -4803,15 +4943,19 @@
               <a:defRPr/>
             </a:lvl1pPr>
           </a:lstStyle>
-          <a:p/>
+          <a:p>
+            <a:endParaRPr/>
+          </a:p>
         </p:txBody>
       </p:sp>
       <p:sp>
         <p:nvSpPr>
           <p:cNvPr id="43" name="Google Shape;43;p10"/>
-          <p:cNvSpPr txBox="1"/>
+          <p:cNvSpPr txBox="1">
+            <a:spLocks noGrp="1"/>
+          </p:cNvSpPr>
           <p:nvPr>
-            <p:ph idx="12" type="sldNum"/>
+            <p:ph type="sldNum" idx="12"/>
           </p:nvPr>
         </p:nvSpPr>
         <p:spPr>
@@ -4824,7 +4968,7 @@
           </a:prstGeom>
         </p:spPr>
         <p:txBody>
-          <a:bodyPr anchorCtr="0" anchor="ctr" bIns="91425" lIns="91425" spcFirstLastPara="1" rIns="91425" wrap="square" tIns="91425">
+          <a:bodyPr spcFirstLastPara="1" wrap="square" lIns="91425" tIns="91425" rIns="91425" bIns="91425" anchor="ctr" anchorCtr="0">
             <a:normAutofit/>
           </a:bodyPr>
           <a:lstStyle>
@@ -4866,7 +5010,7 @@
             </a:lvl9pPr>
           </a:lstStyle>
           <a:p>
-            <a:pPr indent="0" lvl="0" marL="0" rtl="0" algn="r">
+            <a:pPr marL="0" lvl="0" indent="0" algn="r" rtl="0">
               <a:spcBef>
                 <a:spcPts val="0"/>
               </a:spcBef>
@@ -4892,18 +5036,19 @@
 </file>
 
 <file path=ppt/slideMasters/slideMaster1.xml><?xml version="1.0" encoding="utf-8"?>
-<p:sldMaster xmlns:a="http://schemas.openxmlformats.org/drawingml/2006/main" xmlns:r="http://schemas.openxmlformats.org/officeDocument/2006/relationships" xmlns:mc="http://schemas.openxmlformats.org/markup-compatibility/2006" xmlns:mv="urn:schemas-microsoft-com:mac:vml" xmlns:p="http://schemas.openxmlformats.org/presentationml/2006/main" xmlns:c="http://schemas.openxmlformats.org/drawingml/2006/chart" xmlns:dgm="http://schemas.openxmlformats.org/drawingml/2006/diagram" xmlns:o="urn:schemas-microsoft-com:office:office" xmlns:v="urn:schemas-microsoft-com:vml" xmlns:pvml="urn:schemas-microsoft-com:office:powerpoint" xmlns:com="http://schemas.openxmlformats.org/drawingml/2006/compatibility" xmlns:p14="http://schemas.microsoft.com/office/powerpoint/2010/main" xmlns:p15="http://schemas.microsoft.com/office/powerpoint/2012/main" xmlns:ahyp="http://schemas.microsoft.com/office/drawing/2018/hyperlinkcolor">
+<p:sldMaster xmlns:a="http://schemas.openxmlformats.org/drawingml/2006/main" xmlns:r="http://schemas.openxmlformats.org/officeDocument/2006/relationships" xmlns:p="http://schemas.openxmlformats.org/presentationml/2006/main">
   <p:cSld name="simple-light-2">
     <p:bg>
       <p:bgPr>
         <a:solidFill>
           <a:schemeClr val="lt1"/>
         </a:solidFill>
+        <a:effectLst/>
       </p:bgPr>
     </p:bg>
     <p:spTree>
       <p:nvGrpSpPr>
-        <p:cNvPr id="5" name="Shape 5"/>
+        <p:cNvPr id="1" name="Shape 5"/>
         <p:cNvGrpSpPr/>
         <p:nvPr/>
       </p:nvGrpSpPr>
@@ -4918,7 +5063,9 @@
       <p:sp>
         <p:nvSpPr>
           <p:cNvPr id="6" name="Google Shape;6;p1"/>
-          <p:cNvSpPr txBox="1"/>
+          <p:cNvSpPr txBox="1">
+            <a:spLocks noGrp="1"/>
+          </p:cNvSpPr>
           <p:nvPr>
             <p:ph type="title"/>
           </p:nvPr>
@@ -4937,7 +5084,7 @@
           </a:ln>
         </p:spPr>
         <p:txBody>
-          <a:bodyPr anchorCtr="0" anchor="t" bIns="91425" lIns="91425" spcFirstLastPara="1" rIns="91425" wrap="square" tIns="91425">
+          <a:bodyPr spcFirstLastPara="1" wrap="square" lIns="91425" tIns="91425" rIns="91425" bIns="91425" anchor="t" anchorCtr="0">
             <a:normAutofit/>
           </a:bodyPr>
           <a:lstStyle>
@@ -5104,15 +5251,19 @@
               </a:defRPr>
             </a:lvl9pPr>
           </a:lstStyle>
-          <a:p/>
+          <a:p>
+            <a:endParaRPr/>
+          </a:p>
         </p:txBody>
       </p:sp>
       <p:sp>
         <p:nvSpPr>
           <p:cNvPr id="7" name="Google Shape;7;p1"/>
-          <p:cNvSpPr txBox="1"/>
+          <p:cNvSpPr txBox="1">
+            <a:spLocks noGrp="1"/>
+          </p:cNvSpPr>
           <p:nvPr>
-            <p:ph idx="1" type="body"/>
+            <p:ph type="body" idx="1"/>
           </p:nvPr>
         </p:nvSpPr>
         <p:spPr>
@@ -5129,11 +5280,11 @@
           </a:ln>
         </p:spPr>
         <p:txBody>
-          <a:bodyPr anchorCtr="0" anchor="t" bIns="91425" lIns="91425" spcFirstLastPara="1" rIns="91425" wrap="square" tIns="91425">
+          <a:bodyPr spcFirstLastPara="1" wrap="square" lIns="91425" tIns="91425" rIns="91425" bIns="91425" anchor="t" anchorCtr="0">
             <a:normAutofit/>
           </a:bodyPr>
           <a:lstStyle>
-            <a:lvl1pPr indent="-342900" lvl="0" marL="457200">
+            <a:lvl1pPr marL="457200" lvl="0" indent="-342900">
               <a:lnSpc>
                 <a:spcPct val="115000"/>
               </a:lnSpc>
@@ -5154,7 +5305,7 @@
                 </a:solidFill>
               </a:defRPr>
             </a:lvl1pPr>
-            <a:lvl2pPr indent="-317500" lvl="1" marL="914400">
+            <a:lvl2pPr marL="914400" lvl="1" indent="-317500">
               <a:lnSpc>
                 <a:spcPct val="115000"/>
               </a:lnSpc>
@@ -5175,7 +5326,7 @@
                 </a:solidFill>
               </a:defRPr>
             </a:lvl2pPr>
-            <a:lvl3pPr indent="-317500" lvl="2" marL="1371600">
+            <a:lvl3pPr marL="1371600" lvl="2" indent="-317500">
               <a:lnSpc>
                 <a:spcPct val="115000"/>
               </a:lnSpc>
@@ -5196,7 +5347,7 @@
                 </a:solidFill>
               </a:defRPr>
             </a:lvl3pPr>
-            <a:lvl4pPr indent="-317500" lvl="3" marL="1828800">
+            <a:lvl4pPr marL="1828800" lvl="3" indent="-317500">
               <a:lnSpc>
                 <a:spcPct val="115000"/>
               </a:lnSpc>
@@ -5217,7 +5368,7 @@
                 </a:solidFill>
               </a:defRPr>
             </a:lvl4pPr>
-            <a:lvl5pPr indent="-317500" lvl="4" marL="2286000">
+            <a:lvl5pPr marL="2286000" lvl="4" indent="-317500">
               <a:lnSpc>
                 <a:spcPct val="115000"/>
               </a:lnSpc>
@@ -5238,7 +5389,7 @@
                 </a:solidFill>
               </a:defRPr>
             </a:lvl5pPr>
-            <a:lvl6pPr indent="-317500" lvl="5" marL="2743200">
+            <a:lvl6pPr marL="2743200" lvl="5" indent="-317500">
               <a:lnSpc>
                 <a:spcPct val="115000"/>
               </a:lnSpc>
@@ -5259,7 +5410,7 @@
                 </a:solidFill>
               </a:defRPr>
             </a:lvl6pPr>
-            <a:lvl7pPr indent="-317500" lvl="6" marL="3200400">
+            <a:lvl7pPr marL="3200400" lvl="6" indent="-317500">
               <a:lnSpc>
                 <a:spcPct val="115000"/>
               </a:lnSpc>
@@ -5280,7 +5431,7 @@
                 </a:solidFill>
               </a:defRPr>
             </a:lvl7pPr>
-            <a:lvl8pPr indent="-317500" lvl="7" marL="3657600">
+            <a:lvl8pPr marL="3657600" lvl="7" indent="-317500">
               <a:lnSpc>
                 <a:spcPct val="115000"/>
               </a:lnSpc>
@@ -5301,7 +5452,7 @@
                 </a:solidFill>
               </a:defRPr>
             </a:lvl8pPr>
-            <a:lvl9pPr indent="-317500" lvl="8" marL="4114800">
+            <a:lvl9pPr marL="4114800" lvl="8" indent="-317500">
               <a:lnSpc>
                 <a:spcPct val="115000"/>
               </a:lnSpc>
@@ -5323,15 +5474,19 @@
               </a:defRPr>
             </a:lvl9pPr>
           </a:lstStyle>
-          <a:p/>
+          <a:p>
+            <a:endParaRPr/>
+          </a:p>
         </p:txBody>
       </p:sp>
       <p:sp>
         <p:nvSpPr>
           <p:cNvPr id="8" name="Google Shape;8;p1"/>
-          <p:cNvSpPr txBox="1"/>
+          <p:cNvSpPr txBox="1">
+            <a:spLocks noGrp="1"/>
+          </p:cNvSpPr>
           <p:nvPr>
-            <p:ph idx="12" type="sldNum"/>
+            <p:ph type="sldNum" idx="12"/>
           </p:nvPr>
         </p:nvSpPr>
         <p:spPr>
@@ -5348,7 +5503,7 @@
           </a:ln>
         </p:spPr>
         <p:txBody>
-          <a:bodyPr anchorCtr="0" anchor="ctr" bIns="91425" lIns="91425" spcFirstLastPara="1" rIns="91425" wrap="square" tIns="91425">
+          <a:bodyPr spcFirstLastPara="1" wrap="square" lIns="91425" tIns="91425" rIns="91425" bIns="91425" anchor="ctr" anchorCtr="0">
             <a:normAutofit/>
           </a:bodyPr>
           <a:lstStyle>
@@ -5426,7 +5581,7 @@
             </a:lvl9pPr>
           </a:lstStyle>
           <a:p>
-            <a:pPr indent="0" lvl="0" marL="0" rtl="0" algn="r">
+            <a:pPr marL="0" lvl="0" indent="0" algn="r" rtl="0">
               <a:spcBef>
                 <a:spcPts val="0"/>
               </a:spcBef>
@@ -5445,7 +5600,7 @@
       </p:sp>
     </p:spTree>
   </p:cSld>
-  <p:clrMap accent1="accent1" accent2="accent2" accent3="accent3" accent4="accent4" accent5="accent5" accent6="accent6" bg1="lt1" bg2="dk2" tx1="dk1" tx2="lt2" folHlink="folHlink" hlink="hlink"/>
+  <p:clrMap bg1="lt1" tx1="dk1" bg2="dk2" tx2="lt2" accent1="accent1" accent2="accent2" accent3="accent3" accent4="accent4" accent5="accent5" accent6="accent6" hlink="hlink" folHlink="folHlink"/>
   <p:sldLayoutIdLst>
     <p:sldLayoutId id="2147483648" r:id="rId1"/>
     <p:sldLayoutId id="2147483649" r:id="rId2"/>
@@ -5459,10 +5614,10 @@
     <p:sldLayoutId id="2147483657" r:id="rId10"/>
     <p:sldLayoutId id="2147483658" r:id="rId11"/>
   </p:sldLayoutIdLst>
-  <p:hf dt="0" ftr="0" hdr="0" sldNum="0"/>
+  <p:hf sldNum="0" hdr="0" ftr="0" dt="0"/>
   <p:txStyles>
     <p:titleStyle>
-      <a:defPPr lvl="0" marR="0" rtl="0" algn="l">
+      <a:defPPr marR="0" lvl="0" algn="l" rtl="0">
         <a:lnSpc>
           <a:spcPct val="100000"/>
         </a:lnSpc>
@@ -5473,7 +5628,7 @@
           <a:spcPts val="0"/>
         </a:spcAft>
       </a:defPPr>
-      <a:lvl1pPr lvl="0" marR="0" rtl="0" algn="l">
+      <a:lvl1pPr marR="0" lvl="0" algn="l" rtl="0">
         <a:lnSpc>
           <a:spcPct val="100000"/>
         </a:lnSpc>
@@ -5487,7 +5642,7 @@
           <a:srgbClr val="000000"/>
         </a:buClr>
         <a:buFont typeface="Arial"/>
-        <a:defRPr b="0" i="0" sz="1400" u="none" cap="none" strike="noStrike">
+        <a:defRPr sz="1400" b="0" i="0" u="none" strike="noStrike" cap="none">
           <a:solidFill>
             <a:srgbClr val="000000"/>
           </a:solidFill>
@@ -5497,7 +5652,7 @@
           <a:sym typeface="Arial"/>
         </a:defRPr>
       </a:lvl1pPr>
-      <a:lvl2pPr lvl="1" marR="0" rtl="0" algn="l">
+      <a:lvl2pPr marR="0" lvl="1" algn="l" rtl="0">
         <a:lnSpc>
           <a:spcPct val="100000"/>
         </a:lnSpc>
@@ -5511,7 +5666,7 @@
           <a:srgbClr val="000000"/>
         </a:buClr>
         <a:buFont typeface="Arial"/>
-        <a:defRPr b="0" i="0" sz="1400" u="none" cap="none" strike="noStrike">
+        <a:defRPr sz="1400" b="0" i="0" u="none" strike="noStrike" cap="none">
           <a:solidFill>
             <a:srgbClr val="000000"/>
           </a:solidFill>
@@ -5521,7 +5676,7 @@
           <a:sym typeface="Arial"/>
         </a:defRPr>
       </a:lvl2pPr>
-      <a:lvl3pPr lvl="2" marR="0" rtl="0" algn="l">
+      <a:lvl3pPr marR="0" lvl="2" algn="l" rtl="0">
         <a:lnSpc>
           <a:spcPct val="100000"/>
         </a:lnSpc>
@@ -5535,7 +5690,7 @@
           <a:srgbClr val="000000"/>
         </a:buClr>
         <a:buFont typeface="Arial"/>
-        <a:defRPr b="0" i="0" sz="1400" u="none" cap="none" strike="noStrike">
+        <a:defRPr sz="1400" b="0" i="0" u="none" strike="noStrike" cap="none">
           <a:solidFill>
             <a:srgbClr val="000000"/>
           </a:solidFill>
@@ -5545,7 +5700,7 @@
           <a:sym typeface="Arial"/>
         </a:defRPr>
       </a:lvl3pPr>
-      <a:lvl4pPr lvl="3" marR="0" rtl="0" algn="l">
+      <a:lvl4pPr marR="0" lvl="3" algn="l" rtl="0">
         <a:lnSpc>
           <a:spcPct val="100000"/>
         </a:lnSpc>
@@ -5559,7 +5714,7 @@
           <a:srgbClr val="000000"/>
         </a:buClr>
         <a:buFont typeface="Arial"/>
-        <a:defRPr b="0" i="0" sz="1400" u="none" cap="none" strike="noStrike">
+        <a:defRPr sz="1400" b="0" i="0" u="none" strike="noStrike" cap="none">
           <a:solidFill>
             <a:srgbClr val="000000"/>
           </a:solidFill>
@@ -5569,7 +5724,7 @@
           <a:sym typeface="Arial"/>
         </a:defRPr>
       </a:lvl4pPr>
-      <a:lvl5pPr lvl="4" marR="0" rtl="0" algn="l">
+      <a:lvl5pPr marR="0" lvl="4" algn="l" rtl="0">
         <a:lnSpc>
           <a:spcPct val="100000"/>
         </a:lnSpc>
@@ -5583,7 +5738,7 @@
           <a:srgbClr val="000000"/>
         </a:buClr>
         <a:buFont typeface="Arial"/>
-        <a:defRPr b="0" i="0" sz="1400" u="none" cap="none" strike="noStrike">
+        <a:defRPr sz="1400" b="0" i="0" u="none" strike="noStrike" cap="none">
           <a:solidFill>
             <a:srgbClr val="000000"/>
           </a:solidFill>
@@ -5593,7 +5748,7 @@
           <a:sym typeface="Arial"/>
         </a:defRPr>
       </a:lvl5pPr>
-      <a:lvl6pPr lvl="5" marR="0" rtl="0" algn="l">
+      <a:lvl6pPr marR="0" lvl="5" algn="l" rtl="0">
         <a:lnSpc>
           <a:spcPct val="100000"/>
         </a:lnSpc>
@@ -5607,7 +5762,7 @@
           <a:srgbClr val="000000"/>
         </a:buClr>
         <a:buFont typeface="Arial"/>
-        <a:defRPr b="0" i="0" sz="1400" u="none" cap="none" strike="noStrike">
+        <a:defRPr sz="1400" b="0" i="0" u="none" strike="noStrike" cap="none">
           <a:solidFill>
             <a:srgbClr val="000000"/>
           </a:solidFill>
@@ -5617,7 +5772,7 @@
           <a:sym typeface="Arial"/>
         </a:defRPr>
       </a:lvl6pPr>
-      <a:lvl7pPr lvl="6" marR="0" rtl="0" algn="l">
+      <a:lvl7pPr marR="0" lvl="6" algn="l" rtl="0">
         <a:lnSpc>
           <a:spcPct val="100000"/>
         </a:lnSpc>
@@ -5631,7 +5786,7 @@
           <a:srgbClr val="000000"/>
         </a:buClr>
         <a:buFont typeface="Arial"/>
-        <a:defRPr b="0" i="0" sz="1400" u="none" cap="none" strike="noStrike">
+        <a:defRPr sz="1400" b="0" i="0" u="none" strike="noStrike" cap="none">
           <a:solidFill>
             <a:srgbClr val="000000"/>
           </a:solidFill>
@@ -5641,7 +5796,7 @@
           <a:sym typeface="Arial"/>
         </a:defRPr>
       </a:lvl7pPr>
-      <a:lvl8pPr lvl="7" marR="0" rtl="0" algn="l">
+      <a:lvl8pPr marR="0" lvl="7" algn="l" rtl="0">
         <a:lnSpc>
           <a:spcPct val="100000"/>
         </a:lnSpc>
@@ -5655,7 +5810,7 @@
           <a:srgbClr val="000000"/>
         </a:buClr>
         <a:buFont typeface="Arial"/>
-        <a:defRPr b="0" i="0" sz="1400" u="none" cap="none" strike="noStrike">
+        <a:defRPr sz="1400" b="0" i="0" u="none" strike="noStrike" cap="none">
           <a:solidFill>
             <a:srgbClr val="000000"/>
           </a:solidFill>
@@ -5665,7 +5820,7 @@
           <a:sym typeface="Arial"/>
         </a:defRPr>
       </a:lvl8pPr>
-      <a:lvl9pPr lvl="8" marR="0" rtl="0" algn="l">
+      <a:lvl9pPr marR="0" lvl="8" algn="l" rtl="0">
         <a:lnSpc>
           <a:spcPct val="100000"/>
         </a:lnSpc>
@@ -5679,7 +5834,7 @@
           <a:srgbClr val="000000"/>
         </a:buClr>
         <a:buFont typeface="Arial"/>
-        <a:defRPr b="0" i="0" sz="1400" u="none" cap="none" strike="noStrike">
+        <a:defRPr sz="1400" b="0" i="0" u="none" strike="noStrike" cap="none">
           <a:solidFill>
             <a:srgbClr val="000000"/>
           </a:solidFill>
@@ -5691,7 +5846,7 @@
       </a:lvl9pPr>
     </p:titleStyle>
     <p:bodyStyle>
-      <a:defPPr lvl="0" marR="0" rtl="0" algn="l">
+      <a:defPPr marR="0" lvl="0" algn="l" rtl="0">
         <a:lnSpc>
           <a:spcPct val="100000"/>
         </a:lnSpc>
@@ -5702,7 +5857,7 @@
           <a:spcPts val="0"/>
         </a:spcAft>
       </a:defPPr>
-      <a:lvl1pPr lvl="0" marR="0" rtl="0" algn="l">
+      <a:lvl1pPr marR="0" lvl="0" algn="l" rtl="0">
         <a:lnSpc>
           <a:spcPct val="100000"/>
         </a:lnSpc>
@@ -5716,7 +5871,7 @@
           <a:srgbClr val="000000"/>
         </a:buClr>
         <a:buFont typeface="Arial"/>
-        <a:defRPr b="0" i="0" sz="1400" u="none" cap="none" strike="noStrike">
+        <a:defRPr sz="1400" b="0" i="0" u="none" strike="noStrike" cap="none">
           <a:solidFill>
             <a:srgbClr val="000000"/>
           </a:solidFill>
@@ -5726,7 +5881,7 @@
           <a:sym typeface="Arial"/>
         </a:defRPr>
       </a:lvl1pPr>
-      <a:lvl2pPr lvl="1" marR="0" rtl="0" algn="l">
+      <a:lvl2pPr marR="0" lvl="1" algn="l" rtl="0">
         <a:lnSpc>
           <a:spcPct val="100000"/>
         </a:lnSpc>
@@ -5740,7 +5895,7 @@
           <a:srgbClr val="000000"/>
         </a:buClr>
         <a:buFont typeface="Arial"/>
-        <a:defRPr b="0" i="0" sz="1400" u="none" cap="none" strike="noStrike">
+        <a:defRPr sz="1400" b="0" i="0" u="none" strike="noStrike" cap="none">
           <a:solidFill>
             <a:srgbClr val="000000"/>
           </a:solidFill>
@@ -5750,7 +5905,7 @@
           <a:sym typeface="Arial"/>
         </a:defRPr>
       </a:lvl2pPr>
-      <a:lvl3pPr lvl="2" marR="0" rtl="0" algn="l">
+      <a:lvl3pPr marR="0" lvl="2" algn="l" rtl="0">
         <a:lnSpc>
           <a:spcPct val="100000"/>
         </a:lnSpc>
@@ -5764,7 +5919,7 @@
           <a:srgbClr val="000000"/>
         </a:buClr>
         <a:buFont typeface="Arial"/>
-        <a:defRPr b="0" i="0" sz="1400" u="none" cap="none" strike="noStrike">
+        <a:defRPr sz="1400" b="0" i="0" u="none" strike="noStrike" cap="none">
           <a:solidFill>
             <a:srgbClr val="000000"/>
           </a:solidFill>
@@ -5774,7 +5929,7 @@
           <a:sym typeface="Arial"/>
         </a:defRPr>
       </a:lvl3pPr>
-      <a:lvl4pPr lvl="3" marR="0" rtl="0" algn="l">
+      <a:lvl4pPr marR="0" lvl="3" algn="l" rtl="0">
         <a:lnSpc>
           <a:spcPct val="100000"/>
         </a:lnSpc>
@@ -5788,7 +5943,7 @@
           <a:srgbClr val="000000"/>
         </a:buClr>
         <a:buFont typeface="Arial"/>
-        <a:defRPr b="0" i="0" sz="1400" u="none" cap="none" strike="noStrike">
+        <a:defRPr sz="1400" b="0" i="0" u="none" strike="noStrike" cap="none">
           <a:solidFill>
             <a:srgbClr val="000000"/>
           </a:solidFill>
@@ -5798,7 +5953,7 @@
           <a:sym typeface="Arial"/>
         </a:defRPr>
       </a:lvl4pPr>
-      <a:lvl5pPr lvl="4" marR="0" rtl="0" algn="l">
+      <a:lvl5pPr marR="0" lvl="4" algn="l" rtl="0">
         <a:lnSpc>
           <a:spcPct val="100000"/>
         </a:lnSpc>
@@ -5812,7 +5967,7 @@
           <a:srgbClr val="000000"/>
         </a:buClr>
         <a:buFont typeface="Arial"/>
-        <a:defRPr b="0" i="0" sz="1400" u="none" cap="none" strike="noStrike">
+        <a:defRPr sz="1400" b="0" i="0" u="none" strike="noStrike" cap="none">
           <a:solidFill>
             <a:srgbClr val="000000"/>
           </a:solidFill>
@@ -5822,7 +5977,7 @@
           <a:sym typeface="Arial"/>
         </a:defRPr>
       </a:lvl5pPr>
-      <a:lvl6pPr lvl="5" marR="0" rtl="0" algn="l">
+      <a:lvl6pPr marR="0" lvl="5" algn="l" rtl="0">
         <a:lnSpc>
           <a:spcPct val="100000"/>
         </a:lnSpc>
@@ -5836,7 +5991,7 @@
           <a:srgbClr val="000000"/>
         </a:buClr>
         <a:buFont typeface="Arial"/>
-        <a:defRPr b="0" i="0" sz="1400" u="none" cap="none" strike="noStrike">
+        <a:defRPr sz="1400" b="0" i="0" u="none" strike="noStrike" cap="none">
           <a:solidFill>
             <a:srgbClr val="000000"/>
           </a:solidFill>
@@ -5846,7 +6001,7 @@
           <a:sym typeface="Arial"/>
         </a:defRPr>
       </a:lvl6pPr>
-      <a:lvl7pPr lvl="6" marR="0" rtl="0" algn="l">
+      <a:lvl7pPr marR="0" lvl="6" algn="l" rtl="0">
         <a:lnSpc>
           <a:spcPct val="100000"/>
         </a:lnSpc>
@@ -5860,7 +6015,7 @@
           <a:srgbClr val="000000"/>
         </a:buClr>
         <a:buFont typeface="Arial"/>
-        <a:defRPr b="0" i="0" sz="1400" u="none" cap="none" strike="noStrike">
+        <a:defRPr sz="1400" b="0" i="0" u="none" strike="noStrike" cap="none">
           <a:solidFill>
             <a:srgbClr val="000000"/>
           </a:solidFill>
@@ -5870,7 +6025,7 @@
           <a:sym typeface="Arial"/>
         </a:defRPr>
       </a:lvl7pPr>
-      <a:lvl8pPr lvl="7" marR="0" rtl="0" algn="l">
+      <a:lvl8pPr marR="0" lvl="7" algn="l" rtl="0">
         <a:lnSpc>
           <a:spcPct val="100000"/>
         </a:lnSpc>
@@ -5884,7 +6039,7 @@
           <a:srgbClr val="000000"/>
         </a:buClr>
         <a:buFont typeface="Arial"/>
-        <a:defRPr b="0" i="0" sz="1400" u="none" cap="none" strike="noStrike">
+        <a:defRPr sz="1400" b="0" i="0" u="none" strike="noStrike" cap="none">
           <a:solidFill>
             <a:srgbClr val="000000"/>
           </a:solidFill>
@@ -5894,7 +6049,7 @@
           <a:sym typeface="Arial"/>
         </a:defRPr>
       </a:lvl8pPr>
-      <a:lvl9pPr lvl="8" marR="0" rtl="0" algn="l">
+      <a:lvl9pPr marR="0" lvl="8" algn="l" rtl="0">
         <a:lnSpc>
           <a:spcPct val="100000"/>
         </a:lnSpc>
@@ -5908,7 +6063,7 @@
           <a:srgbClr val="000000"/>
         </a:buClr>
         <a:buFont typeface="Arial"/>
-        <a:defRPr b="0" i="0" sz="1400" u="none" cap="none" strike="noStrike">
+        <a:defRPr sz="1400" b="0" i="0" u="none" strike="noStrike" cap="none">
           <a:solidFill>
             <a:srgbClr val="000000"/>
           </a:solidFill>
@@ -5920,7 +6075,7 @@
       </a:lvl9pPr>
     </p:bodyStyle>
     <p:otherStyle>
-      <a:defPPr lvl="0" marR="0" rtl="0" algn="l">
+      <a:defPPr marR="0" lvl="0" algn="l" rtl="0">
         <a:lnSpc>
           <a:spcPct val="100000"/>
         </a:lnSpc>
@@ -5931,7 +6086,7 @@
           <a:spcPts val="0"/>
         </a:spcAft>
       </a:defPPr>
-      <a:lvl1pPr lvl="0" marR="0" rtl="0" algn="l">
+      <a:lvl1pPr marR="0" lvl="0" algn="l" rtl="0">
         <a:lnSpc>
           <a:spcPct val="100000"/>
         </a:lnSpc>
@@ -5945,7 +6100,7 @@
           <a:srgbClr val="000000"/>
         </a:buClr>
         <a:buFont typeface="Arial"/>
-        <a:defRPr b="0" i="0" sz="1400" u="none" cap="none" strike="noStrike">
+        <a:defRPr sz="1400" b="0" i="0" u="none" strike="noStrike" cap="none">
           <a:solidFill>
             <a:srgbClr val="000000"/>
           </a:solidFill>
@@ -5955,7 +6110,7 @@
           <a:sym typeface="Arial"/>
         </a:defRPr>
       </a:lvl1pPr>
-      <a:lvl2pPr lvl="1" marR="0" rtl="0" algn="l">
+      <a:lvl2pPr marR="0" lvl="1" algn="l" rtl="0">
         <a:lnSpc>
           <a:spcPct val="100000"/>
         </a:lnSpc>
@@ -5969,7 +6124,7 @@
           <a:srgbClr val="000000"/>
         </a:buClr>
         <a:buFont typeface="Arial"/>
-        <a:defRPr b="0" i="0" sz="1400" u="none" cap="none" strike="noStrike">
+        <a:defRPr sz="1400" b="0" i="0" u="none" strike="noStrike" cap="none">
           <a:solidFill>
             <a:srgbClr val="000000"/>
           </a:solidFill>
@@ -5979,7 +6134,7 @@
           <a:sym typeface="Arial"/>
         </a:defRPr>
       </a:lvl2pPr>
-      <a:lvl3pPr lvl="2" marR="0" rtl="0" algn="l">
+      <a:lvl3pPr marR="0" lvl="2" algn="l" rtl="0">
         <a:lnSpc>
           <a:spcPct val="100000"/>
         </a:lnSpc>
@@ -5993,7 +6148,7 @@
           <a:srgbClr val="000000"/>
         </a:buClr>
         <a:buFont typeface="Arial"/>
-        <a:defRPr b="0" i="0" sz="1400" u="none" cap="none" strike="noStrike">
+        <a:defRPr sz="1400" b="0" i="0" u="none" strike="noStrike" cap="none">
           <a:solidFill>
             <a:srgbClr val="000000"/>
           </a:solidFill>
@@ -6003,7 +6158,7 @@
           <a:sym typeface="Arial"/>
         </a:defRPr>
       </a:lvl3pPr>
-      <a:lvl4pPr lvl="3" marR="0" rtl="0" algn="l">
+      <a:lvl4pPr marR="0" lvl="3" algn="l" rtl="0">
         <a:lnSpc>
           <a:spcPct val="100000"/>
         </a:lnSpc>
@@ -6017,7 +6172,7 @@
           <a:srgbClr val="000000"/>
         </a:buClr>
         <a:buFont typeface="Arial"/>
-        <a:defRPr b="0" i="0" sz="1400" u="none" cap="none" strike="noStrike">
+        <a:defRPr sz="1400" b="0" i="0" u="none" strike="noStrike" cap="none">
           <a:solidFill>
             <a:srgbClr val="000000"/>
           </a:solidFill>
@@ -6027,7 +6182,7 @@
           <a:sym typeface="Arial"/>
         </a:defRPr>
       </a:lvl4pPr>
-      <a:lvl5pPr lvl="4" marR="0" rtl="0" algn="l">
+      <a:lvl5pPr marR="0" lvl="4" algn="l" rtl="0">
         <a:lnSpc>
           <a:spcPct val="100000"/>
         </a:lnSpc>
@@ -6041,7 +6196,7 @@
           <a:srgbClr val="000000"/>
         </a:buClr>
         <a:buFont typeface="Arial"/>
-        <a:defRPr b="0" i="0" sz="1400" u="none" cap="none" strike="noStrike">
+        <a:defRPr sz="1400" b="0" i="0" u="none" strike="noStrike" cap="none">
           <a:solidFill>
             <a:srgbClr val="000000"/>
           </a:solidFill>
@@ -6051,7 +6206,7 @@
           <a:sym typeface="Arial"/>
         </a:defRPr>
       </a:lvl5pPr>
-      <a:lvl6pPr lvl="5" marR="0" rtl="0" algn="l">
+      <a:lvl6pPr marR="0" lvl="5" algn="l" rtl="0">
         <a:lnSpc>
           <a:spcPct val="100000"/>
         </a:lnSpc>
@@ -6065,7 +6220,7 @@
           <a:srgbClr val="000000"/>
         </a:buClr>
         <a:buFont typeface="Arial"/>
-        <a:defRPr b="0" i="0" sz="1400" u="none" cap="none" strike="noStrike">
+        <a:defRPr sz="1400" b="0" i="0" u="none" strike="noStrike" cap="none">
           <a:solidFill>
             <a:srgbClr val="000000"/>
           </a:solidFill>
@@ -6075,7 +6230,7 @@
           <a:sym typeface="Arial"/>
         </a:defRPr>
       </a:lvl6pPr>
-      <a:lvl7pPr lvl="6" marR="0" rtl="0" algn="l">
+      <a:lvl7pPr marR="0" lvl="6" algn="l" rtl="0">
         <a:lnSpc>
           <a:spcPct val="100000"/>
         </a:lnSpc>
@@ -6089,7 +6244,7 @@
           <a:srgbClr val="000000"/>
         </a:buClr>
         <a:buFont typeface="Arial"/>
-        <a:defRPr b="0" i="0" sz="1400" u="none" cap="none" strike="noStrike">
+        <a:defRPr sz="1400" b="0" i="0" u="none" strike="noStrike" cap="none">
           <a:solidFill>
             <a:srgbClr val="000000"/>
           </a:solidFill>
@@ -6099,7 +6254,7 @@
           <a:sym typeface="Arial"/>
         </a:defRPr>
       </a:lvl7pPr>
-      <a:lvl8pPr lvl="7" marR="0" rtl="0" algn="l">
+      <a:lvl8pPr marR="0" lvl="7" algn="l" rtl="0">
         <a:lnSpc>
           <a:spcPct val="100000"/>
         </a:lnSpc>
@@ -6113,7 +6268,7 @@
           <a:srgbClr val="000000"/>
         </a:buClr>
         <a:buFont typeface="Arial"/>
-        <a:defRPr b="0" i="0" sz="1400" u="none" cap="none" strike="noStrike">
+        <a:defRPr sz="1400" b="0" i="0" u="none" strike="noStrike" cap="none">
           <a:solidFill>
             <a:srgbClr val="000000"/>
           </a:solidFill>
@@ -6123,7 +6278,7 @@
           <a:sym typeface="Arial"/>
         </a:defRPr>
       </a:lvl8pPr>
-      <a:lvl9pPr lvl="8" marR="0" rtl="0" algn="l">
+      <a:lvl9pPr marR="0" lvl="8" algn="l" rtl="0">
         <a:lnSpc>
           <a:spcPct val="100000"/>
         </a:lnSpc>
@@ -6137,7 +6292,7 @@
           <a:srgbClr val="000000"/>
         </a:buClr>
         <a:buFont typeface="Arial"/>
-        <a:defRPr b="0" i="0" sz="1400" u="none" cap="none" strike="noStrike">
+        <a:defRPr sz="1400" b="0" i="0" u="none" strike="noStrike" cap="none">
           <a:solidFill>
             <a:srgbClr val="000000"/>
           </a:solidFill>
@@ -6153,11 +6308,11 @@
 </file>
 
 <file path=ppt/slides/slide1.xml><?xml version="1.0" encoding="utf-8"?>
-<p:sld xmlns:a="http://schemas.openxmlformats.org/drawingml/2006/main" xmlns:r="http://schemas.openxmlformats.org/officeDocument/2006/relationships" xmlns:mc="http://schemas.openxmlformats.org/markup-compatibility/2006" xmlns:mv="urn:schemas-microsoft-com:mac:vml" xmlns:p="http://schemas.openxmlformats.org/presentationml/2006/main" xmlns:c="http://schemas.openxmlformats.org/drawingml/2006/chart" xmlns:dgm="http://schemas.openxmlformats.org/drawingml/2006/diagram" xmlns:o="urn:schemas-microsoft-com:office:office" xmlns:v="urn:schemas-microsoft-com:vml" xmlns:pvml="urn:schemas-microsoft-com:office:powerpoint" xmlns:com="http://schemas.openxmlformats.org/drawingml/2006/compatibility" xmlns:p14="http://schemas.microsoft.com/office/powerpoint/2010/main" xmlns:p15="http://schemas.microsoft.com/office/powerpoint/2012/main" xmlns:ahyp="http://schemas.microsoft.com/office/drawing/2018/hyperlinkcolor">
+<p:sld xmlns:a="http://schemas.openxmlformats.org/drawingml/2006/main" xmlns:r="http://schemas.openxmlformats.org/officeDocument/2006/relationships" xmlns:p="http://schemas.openxmlformats.org/presentationml/2006/main">
   <p:cSld>
     <p:spTree>
       <p:nvGrpSpPr>
-        <p:cNvPr id="53" name="Shape 53"/>
+        <p:cNvPr id="1" name="Shape 53"/>
         <p:cNvGrpSpPr/>
         <p:nvPr/>
       </p:nvGrpSpPr>
@@ -6172,7 +6327,9 @@
       <p:sp>
         <p:nvSpPr>
           <p:cNvPr id="54" name="Google Shape;54;p13"/>
-          <p:cNvSpPr txBox="1"/>
+          <p:cNvSpPr txBox="1">
+            <a:spLocks noGrp="1"/>
+          </p:cNvSpPr>
           <p:nvPr>
             <p:ph type="ctrTitle"/>
           </p:nvPr>
@@ -6191,12 +6348,12 @@
           </a:ln>
         </p:spPr>
         <p:txBody>
-          <a:bodyPr anchorCtr="0" anchor="b" bIns="91425" lIns="91425" spcFirstLastPara="1" rIns="91425" wrap="square" tIns="91425">
+          <a:bodyPr spcFirstLastPara="1" wrap="square" lIns="91425" tIns="91425" rIns="91425" bIns="91425" anchor="b" anchorCtr="0">
             <a:normAutofit/>
           </a:bodyPr>
           <a:lstStyle/>
           <a:p>
-            <a:pPr indent="0" lvl="0" marL="0" rtl="0" algn="ctr">
+            <a:pPr marL="0" lvl="0" indent="0" algn="ctr" rtl="0">
               <a:lnSpc>
                 <a:spcPct val="100000"/>
               </a:lnSpc>
@@ -6210,26 +6367,28 @@
               <a:buNone/>
             </a:pPr>
             <a:r>
-              <a:rPr lang="en"/>
+              <a:rPr lang="en" sz="4000" dirty="0"/>
               <a:t>RESIN Terrorist Attacks Schema</a:t>
             </a:r>
             <a:br>
-              <a:rPr lang="en"/>
+              <a:rPr lang="en" dirty="0"/>
             </a:br>
             <a:r>
-              <a:rPr lang="en" sz="1600"/>
-              <a:t>Quizlet 9</a:t>
+              <a:rPr lang="en" sz="1800" dirty="0"/>
+              <a:t>Updated March 20, 2022</a:t>
             </a:r>
-            <a:endParaRPr/>
+            <a:endParaRPr dirty="0"/>
           </a:p>
         </p:txBody>
       </p:sp>
       <p:sp>
         <p:nvSpPr>
           <p:cNvPr id="55" name="Google Shape;55;p13"/>
-          <p:cNvSpPr txBox="1"/>
+          <p:cNvSpPr txBox="1">
+            <a:spLocks noGrp="1"/>
+          </p:cNvSpPr>
           <p:nvPr>
-            <p:ph idx="1" type="subTitle"/>
+            <p:ph type="subTitle" idx="1"/>
           </p:nvPr>
         </p:nvSpPr>
         <p:spPr>
@@ -6246,12 +6405,12 @@
           </a:ln>
         </p:spPr>
         <p:txBody>
-          <a:bodyPr anchorCtr="0" anchor="t" bIns="91425" lIns="91425" spcFirstLastPara="1" rIns="91425" wrap="square" tIns="91425">
-            <a:normAutofit fontScale="85000" lnSpcReduction="20000"/>
+          <a:bodyPr spcFirstLastPara="1" wrap="square" lIns="91425" tIns="91425" rIns="91425" bIns="91425" anchor="t" anchorCtr="0">
+            <a:normAutofit/>
           </a:bodyPr>
           <a:lstStyle/>
           <a:p>
-            <a:pPr indent="0" lvl="0" marL="0" rtl="0" algn="ctr">
+            <a:pPr marL="0" lvl="0" indent="0" algn="ctr" rtl="0">
               <a:lnSpc>
                 <a:spcPct val="100000"/>
               </a:lnSpc>
@@ -6265,17 +6424,13 @@
               <a:buNone/>
             </a:pPr>
             <a:r>
-              <a:rPr lang="en"/>
-              <a:t>Iris Liu, </a:t>
+              <a:rPr lang="en" sz="1800" dirty="0"/>
+              <a:t>Iris Liu, Sha Li, Michael Regan,</a:t>
             </a:r>
-            <a:r>
-              <a:rPr lang="en"/>
-              <a:t>Sha Li, Michael Regan,</a:t>
-            </a:r>
-            <a:endParaRPr/>
+            <a:endParaRPr sz="1800" dirty="0"/>
           </a:p>
           <a:p>
-            <a:pPr indent="0" lvl="0" marL="0" rtl="0" algn="ctr">
+            <a:pPr marL="0" lvl="0" indent="0" algn="ctr" rtl="0">
               <a:lnSpc>
                 <a:spcPct val="100000"/>
               </a:lnSpc>
@@ -6289,10 +6444,10 @@
               <a:buNone/>
             </a:pPr>
             <a:r>
-              <a:rPr lang="en"/>
+              <a:rPr lang="en" sz="1800" dirty="0"/>
               <a:t>Susan Brown, Martha Palmer, Heng Ji</a:t>
             </a:r>
-            <a:endParaRPr/>
+            <a:endParaRPr sz="1800" dirty="0"/>
           </a:p>
         </p:txBody>
       </p:sp>
@@ -6305,11 +6460,11 @@
 </file>
 
 <file path=ppt/slides/slide2.xml><?xml version="1.0" encoding="utf-8"?>
-<p:sld xmlns:a="http://schemas.openxmlformats.org/drawingml/2006/main" xmlns:r="http://schemas.openxmlformats.org/officeDocument/2006/relationships" xmlns:mc="http://schemas.openxmlformats.org/markup-compatibility/2006" xmlns:mv="urn:schemas-microsoft-com:mac:vml" xmlns:p="http://schemas.openxmlformats.org/presentationml/2006/main" xmlns:c="http://schemas.openxmlformats.org/drawingml/2006/chart" xmlns:dgm="http://schemas.openxmlformats.org/drawingml/2006/diagram" xmlns:o="urn:schemas-microsoft-com:office:office" xmlns:v="urn:schemas-microsoft-com:vml" xmlns:pvml="urn:schemas-microsoft-com:office:powerpoint" xmlns:com="http://schemas.openxmlformats.org/drawingml/2006/compatibility" xmlns:p14="http://schemas.microsoft.com/office/powerpoint/2010/main" xmlns:p15="http://schemas.microsoft.com/office/powerpoint/2012/main" xmlns:ahyp="http://schemas.microsoft.com/office/drawing/2018/hyperlinkcolor">
+<p:sld xmlns:a="http://schemas.openxmlformats.org/drawingml/2006/main" xmlns:r="http://schemas.openxmlformats.org/officeDocument/2006/relationships" xmlns:p="http://schemas.openxmlformats.org/presentationml/2006/main">
   <p:cSld>
     <p:spTree>
       <p:nvGrpSpPr>
-        <p:cNvPr id="59" name="Shape 59"/>
+        <p:cNvPr id="1" name="Shape 59"/>
         <p:cNvGrpSpPr/>
         <p:nvPr/>
       </p:nvGrpSpPr>
@@ -6324,7 +6479,9 @@
       <p:sp>
         <p:nvSpPr>
           <p:cNvPr id="60" name="Google Shape;60;p14"/>
-          <p:cNvSpPr txBox="1"/>
+          <p:cNvSpPr txBox="1">
+            <a:spLocks noGrp="1"/>
+          </p:cNvSpPr>
           <p:nvPr>
             <p:ph type="title"/>
           </p:nvPr>
@@ -6339,12 +6496,12 @@
           </a:prstGeom>
         </p:spPr>
         <p:txBody>
-          <a:bodyPr anchorCtr="0" anchor="t" bIns="91425" lIns="91425" spcFirstLastPara="1" rIns="91425" wrap="square" tIns="91425">
+          <a:bodyPr spcFirstLastPara="1" wrap="square" lIns="91425" tIns="91425" rIns="91425" bIns="91425" anchor="t" anchorCtr="0">
             <a:normAutofit fontScale="90000"/>
           </a:bodyPr>
           <a:lstStyle/>
           <a:p>
-            <a:pPr indent="0" lvl="0" marL="0" rtl="0" algn="l">
+            <a:pPr marL="0" lvl="0" indent="0" algn="l" rtl="0">
               <a:spcBef>
                 <a:spcPts val="0"/>
               </a:spcBef>
@@ -6426,11 +6583,11 @@
 </file>
 
 <file path=ppt/slides/slide3.xml><?xml version="1.0" encoding="utf-8"?>
-<p:sld xmlns:a="http://schemas.openxmlformats.org/drawingml/2006/main" xmlns:r="http://schemas.openxmlformats.org/officeDocument/2006/relationships" xmlns:mc="http://schemas.openxmlformats.org/markup-compatibility/2006" xmlns:mv="urn:schemas-microsoft-com:mac:vml" xmlns:p="http://schemas.openxmlformats.org/presentationml/2006/main" xmlns:c="http://schemas.openxmlformats.org/drawingml/2006/chart" xmlns:dgm="http://schemas.openxmlformats.org/drawingml/2006/diagram" xmlns:o="urn:schemas-microsoft-com:office:office" xmlns:v="urn:schemas-microsoft-com:vml" xmlns:pvml="urn:schemas-microsoft-com:office:powerpoint" xmlns:com="http://schemas.openxmlformats.org/drawingml/2006/compatibility" xmlns:p14="http://schemas.microsoft.com/office/powerpoint/2010/main" xmlns:p15="http://schemas.microsoft.com/office/powerpoint/2012/main" xmlns:ahyp="http://schemas.microsoft.com/office/drawing/2018/hyperlinkcolor">
+<p:sld xmlns:a="http://schemas.openxmlformats.org/drawingml/2006/main" xmlns:r="http://schemas.openxmlformats.org/officeDocument/2006/relationships" xmlns:p="http://schemas.openxmlformats.org/presentationml/2006/main">
   <p:cSld>
     <p:spTree>
       <p:nvGrpSpPr>
-        <p:cNvPr id="66" name="Shape 66"/>
+        <p:cNvPr id="1" name="Shape 66"/>
         <p:cNvGrpSpPr/>
         <p:nvPr/>
       </p:nvGrpSpPr>
@@ -6445,7 +6602,9 @@
       <p:sp>
         <p:nvSpPr>
           <p:cNvPr id="67" name="Google Shape;67;p15"/>
-          <p:cNvSpPr txBox="1"/>
+          <p:cNvSpPr txBox="1">
+            <a:spLocks noGrp="1"/>
+          </p:cNvSpPr>
           <p:nvPr>
             <p:ph type="title"/>
           </p:nvPr>
@@ -6460,12 +6619,12 @@
           </a:prstGeom>
         </p:spPr>
         <p:txBody>
-          <a:bodyPr anchorCtr="0" anchor="b" bIns="91425" lIns="91425" spcFirstLastPara="1" rIns="91425" wrap="square" tIns="91425">
+          <a:bodyPr spcFirstLastPara="1" wrap="square" lIns="91425" tIns="91425" rIns="91425" bIns="91425" anchor="b" anchorCtr="0">
             <a:normAutofit/>
           </a:bodyPr>
           <a:lstStyle/>
           <a:p>
-            <a:pPr indent="0" lvl="0" marL="0" rtl="0" algn="l">
+            <a:pPr marL="0" lvl="0" indent="0" algn="l" rtl="0">
               <a:spcBef>
                 <a:spcPts val="0"/>
               </a:spcBef>
@@ -6475,19 +6634,21 @@
               <a:buNone/>
             </a:pPr>
             <a:r>
-              <a:rPr lang="en"/>
-              <a:t>Motivation (10184)</a:t>
+              <a:rPr lang="en" dirty="0"/>
+              <a:t>Motivation</a:t>
             </a:r>
-            <a:endParaRPr/>
+            <a:endParaRPr dirty="0"/>
           </a:p>
         </p:txBody>
       </p:sp>
       <p:sp>
         <p:nvSpPr>
           <p:cNvPr id="68" name="Google Shape;68;p15"/>
-          <p:cNvSpPr txBox="1"/>
+          <p:cNvSpPr txBox="1">
+            <a:spLocks noGrp="1"/>
+          </p:cNvSpPr>
           <p:nvPr>
-            <p:ph idx="1" type="body"/>
+            <p:ph type="body" idx="1"/>
           </p:nvPr>
         </p:nvSpPr>
         <p:spPr>
@@ -6500,12 +6661,12 @@
           </a:prstGeom>
         </p:spPr>
         <p:txBody>
-          <a:bodyPr anchorCtr="0" anchor="t" bIns="91425" lIns="91425" spcFirstLastPara="1" rIns="91425" wrap="square" tIns="91425">
-            <a:normAutofit fontScale="85000" lnSpcReduction="20000"/>
+          <a:bodyPr spcFirstLastPara="1" wrap="square" lIns="91425" tIns="91425" rIns="91425" bIns="91425" anchor="t" anchorCtr="0">
+            <a:normAutofit fontScale="85000" lnSpcReduction="10000"/>
           </a:bodyPr>
           <a:lstStyle/>
           <a:p>
-            <a:pPr indent="0" lvl="0" marL="0" rtl="0" algn="l">
+            <a:pPr marL="0" lvl="0" indent="0" algn="l" rtl="0">
               <a:spcBef>
                 <a:spcPts val="0"/>
               </a:spcBef>
@@ -6515,17 +6676,17 @@
               <a:buNone/>
             </a:pPr>
             <a:r>
-              <a:rPr b="1" lang="en"/>
-              <a:t>Injustice (10190)</a:t>
+              <a:rPr lang="en" b="1" dirty="0"/>
+              <a:t>Injustice</a:t>
             </a:r>
             <a:r>
-              <a:rPr lang="en"/>
+              <a:rPr lang="en" dirty="0"/>
               <a:t>: Injustice, whether objective or perceived, towards a group or individual.</a:t>
             </a:r>
-            <a:endParaRPr/>
+            <a:endParaRPr dirty="0"/>
           </a:p>
           <a:p>
-            <a:pPr indent="0" lvl="0" marL="0" rtl="0" algn="l">
+            <a:pPr marL="0" lvl="0" indent="0" algn="l" rtl="0">
               <a:spcBef>
                 <a:spcPts val="1200"/>
               </a:spcBef>
@@ -6535,17 +6696,17 @@
               <a:buNone/>
             </a:pPr>
             <a:r>
-              <a:rPr b="1" lang="en"/>
-              <a:t>Recruitment (10194)</a:t>
+              <a:rPr lang="en" b="1" dirty="0"/>
+              <a:t>Recruitment</a:t>
             </a:r>
             <a:r>
-              <a:rPr lang="en"/>
+              <a:rPr lang="en" dirty="0"/>
               <a:t>: Inspire people to join the cause.</a:t>
             </a:r>
-            <a:endParaRPr/>
+            <a:endParaRPr dirty="0"/>
           </a:p>
           <a:p>
-            <a:pPr indent="0" lvl="0" marL="0" rtl="0" algn="l">
+            <a:pPr marL="0" lvl="0" indent="0" algn="l" rtl="0">
               <a:spcBef>
                 <a:spcPts val="1200"/>
               </a:spcBef>
@@ -6555,17 +6716,17 @@
               <a:buNone/>
             </a:pPr>
             <a:r>
-              <a:rPr b="1" lang="en"/>
-              <a:t>Propaganda (10191)</a:t>
+              <a:rPr lang="en" b="1" dirty="0"/>
+              <a:t>Propaganda</a:t>
             </a:r>
             <a:r>
-              <a:rPr lang="en"/>
+              <a:rPr lang="en" dirty="0"/>
               <a:t>: Crime as propaganda to inspire people for the cause.</a:t>
             </a:r>
-            <a:endParaRPr/>
+            <a:endParaRPr dirty="0"/>
           </a:p>
           <a:p>
-            <a:pPr indent="0" lvl="0" marL="0" rtl="0" algn="l">
+            <a:pPr marL="0" lvl="0" indent="0" algn="l" rtl="0">
               <a:spcBef>
                 <a:spcPts val="1200"/>
               </a:spcBef>
@@ -6575,17 +6736,17 @@
               <a:buNone/>
             </a:pPr>
             <a:r>
-              <a:rPr b="1" lang="en"/>
-              <a:t>Awareness Campaign (10192)</a:t>
+              <a:rPr lang="en" b="1" dirty="0"/>
+              <a:t>Awareness Campaign</a:t>
             </a:r>
             <a:r>
-              <a:rPr lang="en"/>
+              <a:rPr lang="en" dirty="0"/>
               <a:t>: Raise awareness and receive attention from the media on the cause.</a:t>
             </a:r>
-            <a:endParaRPr/>
+            <a:endParaRPr dirty="0"/>
           </a:p>
           <a:p>
-            <a:pPr indent="0" lvl="0" marL="0" rtl="0" algn="l">
+            <a:pPr marL="0" lvl="0" indent="0" algn="l" rtl="0">
               <a:spcBef>
                 <a:spcPts val="1200"/>
               </a:spcBef>
@@ -6595,17 +6756,17 @@
               <a:buNone/>
             </a:pPr>
             <a:r>
-              <a:rPr b="1" lang="en"/>
-              <a:t>Terrorism (10193)</a:t>
+              <a:rPr lang="en" b="1" dirty="0"/>
+              <a:t>Terrorism</a:t>
             </a:r>
             <a:r>
-              <a:rPr lang="en"/>
+              <a:rPr lang="en" dirty="0"/>
               <a:t>: Incite fear in the general population.</a:t>
             </a:r>
-            <a:endParaRPr/>
+            <a:endParaRPr dirty="0"/>
           </a:p>
           <a:p>
-            <a:pPr indent="0" lvl="0" marL="0" rtl="0" algn="l">
+            <a:pPr marL="0" lvl="0" indent="0" algn="l" rtl="0">
               <a:spcBef>
                 <a:spcPts val="1200"/>
               </a:spcBef>
@@ -6615,14 +6776,14 @@
               <a:buNone/>
             </a:pPr>
             <a:r>
-              <a:rPr b="1" lang="en"/>
-              <a:t>Personal Beliefs (10195)</a:t>
+              <a:rPr lang="en" b="1" dirty="0"/>
+              <a:t>Personal Beliefs</a:t>
             </a:r>
             <a:r>
-              <a:rPr lang="en"/>
+              <a:rPr lang="en" dirty="0"/>
               <a:t>: Personal beliefs that something about the world is inherently wrong.</a:t>
             </a:r>
-            <a:endParaRPr/>
+            <a:endParaRPr dirty="0"/>
           </a:p>
         </p:txBody>
       </p:sp>
@@ -6663,11 +6824,11 @@
 </file>
 
 <file path=ppt/slides/slide4.xml><?xml version="1.0" encoding="utf-8"?>
-<p:sld xmlns:a="http://schemas.openxmlformats.org/drawingml/2006/main" xmlns:r="http://schemas.openxmlformats.org/officeDocument/2006/relationships" xmlns:mc="http://schemas.openxmlformats.org/markup-compatibility/2006" xmlns:mv="urn:schemas-microsoft-com:mac:vml" xmlns:p="http://schemas.openxmlformats.org/presentationml/2006/main" xmlns:c="http://schemas.openxmlformats.org/drawingml/2006/chart" xmlns:dgm="http://schemas.openxmlformats.org/drawingml/2006/diagram" xmlns:o="urn:schemas-microsoft-com:office:office" xmlns:v="urn:schemas-microsoft-com:vml" xmlns:pvml="urn:schemas-microsoft-com:office:powerpoint" xmlns:com="http://schemas.openxmlformats.org/drawingml/2006/compatibility" xmlns:p14="http://schemas.microsoft.com/office/powerpoint/2010/main" xmlns:p15="http://schemas.microsoft.com/office/powerpoint/2012/main" xmlns:ahyp="http://schemas.microsoft.com/office/drawing/2018/hyperlinkcolor">
+<p:sld xmlns:a="http://schemas.openxmlformats.org/drawingml/2006/main" xmlns:r="http://schemas.openxmlformats.org/officeDocument/2006/relationships" xmlns:p="http://schemas.openxmlformats.org/presentationml/2006/main">
   <p:cSld>
     <p:spTree>
       <p:nvGrpSpPr>
-        <p:cNvPr id="73" name="Shape 73"/>
+        <p:cNvPr id="1" name="Shape 73"/>
         <p:cNvGrpSpPr/>
         <p:nvPr/>
       </p:nvGrpSpPr>
@@ -6682,7 +6843,9 @@
       <p:sp>
         <p:nvSpPr>
           <p:cNvPr id="74" name="Google Shape;74;p16"/>
-          <p:cNvSpPr txBox="1"/>
+          <p:cNvSpPr txBox="1">
+            <a:spLocks noGrp="1"/>
+          </p:cNvSpPr>
           <p:nvPr>
             <p:ph type="title"/>
           </p:nvPr>
@@ -6697,12 +6860,12 @@
           </a:prstGeom>
         </p:spPr>
         <p:txBody>
-          <a:bodyPr anchorCtr="0" anchor="b" bIns="91425" lIns="91425" spcFirstLastPara="1" rIns="91425" wrap="square" tIns="91425">
-            <a:normAutofit fontScale="90000"/>
+          <a:bodyPr spcFirstLastPara="1" wrap="square" lIns="91425" tIns="91425" rIns="91425" bIns="91425" anchor="b" anchorCtr="0">
+            <a:normAutofit/>
           </a:bodyPr>
           <a:lstStyle/>
           <a:p>
-            <a:pPr indent="0" lvl="0" marL="0" rtl="0" algn="l">
+            <a:pPr marL="0" lvl="0" indent="0" algn="l" rtl="0">
               <a:spcBef>
                 <a:spcPts val="0"/>
               </a:spcBef>
@@ -6712,19 +6875,21 @@
               <a:buNone/>
             </a:pPr>
             <a:r>
-              <a:rPr lang="en"/>
-              <a:t>Preparation (10185)</a:t>
+              <a:rPr lang="en" dirty="0"/>
+              <a:t>Preparation</a:t>
             </a:r>
-            <a:endParaRPr/>
+            <a:endParaRPr dirty="0"/>
           </a:p>
         </p:txBody>
       </p:sp>
       <p:sp>
         <p:nvSpPr>
           <p:cNvPr id="75" name="Google Shape;75;p16"/>
-          <p:cNvSpPr txBox="1"/>
+          <p:cNvSpPr txBox="1">
+            <a:spLocks noGrp="1"/>
+          </p:cNvSpPr>
           <p:nvPr>
-            <p:ph idx="1" type="body"/>
+            <p:ph type="body" idx="1"/>
           </p:nvPr>
         </p:nvSpPr>
         <p:spPr>
@@ -6737,12 +6902,12 @@
           </a:prstGeom>
         </p:spPr>
         <p:txBody>
-          <a:bodyPr anchorCtr="0" anchor="t" bIns="91425" lIns="91425" spcFirstLastPara="1" rIns="91425" wrap="square" tIns="91425">
+          <a:bodyPr spcFirstLastPara="1" wrap="square" lIns="91425" tIns="91425" rIns="91425" bIns="91425" anchor="t" anchorCtr="0">
             <a:normAutofit/>
           </a:bodyPr>
           <a:lstStyle/>
           <a:p>
-            <a:pPr indent="0" lvl="0" marL="0" rtl="0" algn="l">
+            <a:pPr marL="0" lvl="0" indent="0" algn="l" rtl="0">
               <a:spcBef>
                 <a:spcPts val="0"/>
               </a:spcBef>
@@ -6752,17 +6917,17 @@
               <a:buNone/>
             </a:pPr>
             <a:r>
-              <a:rPr b="1" lang="en"/>
-              <a:t>Train Participants (10197)</a:t>
+              <a:rPr lang="en" b="1" dirty="0"/>
+              <a:t>Train Participants</a:t>
             </a:r>
             <a:r>
-              <a:rPr lang="en"/>
+              <a:rPr lang="en" dirty="0"/>
               <a:t>: Train participants who will execute the attack.</a:t>
             </a:r>
-            <a:endParaRPr/>
+            <a:endParaRPr dirty="0"/>
           </a:p>
           <a:p>
-            <a:pPr indent="0" lvl="0" marL="0" rtl="0" algn="l">
+            <a:pPr marL="0" lvl="0" indent="0" algn="l" rtl="0">
               <a:spcBef>
                 <a:spcPts val="1200"/>
               </a:spcBef>
@@ -6772,17 +6937,17 @@
               <a:buNone/>
             </a:pPr>
             <a:r>
-              <a:rPr b="1" lang="en"/>
-              <a:t>Plan Attack (10196)</a:t>
+              <a:rPr lang="en" b="1" dirty="0"/>
+              <a:t>Plan Attack</a:t>
             </a:r>
             <a:r>
-              <a:rPr lang="en"/>
+              <a:rPr lang="en" dirty="0"/>
               <a:t>: Plan the specifics of attack.</a:t>
             </a:r>
-            <a:endParaRPr/>
+            <a:endParaRPr dirty="0"/>
           </a:p>
           <a:p>
-            <a:pPr indent="0" lvl="0" marL="0" rtl="0" algn="l">
+            <a:pPr marL="0" lvl="0" indent="0" algn="l" rtl="0">
               <a:spcBef>
                 <a:spcPts val="1200"/>
               </a:spcBef>
@@ -6792,17 +6957,17 @@
               <a:buNone/>
             </a:pPr>
             <a:r>
-              <a:rPr b="1" lang="en"/>
-              <a:t>Purchase Weapons (10199)</a:t>
+              <a:rPr lang="en" b="1" dirty="0"/>
+              <a:t>Purchase Weapons</a:t>
             </a:r>
             <a:r>
-              <a:rPr lang="en"/>
+              <a:rPr lang="en" dirty="0"/>
               <a:t>: Obtain weapons for the crime.</a:t>
             </a:r>
-            <a:endParaRPr/>
+            <a:endParaRPr dirty="0"/>
           </a:p>
           <a:p>
-            <a:pPr indent="0" lvl="0" marL="0" rtl="0" algn="l">
+            <a:pPr marL="0" lvl="0" indent="0" algn="l" rtl="0">
               <a:spcBef>
                 <a:spcPts val="1200"/>
               </a:spcBef>
@@ -6812,14 +6977,14 @@
               <a:buNone/>
             </a:pPr>
             <a:r>
-              <a:rPr b="1" lang="en"/>
-              <a:t>Plant Undercover Agents (10198)</a:t>
+              <a:rPr lang="en" b="1" dirty="0"/>
+              <a:t>Plant Undercover Agents</a:t>
             </a:r>
             <a:r>
-              <a:rPr lang="en"/>
+              <a:rPr lang="en" dirty="0"/>
               <a:t>: Plant spies in the target group to obtain information.</a:t>
             </a:r>
-            <a:endParaRPr/>
+            <a:endParaRPr dirty="0"/>
           </a:p>
         </p:txBody>
       </p:sp>
@@ -6860,11 +7025,11 @@
 </file>
 
 <file path=ppt/slides/slide5.xml><?xml version="1.0" encoding="utf-8"?>
-<p:sld xmlns:a="http://schemas.openxmlformats.org/drawingml/2006/main" xmlns:r="http://schemas.openxmlformats.org/officeDocument/2006/relationships" xmlns:mc="http://schemas.openxmlformats.org/markup-compatibility/2006" xmlns:mv="urn:schemas-microsoft-com:mac:vml" xmlns:p="http://schemas.openxmlformats.org/presentationml/2006/main" xmlns:c="http://schemas.openxmlformats.org/drawingml/2006/chart" xmlns:dgm="http://schemas.openxmlformats.org/drawingml/2006/diagram" xmlns:o="urn:schemas-microsoft-com:office:office" xmlns:v="urn:schemas-microsoft-com:vml" xmlns:pvml="urn:schemas-microsoft-com:office:powerpoint" xmlns:com="http://schemas.openxmlformats.org/drawingml/2006/compatibility" xmlns:p14="http://schemas.microsoft.com/office/powerpoint/2010/main" xmlns:p15="http://schemas.microsoft.com/office/powerpoint/2012/main" xmlns:ahyp="http://schemas.microsoft.com/office/drawing/2018/hyperlinkcolor">
+<p:sld xmlns:a="http://schemas.openxmlformats.org/drawingml/2006/main" xmlns:r="http://schemas.openxmlformats.org/officeDocument/2006/relationships" xmlns:p="http://schemas.openxmlformats.org/presentationml/2006/main">
   <p:cSld>
     <p:spTree>
       <p:nvGrpSpPr>
-        <p:cNvPr id="80" name="Shape 80"/>
+        <p:cNvPr id="1" name="Shape 80"/>
         <p:cNvGrpSpPr/>
         <p:nvPr/>
       </p:nvGrpSpPr>
@@ -6879,7 +7044,9 @@
       <p:sp>
         <p:nvSpPr>
           <p:cNvPr id="81" name="Google Shape;81;p17"/>
-          <p:cNvSpPr txBox="1"/>
+          <p:cNvSpPr txBox="1">
+            <a:spLocks noGrp="1"/>
+          </p:cNvSpPr>
           <p:nvPr>
             <p:ph type="title"/>
           </p:nvPr>
@@ -6894,12 +7061,12 @@
           </a:prstGeom>
         </p:spPr>
         <p:txBody>
-          <a:bodyPr anchorCtr="0" anchor="b" bIns="91425" lIns="91425" spcFirstLastPara="1" rIns="91425" wrap="square" tIns="91425">
-            <a:normAutofit fontScale="90000"/>
+          <a:bodyPr spcFirstLastPara="1" wrap="square" lIns="91425" tIns="91425" rIns="91425" bIns="91425" anchor="b" anchorCtr="0">
+            <a:normAutofit/>
           </a:bodyPr>
           <a:lstStyle/>
           <a:p>
-            <a:pPr indent="0" lvl="0" marL="0" rtl="0" algn="l">
+            <a:pPr marL="0" lvl="0" indent="0" algn="l" rtl="0">
               <a:spcBef>
                 <a:spcPts val="0"/>
               </a:spcBef>
@@ -6909,19 +7076,21 @@
               <a:buNone/>
             </a:pPr>
             <a:r>
-              <a:rPr lang="en"/>
-              <a:t>Fundraising (10186)</a:t>
+              <a:rPr lang="en" dirty="0"/>
+              <a:t>Fundraising</a:t>
             </a:r>
-            <a:endParaRPr/>
+            <a:endParaRPr dirty="0"/>
           </a:p>
         </p:txBody>
       </p:sp>
       <p:sp>
         <p:nvSpPr>
           <p:cNvPr id="82" name="Google Shape;82;p17"/>
-          <p:cNvSpPr txBox="1"/>
+          <p:cNvSpPr txBox="1">
+            <a:spLocks noGrp="1"/>
+          </p:cNvSpPr>
           <p:nvPr>
-            <p:ph idx="1" type="body"/>
+            <p:ph type="body" idx="1"/>
           </p:nvPr>
         </p:nvSpPr>
         <p:spPr>
@@ -6934,12 +7103,12 @@
           </a:prstGeom>
         </p:spPr>
         <p:txBody>
-          <a:bodyPr anchorCtr="0" anchor="t" bIns="91425" lIns="91425" spcFirstLastPara="1" rIns="91425" wrap="square" tIns="91425">
+          <a:bodyPr spcFirstLastPara="1" wrap="square" lIns="91425" tIns="91425" rIns="91425" bIns="91425" anchor="t" anchorCtr="0">
             <a:normAutofit/>
           </a:bodyPr>
           <a:lstStyle/>
           <a:p>
-            <a:pPr indent="0" lvl="0" marL="0" rtl="0" algn="l">
+            <a:pPr marL="0" lvl="0" indent="0" algn="l" rtl="0">
               <a:spcBef>
                 <a:spcPts val="0"/>
               </a:spcBef>
@@ -6949,17 +7118,17 @@
               <a:buNone/>
             </a:pPr>
             <a:r>
-              <a:rPr b="1" lang="en"/>
-              <a:t>Donation (10200)</a:t>
+              <a:rPr lang="en" b="1" dirty="0"/>
+              <a:t>Donation</a:t>
             </a:r>
             <a:r>
-              <a:rPr lang="en"/>
+              <a:rPr lang="en" dirty="0"/>
               <a:t>: Monetary donation from supporters.</a:t>
             </a:r>
-            <a:endParaRPr/>
+            <a:endParaRPr dirty="0"/>
           </a:p>
           <a:p>
-            <a:pPr indent="0" lvl="0" marL="0" rtl="0" algn="l">
+            <a:pPr marL="0" lvl="0" indent="0" algn="l" rtl="0">
               <a:spcBef>
                 <a:spcPts val="1200"/>
               </a:spcBef>
@@ -6969,14 +7138,14 @@
               <a:buNone/>
             </a:pPr>
             <a:r>
-              <a:rPr b="1" lang="en"/>
-              <a:t>Organized Crime (10201)</a:t>
+              <a:rPr lang="en" b="1" dirty="0"/>
+              <a:t>Organized Crime</a:t>
             </a:r>
             <a:r>
-              <a:rPr lang="en"/>
+              <a:rPr lang="en" dirty="0"/>
               <a:t>: Criminal enterprises for the purpose of profit.</a:t>
             </a:r>
-            <a:endParaRPr/>
+            <a:endParaRPr dirty="0"/>
           </a:p>
         </p:txBody>
       </p:sp>
@@ -7017,11 +7186,11 @@
 </file>
 
 <file path=ppt/slides/slide6.xml><?xml version="1.0" encoding="utf-8"?>
-<p:sld xmlns:a="http://schemas.openxmlformats.org/drawingml/2006/main" xmlns:r="http://schemas.openxmlformats.org/officeDocument/2006/relationships" xmlns:mc="http://schemas.openxmlformats.org/markup-compatibility/2006" xmlns:mv="urn:schemas-microsoft-com:mac:vml" xmlns:p="http://schemas.openxmlformats.org/presentationml/2006/main" xmlns:c="http://schemas.openxmlformats.org/drawingml/2006/chart" xmlns:dgm="http://schemas.openxmlformats.org/drawingml/2006/diagram" xmlns:o="urn:schemas-microsoft-com:office:office" xmlns:v="urn:schemas-microsoft-com:vml" xmlns:pvml="urn:schemas-microsoft-com:office:powerpoint" xmlns:com="http://schemas.openxmlformats.org/drawingml/2006/compatibility" xmlns:p14="http://schemas.microsoft.com/office/powerpoint/2010/main" xmlns:p15="http://schemas.microsoft.com/office/powerpoint/2012/main" xmlns:ahyp="http://schemas.microsoft.com/office/drawing/2018/hyperlinkcolor">
+<p:sld xmlns:a="http://schemas.openxmlformats.org/drawingml/2006/main" xmlns:r="http://schemas.openxmlformats.org/officeDocument/2006/relationships" xmlns:p="http://schemas.openxmlformats.org/presentationml/2006/main">
   <p:cSld>
     <p:spTree>
       <p:nvGrpSpPr>
-        <p:cNvPr id="87" name="Shape 87"/>
+        <p:cNvPr id="1" name="Shape 87"/>
         <p:cNvGrpSpPr/>
         <p:nvPr/>
       </p:nvGrpSpPr>
@@ -7036,7 +7205,9 @@
       <p:sp>
         <p:nvSpPr>
           <p:cNvPr id="88" name="Google Shape;88;p18"/>
-          <p:cNvSpPr txBox="1"/>
+          <p:cNvSpPr txBox="1">
+            <a:spLocks noGrp="1"/>
+          </p:cNvSpPr>
           <p:nvPr>
             <p:ph type="title"/>
           </p:nvPr>
@@ -7051,12 +7222,12 @@
           </a:prstGeom>
         </p:spPr>
         <p:txBody>
-          <a:bodyPr anchorCtr="0" anchor="b" bIns="91425" lIns="91425" spcFirstLastPara="1" rIns="91425" wrap="square" tIns="91425">
+          <a:bodyPr spcFirstLastPara="1" wrap="square" lIns="91425" tIns="91425" rIns="91425" bIns="91425" anchor="b" anchorCtr="0">
             <a:normAutofit/>
           </a:bodyPr>
           <a:lstStyle/>
           <a:p>
-            <a:pPr indent="0" lvl="0" marL="0" rtl="0" algn="l">
+            <a:pPr marL="0" lvl="0" indent="0" algn="l" rtl="0">
               <a:spcBef>
                 <a:spcPts val="0"/>
               </a:spcBef>
@@ -7066,19 +7237,21 @@
               <a:buNone/>
             </a:pPr>
             <a:r>
-              <a:rPr lang="en"/>
-              <a:t>Crime (10187)</a:t>
+              <a:rPr lang="en" dirty="0"/>
+              <a:t>Crime</a:t>
             </a:r>
-            <a:endParaRPr/>
+            <a:endParaRPr dirty="0"/>
           </a:p>
         </p:txBody>
       </p:sp>
       <p:sp>
         <p:nvSpPr>
           <p:cNvPr id="89" name="Google Shape;89;p18"/>
-          <p:cNvSpPr txBox="1"/>
+          <p:cNvSpPr txBox="1">
+            <a:spLocks noGrp="1"/>
+          </p:cNvSpPr>
           <p:nvPr>
-            <p:ph idx="1" type="body"/>
+            <p:ph type="body" idx="1"/>
           </p:nvPr>
         </p:nvSpPr>
         <p:spPr>
@@ -7091,12 +7264,12 @@
           </a:prstGeom>
         </p:spPr>
         <p:txBody>
-          <a:bodyPr anchorCtr="0" anchor="t" bIns="91425" lIns="91425" spcFirstLastPara="1" rIns="91425" wrap="square" tIns="91425">
-            <a:normAutofit lnSpcReduction="20000"/>
+          <a:bodyPr spcFirstLastPara="1" wrap="square" lIns="91425" tIns="91425" rIns="91425" bIns="91425" anchor="t" anchorCtr="0">
+            <a:normAutofit/>
           </a:bodyPr>
           <a:lstStyle/>
           <a:p>
-            <a:pPr indent="0" lvl="0" marL="0" rtl="0" algn="l">
+            <a:pPr marL="0" lvl="0" indent="0" algn="l" rtl="0">
               <a:spcBef>
                 <a:spcPts val="0"/>
               </a:spcBef>
@@ -7106,17 +7279,17 @@
               <a:buNone/>
             </a:pPr>
             <a:r>
-              <a:rPr b="1" lang="en"/>
-              <a:t>Attack (10202)</a:t>
+              <a:rPr lang="en" b="1" dirty="0"/>
+              <a:t>Attack</a:t>
             </a:r>
             <a:r>
-              <a:rPr lang="en"/>
+              <a:rPr lang="en" dirty="0"/>
               <a:t>: Terrorist action to injure another organism.</a:t>
             </a:r>
-            <a:endParaRPr/>
+            <a:endParaRPr dirty="0"/>
           </a:p>
           <a:p>
-            <a:pPr indent="0" lvl="0" marL="0" rtl="0" algn="l">
+            <a:pPr marL="0" lvl="0" indent="0" algn="l" rtl="0">
               <a:spcBef>
                 <a:spcPts val="1200"/>
               </a:spcBef>
@@ -7126,17 +7299,17 @@
               <a:buNone/>
             </a:pPr>
             <a:r>
-              <a:rPr b="1" lang="en"/>
-              <a:t>Bombing (10205)</a:t>
+              <a:rPr lang="en" b="1" dirty="0"/>
+              <a:t>Bombing</a:t>
             </a:r>
             <a:r>
-              <a:rPr lang="en"/>
+              <a:rPr lang="en" dirty="0"/>
               <a:t>: Action whereby a bomb is used to kill one or more people or to damage or destroy objects</a:t>
             </a:r>
-            <a:endParaRPr/>
+            <a:endParaRPr dirty="0"/>
           </a:p>
           <a:p>
-            <a:pPr indent="0" lvl="0" marL="0" rtl="0" algn="l">
+            <a:pPr marL="0" lvl="0" indent="0" algn="l" rtl="0">
               <a:spcBef>
                 <a:spcPts val="1200"/>
               </a:spcBef>
@@ -7146,17 +7319,17 @@
               <a:buNone/>
             </a:pPr>
             <a:r>
-              <a:rPr b="1" lang="en"/>
-              <a:t>Shooting (10206)</a:t>
+              <a:rPr lang="en" b="1" dirty="0"/>
+              <a:t>Shooting</a:t>
             </a:r>
             <a:r>
-              <a:rPr lang="en"/>
+              <a:rPr lang="en" dirty="0"/>
               <a:t>: Act or process of firing firearms or other projectile weapons</a:t>
             </a:r>
-            <a:endParaRPr/>
+            <a:endParaRPr dirty="0"/>
           </a:p>
           <a:p>
-            <a:pPr indent="0" lvl="0" marL="0" rtl="0" algn="l">
+            <a:pPr marL="0" lvl="0" indent="0" algn="l" rtl="0">
               <a:spcBef>
                 <a:spcPts val="1200"/>
               </a:spcBef>
@@ -7166,17 +7339,17 @@
               <a:buNone/>
             </a:pPr>
             <a:r>
-              <a:rPr b="1" lang="en"/>
-              <a:t>Kill (10204)</a:t>
+              <a:rPr lang="en" b="1" dirty="0"/>
+              <a:t>Kill</a:t>
             </a:r>
             <a:r>
-              <a:rPr lang="en"/>
+              <a:rPr lang="en" dirty="0"/>
               <a:t>: Killing an individual or group.</a:t>
             </a:r>
-            <a:endParaRPr/>
+            <a:endParaRPr dirty="0"/>
           </a:p>
           <a:p>
-            <a:pPr indent="0" lvl="0" marL="0" rtl="0" algn="l">
+            <a:pPr marL="0" lvl="0" indent="0" algn="l" rtl="0">
               <a:spcBef>
                 <a:spcPts val="1200"/>
               </a:spcBef>
@@ -7186,14 +7359,14 @@
               <a:buNone/>
             </a:pPr>
             <a:r>
-              <a:rPr b="1" lang="en"/>
-              <a:t>Injure (10203)</a:t>
+              <a:rPr lang="en" b="1" dirty="0"/>
+              <a:t>Injure</a:t>
             </a:r>
             <a:r>
-              <a:rPr lang="en"/>
+              <a:rPr lang="en" dirty="0"/>
               <a:t>: Injuring an individual or group.</a:t>
             </a:r>
-            <a:endParaRPr/>
+            <a:endParaRPr dirty="0"/>
           </a:p>
         </p:txBody>
       </p:sp>
@@ -7234,11 +7407,11 @@
 </file>
 
 <file path=ppt/slides/slide7.xml><?xml version="1.0" encoding="utf-8"?>
-<p:sld xmlns:a="http://schemas.openxmlformats.org/drawingml/2006/main" xmlns:r="http://schemas.openxmlformats.org/officeDocument/2006/relationships" xmlns:mc="http://schemas.openxmlformats.org/markup-compatibility/2006" xmlns:mv="urn:schemas-microsoft-com:mac:vml" xmlns:p="http://schemas.openxmlformats.org/presentationml/2006/main" xmlns:c="http://schemas.openxmlformats.org/drawingml/2006/chart" xmlns:dgm="http://schemas.openxmlformats.org/drawingml/2006/diagram" xmlns:o="urn:schemas-microsoft-com:office:office" xmlns:v="urn:schemas-microsoft-com:vml" xmlns:pvml="urn:schemas-microsoft-com:office:powerpoint" xmlns:com="http://schemas.openxmlformats.org/drawingml/2006/compatibility" xmlns:p14="http://schemas.microsoft.com/office/powerpoint/2010/main" xmlns:p15="http://schemas.microsoft.com/office/powerpoint/2012/main" xmlns:ahyp="http://schemas.microsoft.com/office/drawing/2018/hyperlinkcolor">
+<p:sld xmlns:a="http://schemas.openxmlformats.org/drawingml/2006/main" xmlns:r="http://schemas.openxmlformats.org/officeDocument/2006/relationships" xmlns:p="http://schemas.openxmlformats.org/presentationml/2006/main">
   <p:cSld>
     <p:spTree>
       <p:nvGrpSpPr>
-        <p:cNvPr id="94" name="Shape 94"/>
+        <p:cNvPr id="1" name="Shape 94"/>
         <p:cNvGrpSpPr/>
         <p:nvPr/>
       </p:nvGrpSpPr>
@@ -7253,7 +7426,9 @@
       <p:sp>
         <p:nvSpPr>
           <p:cNvPr id="95" name="Google Shape;95;p19"/>
-          <p:cNvSpPr txBox="1"/>
+          <p:cNvSpPr txBox="1">
+            <a:spLocks noGrp="1"/>
+          </p:cNvSpPr>
           <p:nvPr>
             <p:ph type="title"/>
           </p:nvPr>
@@ -7268,12 +7443,12 @@
           </a:prstGeom>
         </p:spPr>
         <p:txBody>
-          <a:bodyPr anchorCtr="0" anchor="b" bIns="91425" lIns="91425" spcFirstLastPara="1" rIns="91425" wrap="square" tIns="91425">
-            <a:normAutofit fontScale="90000"/>
+          <a:bodyPr spcFirstLastPara="1" wrap="square" lIns="91425" tIns="91425" rIns="91425" bIns="91425" anchor="b" anchorCtr="0">
+            <a:normAutofit/>
           </a:bodyPr>
           <a:lstStyle/>
           <a:p>
-            <a:pPr indent="0" lvl="0" marL="0" rtl="0" algn="l">
+            <a:pPr marL="0" lvl="0" indent="0" algn="l" rtl="0">
               <a:spcBef>
                 <a:spcPts val="0"/>
               </a:spcBef>
@@ -7283,19 +7458,21 @@
               <a:buNone/>
             </a:pPr>
             <a:r>
-              <a:rPr lang="en"/>
-              <a:t>Society Response (10189)</a:t>
+              <a:rPr lang="en" dirty="0"/>
+              <a:t>Society Response</a:t>
             </a:r>
-            <a:endParaRPr/>
+            <a:endParaRPr dirty="0"/>
           </a:p>
         </p:txBody>
       </p:sp>
       <p:sp>
         <p:nvSpPr>
           <p:cNvPr id="96" name="Google Shape;96;p19"/>
-          <p:cNvSpPr txBox="1"/>
+          <p:cNvSpPr txBox="1">
+            <a:spLocks noGrp="1"/>
+          </p:cNvSpPr>
           <p:nvPr>
-            <p:ph idx="1" type="body"/>
+            <p:ph type="body" idx="1"/>
           </p:nvPr>
         </p:nvSpPr>
         <p:spPr>
@@ -7308,14 +7485,14 @@
           </a:prstGeom>
         </p:spPr>
         <p:txBody>
-          <a:bodyPr anchorCtr="0" anchor="t" bIns="91425" lIns="91425" spcFirstLastPara="1" rIns="91425" wrap="square" tIns="91425">
-            <a:normAutofit/>
+          <a:bodyPr spcFirstLastPara="1" wrap="square" lIns="91425" tIns="91425" rIns="91425" bIns="91425" anchor="t" anchorCtr="0">
+            <a:normAutofit fontScale="92500"/>
           </a:bodyPr>
           <a:lstStyle/>
           <a:p>
-            <a:pPr indent="0" lvl="0" marL="0" rtl="0" algn="l">
-              <a:spcBef>
-                <a:spcPts val="0"/>
+            <a:pPr marL="0" lvl="0" indent="0" algn="l" rtl="0">
+              <a:spcBef>
+                <a:spcPts val="1200"/>
               </a:spcBef>
               <a:spcAft>
                 <a:spcPts val="0"/>
@@ -7323,83 +7500,100 @@
               <a:buNone/>
             </a:pPr>
             <a:r>
-              <a:rPr b="1" lang="en"/>
-              <a:t>Social Media (10207)</a:t>
+              <a:rPr lang="en" b="1" dirty="0"/>
+              <a:t>Protest</a:t>
             </a:r>
             <a:r>
-              <a:rPr lang="en"/>
+              <a:rPr lang="en" dirty="0"/>
+              <a:t>: Collective action by people to protest the terrorist attack and injustice.</a:t>
+            </a:r>
+          </a:p>
+          <a:p>
+            <a:pPr marL="0" lvl="0" indent="0" algn="l" rtl="0">
+              <a:spcBef>
+                <a:spcPts val="1200"/>
+              </a:spcBef>
+              <a:spcAft>
+                <a:spcPts val="0"/>
+              </a:spcAft>
+              <a:buNone/>
+            </a:pPr>
+            <a:r>
+              <a:rPr lang="en-US" b="1" dirty="0"/>
+              <a:t>Protest Elsewhere</a:t>
+            </a:r>
+            <a:r>
+              <a:rPr lang="en-US" dirty="0"/>
+              <a:t>: protests that do not happen at the place of the attack</a:t>
+            </a:r>
+          </a:p>
+          <a:p>
+            <a:pPr marL="0" indent="0">
+              <a:spcBef>
+                <a:spcPts val="1200"/>
+              </a:spcBef>
+              <a:buNone/>
+            </a:pPr>
+            <a:r>
+              <a:rPr lang="en-US" b="1" dirty="0"/>
+              <a:t>Social Media</a:t>
+            </a:r>
+            <a:r>
+              <a:rPr lang="en-US" dirty="0"/>
               <a:t>: Interaction among people in which they create, share, and/or exchange information and ideas in virtual communities and networks.</a:t>
             </a:r>
-            <a:endParaRPr/>
+            <a:endParaRPr dirty="0"/>
           </a:p>
           <a:p>
-            <a:pPr indent="0" lvl="0" marL="0" rtl="0" algn="l">
+            <a:pPr marL="0" lvl="0" indent="0" algn="l" rtl="0">
               <a:spcBef>
                 <a:spcPts val="1200"/>
               </a:spcBef>
               <a:spcAft>
-                <a:spcPts val="0"/>
+                <a:spcPts val="1200"/>
               </a:spcAft>
               <a:buNone/>
             </a:pPr>
             <a:r>
-              <a:rPr b="1" lang="en"/>
-              <a:t>Protest (10217)</a:t>
+              <a:rPr lang="en" b="1" dirty="0"/>
+              <a:t>Journalism</a:t>
             </a:r>
             <a:r>
-              <a:rPr lang="en"/>
-              <a:t>: Collective action by people to protest the terrorist attack and injustice.</a:t>
-            </a:r>
-            <a:endParaRPr/>
-          </a:p>
-          <a:p>
-            <a:pPr indent="0" lvl="0" marL="0" rtl="0" algn="l">
-              <a:spcBef>
-                <a:spcPts val="1200"/>
-              </a:spcBef>
-              <a:spcAft>
-                <a:spcPts val="1200"/>
-              </a:spcAft>
-              <a:buNone/>
-            </a:pPr>
-            <a:r>
-              <a:rPr b="1" lang="en"/>
-              <a:t>Journalism (10208)</a:t>
-            </a:r>
-            <a:r>
-              <a:rPr lang="en"/>
+              <a:rPr lang="en" dirty="0"/>
               <a:t>: Investigation and reporting of events, issues and trends to a broad audience.</a:t>
             </a:r>
-            <a:endParaRPr/>
+            <a:endParaRPr dirty="0"/>
           </a:p>
         </p:txBody>
       </p:sp>
       <p:pic>
         <p:nvPicPr>
-          <p:cNvPr id="97" name="Google Shape;97;p19"/>
-          <p:cNvPicPr preferRelativeResize="0"/>
+          <p:cNvPr id="2" name="Picture 1">
+            <a:extLst>
+              <a:ext uri="{FF2B5EF4-FFF2-40B4-BE49-F238E27FC236}">
+                <a16:creationId xmlns:a16="http://schemas.microsoft.com/office/drawing/2014/main" id="{F7D14E62-835C-A834-3AC7-C31EB7AD0421}"/>
+              </a:ext>
+            </a:extLst>
+          </p:cNvPr>
+          <p:cNvPicPr>
+            <a:picLocks noChangeAspect="1"/>
+          </p:cNvPicPr>
           <p:nvPr/>
         </p:nvPicPr>
         <p:blipFill>
-          <a:blip r:embed="rId3">
-            <a:alphaModFix/>
-          </a:blip>
+          <a:blip r:embed="rId3"/>
           <a:stretch>
             <a:fillRect/>
           </a:stretch>
         </p:blipFill>
         <p:spPr>
           <a:xfrm>
-            <a:off x="3272100" y="627263"/>
-            <a:ext cx="5719500" cy="3888966"/>
+            <a:off x="3284484" y="1248354"/>
+            <a:ext cx="5724344" cy="2387199"/>
           </a:xfrm>
           <a:prstGeom prst="rect">
             <a:avLst/>
           </a:prstGeom>
-          <a:noFill/>
-          <a:ln>
-            <a:noFill/>
-          </a:ln>
         </p:spPr>
       </p:pic>
     </p:spTree>
@@ -7411,11 +7605,11 @@
 </file>
 
 <file path=ppt/slides/slide8.xml><?xml version="1.0" encoding="utf-8"?>
-<p:sld xmlns:a="http://schemas.openxmlformats.org/drawingml/2006/main" xmlns:r="http://schemas.openxmlformats.org/officeDocument/2006/relationships" xmlns:mc="http://schemas.openxmlformats.org/markup-compatibility/2006" xmlns:mv="urn:schemas-microsoft-com:mac:vml" xmlns:p="http://schemas.openxmlformats.org/presentationml/2006/main" xmlns:c="http://schemas.openxmlformats.org/drawingml/2006/chart" xmlns:dgm="http://schemas.openxmlformats.org/drawingml/2006/diagram" xmlns:o="urn:schemas-microsoft-com:office:office" xmlns:v="urn:schemas-microsoft-com:vml" xmlns:pvml="urn:schemas-microsoft-com:office:powerpoint" xmlns:com="http://schemas.openxmlformats.org/drawingml/2006/compatibility" xmlns:p14="http://schemas.microsoft.com/office/powerpoint/2010/main" xmlns:p15="http://schemas.microsoft.com/office/powerpoint/2012/main" xmlns:ahyp="http://schemas.microsoft.com/office/drawing/2018/hyperlinkcolor">
+<p:sld xmlns:a="http://schemas.openxmlformats.org/drawingml/2006/main" xmlns:r="http://schemas.openxmlformats.org/officeDocument/2006/relationships" xmlns:p="http://schemas.openxmlformats.org/presentationml/2006/main">
   <p:cSld>
     <p:spTree>
       <p:nvGrpSpPr>
-        <p:cNvPr id="101" name="Shape 101"/>
+        <p:cNvPr id="1" name="Shape 101"/>
         <p:cNvGrpSpPr/>
         <p:nvPr/>
       </p:nvGrpSpPr>
@@ -7427,230 +7621,6 @@
           <a:chExt cx="0" cy="0"/>
         </a:xfrm>
       </p:grpSpPr>
-      <p:sp>
-        <p:nvSpPr>
-          <p:cNvPr id="102" name="Google Shape;102;p20"/>
-          <p:cNvSpPr txBox="1"/>
-          <p:nvPr>
-            <p:ph type="title"/>
-          </p:nvPr>
-        </p:nvSpPr>
-        <p:spPr>
-          <a:xfrm>
-            <a:off x="311700" y="555600"/>
-            <a:ext cx="2808000" cy="755700"/>
-          </a:xfrm>
-          <a:prstGeom prst="rect">
-            <a:avLst/>
-          </a:prstGeom>
-        </p:spPr>
-        <p:txBody>
-          <a:bodyPr anchorCtr="0" anchor="b" bIns="91425" lIns="91425" spcFirstLastPara="1" rIns="91425" wrap="square" tIns="91425">
-            <a:normAutofit fontScale="90000"/>
-          </a:bodyPr>
-          <a:lstStyle/>
-          <a:p>
-            <a:pPr indent="0" lvl="0" marL="0" rtl="0" algn="l">
-              <a:spcBef>
-                <a:spcPts val="0"/>
-              </a:spcBef>
-              <a:spcAft>
-                <a:spcPts val="0"/>
-              </a:spcAft>
-              <a:buNone/>
-            </a:pPr>
-            <a:r>
-              <a:rPr lang="en"/>
-              <a:t>Counter Terrorism (10188)</a:t>
-            </a:r>
-            <a:endParaRPr/>
-          </a:p>
-        </p:txBody>
-      </p:sp>
-      <p:sp>
-        <p:nvSpPr>
-          <p:cNvPr id="103" name="Google Shape;103;p20"/>
-          <p:cNvSpPr txBox="1"/>
-          <p:nvPr>
-            <p:ph idx="1" type="body"/>
-          </p:nvPr>
-        </p:nvSpPr>
-        <p:spPr>
-          <a:xfrm>
-            <a:off x="311700" y="1389600"/>
-            <a:ext cx="2808000" cy="3179400"/>
-          </a:xfrm>
-          <a:prstGeom prst="rect">
-            <a:avLst/>
-          </a:prstGeom>
-        </p:spPr>
-        <p:txBody>
-          <a:bodyPr anchorCtr="0" anchor="t" bIns="91425" lIns="91425" spcFirstLastPara="1" rIns="91425" wrap="square" tIns="91425">
-            <a:normAutofit fontScale="55000"/>
-          </a:bodyPr>
-          <a:lstStyle/>
-          <a:p>
-            <a:pPr indent="0" lvl="0" marL="0" rtl="0" algn="l">
-              <a:spcBef>
-                <a:spcPts val="0"/>
-              </a:spcBef>
-              <a:spcAft>
-                <a:spcPts val="0"/>
-              </a:spcAft>
-              <a:buNone/>
-            </a:pPr>
-            <a:r>
-              <a:rPr b="1" lang="en"/>
-              <a:t>Legislation (10211)</a:t>
-            </a:r>
-            <a:r>
-              <a:rPr lang="en"/>
-              <a:t>: Laws enacted against terrorism.</a:t>
-            </a:r>
-            <a:endParaRPr/>
-          </a:p>
-          <a:p>
-            <a:pPr indent="0" lvl="0" marL="0" rtl="0" algn="l">
-              <a:spcBef>
-                <a:spcPts val="1200"/>
-              </a:spcBef>
-              <a:spcAft>
-                <a:spcPts val="0"/>
-              </a:spcAft>
-              <a:buNone/>
-            </a:pPr>
-            <a:r>
-              <a:rPr b="1" lang="en"/>
-              <a:t>Target Hardening (10214)</a:t>
-            </a:r>
-            <a:r>
-              <a:rPr lang="en"/>
-              <a:t>: Process of securing or strengthening security of an area suspected to be targeted by terrorism.</a:t>
-            </a:r>
-            <a:endParaRPr/>
-          </a:p>
-          <a:p>
-            <a:pPr indent="0" lvl="0" marL="0" rtl="0" algn="l">
-              <a:spcBef>
-                <a:spcPts val="1200"/>
-              </a:spcBef>
-              <a:spcAft>
-                <a:spcPts val="0"/>
-              </a:spcAft>
-              <a:buNone/>
-            </a:pPr>
-            <a:r>
-              <a:rPr b="1" lang="en"/>
-              <a:t>Military Action (10209)</a:t>
-            </a:r>
-            <a:r>
-              <a:rPr lang="en"/>
-              <a:t>: Control of people by others through violence in order to prevent further terrorist activity.</a:t>
-            </a:r>
-            <a:endParaRPr/>
-          </a:p>
-          <a:p>
-            <a:pPr indent="0" lvl="0" marL="0" rtl="0" algn="l">
-              <a:spcBef>
-                <a:spcPts val="1200"/>
-              </a:spcBef>
-              <a:spcAft>
-                <a:spcPts val="0"/>
-              </a:spcAft>
-              <a:buNone/>
-            </a:pPr>
-            <a:r>
-              <a:rPr b="1" lang="en"/>
-              <a:t>Terrorism Research (10215)</a:t>
-            </a:r>
-            <a:r>
-              <a:rPr lang="en"/>
-              <a:t>: Systematic research into the cause of terrorism and its impact as well as preventative measures.</a:t>
-            </a:r>
-            <a:endParaRPr/>
-          </a:p>
-          <a:p>
-            <a:pPr indent="0" lvl="0" marL="0" rtl="0" algn="l">
-              <a:spcBef>
-                <a:spcPts val="1200"/>
-              </a:spcBef>
-              <a:spcAft>
-                <a:spcPts val="0"/>
-              </a:spcAft>
-              <a:buNone/>
-            </a:pPr>
-            <a:r>
-              <a:rPr b="1" lang="en"/>
-              <a:t>Surveillance (10216)</a:t>
-            </a:r>
-            <a:r>
-              <a:rPr lang="en"/>
-              <a:t>: Monitoring of behavior, activities, or other changing information, for the purpose of influencing, managing or directing.</a:t>
-            </a:r>
-            <a:endParaRPr/>
-          </a:p>
-          <a:p>
-            <a:pPr indent="0" lvl="0" marL="0" rtl="0" algn="l">
-              <a:spcBef>
-                <a:spcPts val="1200"/>
-              </a:spcBef>
-              <a:spcAft>
-                <a:spcPts val="0"/>
-              </a:spcAft>
-              <a:buNone/>
-            </a:pPr>
-            <a:r>
-              <a:rPr b="1" lang="en"/>
-              <a:t>Detention (10212)</a:t>
-            </a:r>
-            <a:r>
-              <a:rPr lang="en"/>
-              <a:t>: Removal of the freedom of liberty by a state.</a:t>
-            </a:r>
-            <a:endParaRPr/>
-          </a:p>
-          <a:p>
-            <a:pPr indent="0" lvl="0" marL="0" rtl="0" algn="l">
-              <a:spcBef>
-                <a:spcPts val="1200"/>
-              </a:spcBef>
-              <a:spcAft>
-                <a:spcPts val="0"/>
-              </a:spcAft>
-              <a:buNone/>
-            </a:pPr>
-            <a:r>
-              <a:rPr b="1" lang="en"/>
-              <a:t>Interrogation (10213)</a:t>
-            </a:r>
-            <a:r>
-              <a:rPr lang="en"/>
-              <a:t>: Interviewing employed by law enforcement officers, military personnel, and intelligence agencies with the goal of eliciting information about affiliation with any terrorist group.</a:t>
-            </a:r>
-            <a:endParaRPr/>
-          </a:p>
-          <a:p>
-            <a:pPr indent="0" lvl="0" marL="0" rtl="0" algn="l">
-              <a:spcBef>
-                <a:spcPts val="1200"/>
-              </a:spcBef>
-              <a:spcAft>
-                <a:spcPts val="1200"/>
-              </a:spcAft>
-              <a:buNone/>
-            </a:pPr>
-            <a:r>
-              <a:rPr b="1" lang="en"/>
-              <a:t>Deportation (10210)</a:t>
-            </a:r>
-            <a:r>
-              <a:rPr lang="en"/>
-              <a:t>: Expulsion of the people from a place or country.</a:t>
-            </a:r>
-            <a:endParaRPr/>
-          </a:p>
-        </p:txBody>
-      </p:sp>
       <p:pic>
         <p:nvPicPr>
           <p:cNvPr id="104" name="Google Shape;104;p20"/>
@@ -7667,8 +7637,8 @@
         </p:blipFill>
         <p:spPr>
           <a:xfrm>
-            <a:off x="3272100" y="737250"/>
-            <a:ext cx="5719499" cy="3669004"/>
+            <a:off x="3975653" y="427564"/>
+            <a:ext cx="4952336" cy="3453904"/>
           </a:xfrm>
           <a:prstGeom prst="rect">
             <a:avLst/>
@@ -7679,6 +7649,258 @@
           </a:ln>
         </p:spPr>
       </p:pic>
+      <p:sp>
+        <p:nvSpPr>
+          <p:cNvPr id="102" name="Google Shape;102;p20"/>
+          <p:cNvSpPr txBox="1">
+            <a:spLocks noGrp="1"/>
+          </p:cNvSpPr>
+          <p:nvPr>
+            <p:ph type="title"/>
+          </p:nvPr>
+        </p:nvSpPr>
+        <p:spPr>
+          <a:xfrm>
+            <a:off x="152401" y="196650"/>
+            <a:ext cx="2808000" cy="755700"/>
+          </a:xfrm>
+          <a:prstGeom prst="rect">
+            <a:avLst/>
+          </a:prstGeom>
+        </p:spPr>
+        <p:txBody>
+          <a:bodyPr spcFirstLastPara="1" wrap="square" lIns="91425" tIns="91425" rIns="91425" bIns="91425" anchor="b" anchorCtr="0">
+            <a:normAutofit/>
+          </a:bodyPr>
+          <a:lstStyle/>
+          <a:p>
+            <a:pPr marL="0" lvl="0" indent="0" algn="l" rtl="0">
+              <a:spcBef>
+                <a:spcPts val="0"/>
+              </a:spcBef>
+              <a:spcAft>
+                <a:spcPts val="0"/>
+              </a:spcAft>
+              <a:buNone/>
+            </a:pPr>
+            <a:r>
+              <a:rPr lang="en" dirty="0"/>
+              <a:t>Counter Terrorism</a:t>
+            </a:r>
+            <a:endParaRPr dirty="0"/>
+          </a:p>
+        </p:txBody>
+      </p:sp>
+      <p:sp>
+        <p:nvSpPr>
+          <p:cNvPr id="103" name="Google Shape;103;p20"/>
+          <p:cNvSpPr txBox="1">
+            <a:spLocks noGrp="1"/>
+          </p:cNvSpPr>
+          <p:nvPr>
+            <p:ph type="body" idx="1"/>
+          </p:nvPr>
+        </p:nvSpPr>
+        <p:spPr>
+          <a:xfrm>
+            <a:off x="184483" y="1115096"/>
+            <a:ext cx="3838882" cy="3453904"/>
+          </a:xfrm>
+          <a:prstGeom prst="rect">
+            <a:avLst/>
+          </a:prstGeom>
+        </p:spPr>
+        <p:txBody>
+          <a:bodyPr spcFirstLastPara="1" wrap="square" lIns="91425" tIns="91425" rIns="91425" bIns="91425" anchor="t" anchorCtr="0">
+            <a:normAutofit fontScale="85000" lnSpcReduction="10000"/>
+          </a:bodyPr>
+          <a:lstStyle/>
+          <a:p>
+            <a:pPr marL="0" lvl="0" indent="0" algn="l" rtl="0">
+              <a:lnSpc>
+                <a:spcPct val="120000"/>
+              </a:lnSpc>
+              <a:spcBef>
+                <a:spcPts val="400"/>
+              </a:spcBef>
+              <a:spcAft>
+                <a:spcPts val="0"/>
+              </a:spcAft>
+              <a:buNone/>
+            </a:pPr>
+            <a:r>
+              <a:rPr lang="en" b="1" dirty="0"/>
+              <a:t>Legislation</a:t>
+            </a:r>
+            <a:r>
+              <a:rPr lang="en" dirty="0"/>
+              <a:t>: Laws enacted against terrorism.</a:t>
+            </a:r>
+            <a:endParaRPr dirty="0"/>
+          </a:p>
+          <a:p>
+            <a:pPr marL="0" lvl="0" indent="0" algn="l" rtl="0">
+              <a:lnSpc>
+                <a:spcPct val="120000"/>
+              </a:lnSpc>
+              <a:spcBef>
+                <a:spcPts val="400"/>
+              </a:spcBef>
+              <a:spcAft>
+                <a:spcPts val="0"/>
+              </a:spcAft>
+              <a:buNone/>
+            </a:pPr>
+            <a:r>
+              <a:rPr lang="en" b="1" dirty="0"/>
+              <a:t>Target Hardening</a:t>
+            </a:r>
+            <a:r>
+              <a:rPr lang="en" dirty="0"/>
+              <a:t>: Process of securing or strengthening security of an area suspected to be targeted by terrorism.</a:t>
+            </a:r>
+            <a:endParaRPr dirty="0"/>
+          </a:p>
+          <a:p>
+            <a:pPr marL="0" lvl="0" indent="0" algn="l" rtl="0">
+              <a:lnSpc>
+                <a:spcPct val="120000"/>
+              </a:lnSpc>
+              <a:spcBef>
+                <a:spcPts val="400"/>
+              </a:spcBef>
+              <a:spcAft>
+                <a:spcPts val="0"/>
+              </a:spcAft>
+              <a:buNone/>
+            </a:pPr>
+            <a:r>
+              <a:rPr lang="en" b="1" dirty="0"/>
+              <a:t>Military Action</a:t>
+            </a:r>
+            <a:r>
+              <a:rPr lang="en" dirty="0"/>
+              <a:t>: Control of people by others through violence in order to prevent further terrorist activity.</a:t>
+            </a:r>
+            <a:endParaRPr dirty="0"/>
+          </a:p>
+          <a:p>
+            <a:pPr marL="0" lvl="0" indent="0" algn="l" rtl="0">
+              <a:lnSpc>
+                <a:spcPct val="120000"/>
+              </a:lnSpc>
+              <a:spcBef>
+                <a:spcPts val="400"/>
+              </a:spcBef>
+              <a:spcAft>
+                <a:spcPts val="0"/>
+              </a:spcAft>
+              <a:buNone/>
+            </a:pPr>
+            <a:r>
+              <a:rPr lang="en" b="1" dirty="0"/>
+              <a:t>Terrorism Research</a:t>
+            </a:r>
+            <a:r>
+              <a:rPr lang="en" dirty="0"/>
+              <a:t>: Systematic research into the cause of terrorism and its impact as well as preventative measures.</a:t>
+            </a:r>
+            <a:endParaRPr dirty="0"/>
+          </a:p>
+          <a:p>
+            <a:pPr marL="0" lvl="0" indent="0" algn="l" rtl="0">
+              <a:lnSpc>
+                <a:spcPct val="120000"/>
+              </a:lnSpc>
+              <a:spcBef>
+                <a:spcPts val="400"/>
+              </a:spcBef>
+              <a:spcAft>
+                <a:spcPts val="0"/>
+              </a:spcAft>
+              <a:buNone/>
+            </a:pPr>
+            <a:r>
+              <a:rPr lang="en" b="1" dirty="0"/>
+              <a:t>Surveillance</a:t>
+            </a:r>
+            <a:r>
+              <a:rPr lang="en" dirty="0"/>
+              <a:t>: Monitoring of behavior, activities, or other changing information, for the purpose of influencing, managing or directing.</a:t>
+            </a:r>
+            <a:endParaRPr dirty="0"/>
+          </a:p>
+          <a:p>
+            <a:pPr marL="0" lvl="0" indent="0" algn="l" rtl="0">
+              <a:lnSpc>
+                <a:spcPct val="120000"/>
+              </a:lnSpc>
+              <a:spcBef>
+                <a:spcPts val="400"/>
+              </a:spcBef>
+              <a:spcAft>
+                <a:spcPts val="0"/>
+              </a:spcAft>
+              <a:buNone/>
+            </a:pPr>
+            <a:r>
+              <a:rPr lang="en" b="1" dirty="0"/>
+              <a:t>Detention</a:t>
+            </a:r>
+            <a:r>
+              <a:rPr lang="en" dirty="0"/>
+              <a:t>: Removal of the freedom of liberty by a state.</a:t>
+            </a:r>
+            <a:endParaRPr dirty="0"/>
+          </a:p>
+          <a:p>
+            <a:pPr marL="0" lvl="0" indent="0" algn="l" rtl="0">
+              <a:lnSpc>
+                <a:spcPct val="120000"/>
+              </a:lnSpc>
+              <a:spcBef>
+                <a:spcPts val="400"/>
+              </a:spcBef>
+              <a:spcAft>
+                <a:spcPts val="0"/>
+              </a:spcAft>
+              <a:buNone/>
+            </a:pPr>
+            <a:r>
+              <a:rPr lang="en" b="1" dirty="0"/>
+              <a:t>Interrogation</a:t>
+            </a:r>
+            <a:r>
+              <a:rPr lang="en" dirty="0"/>
+              <a:t>: Interviewing employed by law enforcement officers, military personnel, and intelligence agencies with the goal of eliciting information about affiliation with any terrorist group.</a:t>
+            </a:r>
+            <a:endParaRPr dirty="0"/>
+          </a:p>
+          <a:p>
+            <a:pPr marL="0" lvl="0" indent="0" algn="l" rtl="0">
+              <a:lnSpc>
+                <a:spcPct val="120000"/>
+              </a:lnSpc>
+              <a:spcBef>
+                <a:spcPts val="400"/>
+              </a:spcBef>
+              <a:spcAft>
+                <a:spcPts val="1200"/>
+              </a:spcAft>
+              <a:buNone/>
+            </a:pPr>
+            <a:r>
+              <a:rPr lang="en" b="1" dirty="0"/>
+              <a:t>Deportation</a:t>
+            </a:r>
+            <a:r>
+              <a:rPr lang="en" dirty="0"/>
+              <a:t>: Expulsion of the people from a place or country.</a:t>
+            </a:r>
+            <a:endParaRPr dirty="0"/>
+          </a:p>
+        </p:txBody>
+      </p:sp>
     </p:spTree>
   </p:cSld>
   <p:clrMapOvr>
@@ -7688,7 +7910,288 @@
 </file>
 
 <file path=ppt/theme/theme1.xml><?xml version="1.0" encoding="utf-8"?>
-<a:theme xmlns:a="http://schemas.openxmlformats.org/drawingml/2006/main" xmlns:r="http://schemas.openxmlformats.org/officeDocument/2006/relationships">
+<a:theme xmlns:a="http://schemas.openxmlformats.org/drawingml/2006/main" name="Simple Light">
+  <a:themeElements>
+    <a:clrScheme name="Simple Light">
+      <a:dk1>
+        <a:srgbClr val="000000"/>
+      </a:dk1>
+      <a:lt1>
+        <a:srgbClr val="FFFFFF"/>
+      </a:lt1>
+      <a:dk2>
+        <a:srgbClr val="595959"/>
+      </a:dk2>
+      <a:lt2>
+        <a:srgbClr val="EEEEEE"/>
+      </a:lt2>
+      <a:accent1>
+        <a:srgbClr val="4285F4"/>
+      </a:accent1>
+      <a:accent2>
+        <a:srgbClr val="212121"/>
+      </a:accent2>
+      <a:accent3>
+        <a:srgbClr val="78909C"/>
+      </a:accent3>
+      <a:accent4>
+        <a:srgbClr val="FFAB40"/>
+      </a:accent4>
+      <a:accent5>
+        <a:srgbClr val="0097A7"/>
+      </a:accent5>
+      <a:accent6>
+        <a:srgbClr val="EEFF41"/>
+      </a:accent6>
+      <a:hlink>
+        <a:srgbClr val="0097A7"/>
+      </a:hlink>
+      <a:folHlink>
+        <a:srgbClr val="0097A7"/>
+      </a:folHlink>
+    </a:clrScheme>
+    <a:fontScheme name="Office">
+      <a:majorFont>
+        <a:latin typeface="Arial"/>
+        <a:ea typeface=""/>
+        <a:cs typeface=""/>
+        <a:font script="Jpan" typeface="ＭＳ Ｐゴシック"/>
+        <a:font script="Hang" typeface="맑은 고딕"/>
+        <a:font script="Hans" typeface="宋体"/>
+        <a:font script="Hant" typeface="新細明體"/>
+        <a:font script="Arab" typeface="Times New Roman"/>
+        <a:font script="Hebr" typeface="Times New Roman"/>
+        <a:font script="Thai" typeface="Angsana New"/>
+        <a:font script="Ethi" typeface="Nyala"/>
+        <a:font script="Beng" typeface="Vrinda"/>
+        <a:font script="Gujr" typeface="Shruti"/>
+        <a:font script="Khmr" typeface="MoolBoran"/>
+        <a:font script="Knda" typeface="Tunga"/>
+        <a:font script="Guru" typeface="Raavi"/>
+        <a:font script="Cans" typeface="Euphemia"/>
+        <a:font script="Cher" typeface="Plantagenet Cherokee"/>
+        <a:font script="Yiii" typeface="Microsoft Yi Baiti"/>
+        <a:font script="Tibt" typeface="Microsoft Himalaya"/>
+        <a:font script="Thaa" typeface="MV Boli"/>
+        <a:font script="Deva" typeface="Mangal"/>
+        <a:font script="Telu" typeface="Gautami"/>
+        <a:font script="Taml" typeface="Latha"/>
+        <a:font script="Syrc" typeface="Estrangelo Edessa"/>
+        <a:font script="Orya" typeface="Kalinga"/>
+        <a:font script="Mlym" typeface="Kartika"/>
+        <a:font script="Laoo" typeface="DokChampa"/>
+        <a:font script="Sinh" typeface="Iskoola Pota"/>
+        <a:font script="Mong" typeface="Mongolian Baiti"/>
+        <a:font script="Viet" typeface="Times New Roman"/>
+        <a:font script="Uigh" typeface="Microsoft Uighur"/>
+        <a:font script="Geor" typeface="Sylfaen"/>
+      </a:majorFont>
+      <a:minorFont>
+        <a:latin typeface="Arial"/>
+        <a:ea typeface=""/>
+        <a:cs typeface=""/>
+        <a:font script="Jpan" typeface="ＭＳ Ｐゴシック"/>
+        <a:font script="Hang" typeface="맑은 고딕"/>
+        <a:font script="Hans" typeface="宋体"/>
+        <a:font script="Hant" typeface="新細明體"/>
+        <a:font script="Arab" typeface="Arial"/>
+        <a:font script="Hebr" typeface="Arial"/>
+        <a:font script="Thai" typeface="Cordia New"/>
+        <a:font script="Ethi" typeface="Nyala"/>
+        <a:font script="Beng" typeface="Vrinda"/>
+        <a:font script="Gujr" typeface="Shruti"/>
+        <a:font script="Khmr" typeface="DaunPenh"/>
+        <a:font script="Knda" typeface="Tunga"/>
+        <a:font script="Guru" typeface="Raavi"/>
+        <a:font script="Cans" typeface="Euphemia"/>
+        <a:font script="Cher" typeface="Plantagenet Cherokee"/>
+        <a:font script="Yiii" typeface="Microsoft Yi Baiti"/>
+        <a:font script="Tibt" typeface="Microsoft Himalaya"/>
+        <a:font script="Thaa" typeface="MV Boli"/>
+        <a:font script="Deva" typeface="Mangal"/>
+        <a:font script="Telu" typeface="Gautami"/>
+        <a:font script="Taml" typeface="Latha"/>
+        <a:font script="Syrc" typeface="Estrangelo Edessa"/>
+        <a:font script="Orya" typeface="Kalinga"/>
+        <a:font script="Mlym" typeface="Kartika"/>
+        <a:font script="Laoo" typeface="DokChampa"/>
+        <a:font script="Sinh" typeface="Iskoola Pota"/>
+        <a:font script="Mong" typeface="Mongolian Baiti"/>
+        <a:font script="Viet" typeface="Arial"/>
+        <a:font script="Uigh" typeface="Microsoft Uighur"/>
+        <a:font script="Geor" typeface="Sylfaen"/>
+      </a:minorFont>
+    </a:fontScheme>
+    <a:fmtScheme name="Office">
+      <a:fillStyleLst>
+        <a:solidFill>
+          <a:schemeClr val="phClr"/>
+        </a:solidFill>
+        <a:gradFill rotWithShape="1">
+          <a:gsLst>
+            <a:gs pos="0">
+              <a:schemeClr val="phClr">
+                <a:tint val="50000"/>
+                <a:satMod val="300000"/>
+              </a:schemeClr>
+            </a:gs>
+            <a:gs pos="35000">
+              <a:schemeClr val="phClr">
+                <a:tint val="37000"/>
+                <a:satMod val="300000"/>
+              </a:schemeClr>
+            </a:gs>
+            <a:gs pos="100000">
+              <a:schemeClr val="phClr">
+                <a:tint val="15000"/>
+                <a:satMod val="350000"/>
+              </a:schemeClr>
+            </a:gs>
+          </a:gsLst>
+          <a:lin ang="16200000" scaled="1"/>
+        </a:gradFill>
+        <a:gradFill rotWithShape="1">
+          <a:gsLst>
+            <a:gs pos="0">
+              <a:schemeClr val="phClr">
+                <a:tint val="100000"/>
+                <a:shade val="100000"/>
+                <a:satMod val="130000"/>
+              </a:schemeClr>
+            </a:gs>
+            <a:gs pos="100000">
+              <a:schemeClr val="phClr">
+                <a:tint val="50000"/>
+                <a:shade val="100000"/>
+                <a:satMod val="350000"/>
+              </a:schemeClr>
+            </a:gs>
+          </a:gsLst>
+          <a:lin ang="16200000" scaled="0"/>
+        </a:gradFill>
+      </a:fillStyleLst>
+      <a:lnStyleLst>
+        <a:ln w="9525" cap="flat" cmpd="sng" algn="ctr">
+          <a:solidFill>
+            <a:schemeClr val="phClr">
+              <a:shade val="95000"/>
+              <a:satMod val="105000"/>
+            </a:schemeClr>
+          </a:solidFill>
+          <a:prstDash val="solid"/>
+        </a:ln>
+        <a:ln w="25400" cap="flat" cmpd="sng" algn="ctr">
+          <a:solidFill>
+            <a:schemeClr val="phClr"/>
+          </a:solidFill>
+          <a:prstDash val="solid"/>
+        </a:ln>
+        <a:ln w="38100" cap="flat" cmpd="sng" algn="ctr">
+          <a:solidFill>
+            <a:schemeClr val="phClr"/>
+          </a:solidFill>
+          <a:prstDash val="solid"/>
+        </a:ln>
+      </a:lnStyleLst>
+      <a:effectStyleLst>
+        <a:effectStyle>
+          <a:effectLst>
+            <a:outerShdw blurRad="40000" dist="20000" dir="5400000" rotWithShape="0">
+              <a:srgbClr val="000000">
+                <a:alpha val="38000"/>
+              </a:srgbClr>
+            </a:outerShdw>
+          </a:effectLst>
+        </a:effectStyle>
+        <a:effectStyle>
+          <a:effectLst>
+            <a:outerShdw blurRad="40000" dist="23000" dir="5400000" rotWithShape="0">
+              <a:srgbClr val="000000">
+                <a:alpha val="35000"/>
+              </a:srgbClr>
+            </a:outerShdw>
+          </a:effectLst>
+        </a:effectStyle>
+        <a:effectStyle>
+          <a:effectLst>
+            <a:outerShdw blurRad="40000" dist="23000" dir="5400000" rotWithShape="0">
+              <a:srgbClr val="000000">
+                <a:alpha val="35000"/>
+              </a:srgbClr>
+            </a:outerShdw>
+          </a:effectLst>
+          <a:scene3d>
+            <a:camera prst="orthographicFront">
+              <a:rot lat="0" lon="0" rev="0"/>
+            </a:camera>
+            <a:lightRig rig="threePt" dir="t">
+              <a:rot lat="0" lon="0" rev="1200000"/>
+            </a:lightRig>
+          </a:scene3d>
+          <a:sp3d>
+            <a:bevelT w="63500" h="25400"/>
+          </a:sp3d>
+        </a:effectStyle>
+      </a:effectStyleLst>
+      <a:bgFillStyleLst>
+        <a:solidFill>
+          <a:schemeClr val="phClr"/>
+        </a:solidFill>
+        <a:gradFill rotWithShape="1">
+          <a:gsLst>
+            <a:gs pos="0">
+              <a:schemeClr val="phClr">
+                <a:tint val="40000"/>
+                <a:satMod val="350000"/>
+              </a:schemeClr>
+            </a:gs>
+            <a:gs pos="40000">
+              <a:schemeClr val="phClr">
+                <a:tint val="45000"/>
+                <a:shade val="99000"/>
+                <a:satMod val="350000"/>
+              </a:schemeClr>
+            </a:gs>
+            <a:gs pos="100000">
+              <a:schemeClr val="phClr">
+                <a:shade val="20000"/>
+                <a:satMod val="255000"/>
+              </a:schemeClr>
+            </a:gs>
+          </a:gsLst>
+          <a:path path="circle">
+            <a:fillToRect l="50000" t="-80000" r="50000" b="180000"/>
+          </a:path>
+        </a:gradFill>
+        <a:gradFill rotWithShape="1">
+          <a:gsLst>
+            <a:gs pos="0">
+              <a:schemeClr val="phClr">
+                <a:tint val="80000"/>
+                <a:satMod val="300000"/>
+              </a:schemeClr>
+            </a:gs>
+            <a:gs pos="100000">
+              <a:schemeClr val="phClr">
+                <a:shade val="30000"/>
+                <a:satMod val="200000"/>
+              </a:schemeClr>
+            </a:gs>
+          </a:gsLst>
+          <a:path path="circle">
+            <a:fillToRect l="50000" t="50000" r="50000" b="50000"/>
+          </a:path>
+        </a:gradFill>
+      </a:bgFillStyleLst>
+    </a:fmtScheme>
+  </a:themeElements>
+  <a:objectDefaults/>
+  <a:extraClrSchemeLst/>
+</a:theme>
+</file>
+
+<file path=ppt/theme/theme2.xml><?xml version="1.0" encoding="utf-8"?>
+<a:theme xmlns:a="http://schemas.openxmlformats.org/drawingml/2006/main">
   <a:themeElements>
     <a:clrScheme name="Default">
       <a:dk1>
@@ -7963,284 +8466,7 @@
       </a:bgFillStyleLst>
     </a:fmtScheme>
   </a:themeElements>
-</a:theme>
-</file>
-
-<file path=ppt/theme/theme2.xml><?xml version="1.0" encoding="utf-8"?>
-<a:theme xmlns:a="http://schemas.openxmlformats.org/drawingml/2006/main" xmlns:r="http://schemas.openxmlformats.org/officeDocument/2006/relationships" name="Simple Light">
-  <a:themeElements>
-    <a:clrScheme name="Simple Light">
-      <a:dk1>
-        <a:srgbClr val="000000"/>
-      </a:dk1>
-      <a:lt1>
-        <a:srgbClr val="FFFFFF"/>
-      </a:lt1>
-      <a:dk2>
-        <a:srgbClr val="595959"/>
-      </a:dk2>
-      <a:lt2>
-        <a:srgbClr val="EEEEEE"/>
-      </a:lt2>
-      <a:accent1>
-        <a:srgbClr val="4285F4"/>
-      </a:accent1>
-      <a:accent2>
-        <a:srgbClr val="212121"/>
-      </a:accent2>
-      <a:accent3>
-        <a:srgbClr val="78909C"/>
-      </a:accent3>
-      <a:accent4>
-        <a:srgbClr val="FFAB40"/>
-      </a:accent4>
-      <a:accent5>
-        <a:srgbClr val="0097A7"/>
-      </a:accent5>
-      <a:accent6>
-        <a:srgbClr val="EEFF41"/>
-      </a:accent6>
-      <a:hlink>
-        <a:srgbClr val="0097A7"/>
-      </a:hlink>
-      <a:folHlink>
-        <a:srgbClr val="0097A7"/>
-      </a:folHlink>
-    </a:clrScheme>
-    <a:fontScheme name="Office">
-      <a:majorFont>
-        <a:latin typeface="Arial"/>
-        <a:ea typeface=""/>
-        <a:cs typeface=""/>
-        <a:font script="Jpan" typeface="ＭＳ Ｐゴシック"/>
-        <a:font script="Hang" typeface="맑은 고딕"/>
-        <a:font script="Hans" typeface="宋体"/>
-        <a:font script="Hant" typeface="新細明體"/>
-        <a:font script="Arab" typeface="Times New Roman"/>
-        <a:font script="Hebr" typeface="Times New Roman"/>
-        <a:font script="Thai" typeface="Angsana New"/>
-        <a:font script="Ethi" typeface="Nyala"/>
-        <a:font script="Beng" typeface="Vrinda"/>
-        <a:font script="Gujr" typeface="Shruti"/>
-        <a:font script="Khmr" typeface="MoolBoran"/>
-        <a:font script="Knda" typeface="Tunga"/>
-        <a:font script="Guru" typeface="Raavi"/>
-        <a:font script="Cans" typeface="Euphemia"/>
-        <a:font script="Cher" typeface="Plantagenet Cherokee"/>
-        <a:font script="Yiii" typeface="Microsoft Yi Baiti"/>
-        <a:font script="Tibt" typeface="Microsoft Himalaya"/>
-        <a:font script="Thaa" typeface="MV Boli"/>
-        <a:font script="Deva" typeface="Mangal"/>
-        <a:font script="Telu" typeface="Gautami"/>
-        <a:font script="Taml" typeface="Latha"/>
-        <a:font script="Syrc" typeface="Estrangelo Edessa"/>
-        <a:font script="Orya" typeface="Kalinga"/>
-        <a:font script="Mlym" typeface="Kartika"/>
-        <a:font script="Laoo" typeface="DokChampa"/>
-        <a:font script="Sinh" typeface="Iskoola Pota"/>
-        <a:font script="Mong" typeface="Mongolian Baiti"/>
-        <a:font script="Viet" typeface="Times New Roman"/>
-        <a:font script="Uigh" typeface="Microsoft Uighur"/>
-        <a:font script="Geor" typeface="Sylfaen"/>
-      </a:majorFont>
-      <a:minorFont>
-        <a:latin typeface="Arial"/>
-        <a:ea typeface=""/>
-        <a:cs typeface=""/>
-        <a:font script="Jpan" typeface="ＭＳ Ｐゴシック"/>
-        <a:font script="Hang" typeface="맑은 고딕"/>
-        <a:font script="Hans" typeface="宋体"/>
-        <a:font script="Hant" typeface="新細明體"/>
-        <a:font script="Arab" typeface="Arial"/>
-        <a:font script="Hebr" typeface="Arial"/>
-        <a:font script="Thai" typeface="Cordia New"/>
-        <a:font script="Ethi" typeface="Nyala"/>
-        <a:font script="Beng" typeface="Vrinda"/>
-        <a:font script="Gujr" typeface="Shruti"/>
-        <a:font script="Khmr" typeface="DaunPenh"/>
-        <a:font script="Knda" typeface="Tunga"/>
-        <a:font script="Guru" typeface="Raavi"/>
-        <a:font script="Cans" typeface="Euphemia"/>
-        <a:font script="Cher" typeface="Plantagenet Cherokee"/>
-        <a:font script="Yiii" typeface="Microsoft Yi Baiti"/>
-        <a:font script="Tibt" typeface="Microsoft Himalaya"/>
-        <a:font script="Thaa" typeface="MV Boli"/>
-        <a:font script="Deva" typeface="Mangal"/>
-        <a:font script="Telu" typeface="Gautami"/>
-        <a:font script="Taml" typeface="Latha"/>
-        <a:font script="Syrc" typeface="Estrangelo Edessa"/>
-        <a:font script="Orya" typeface="Kalinga"/>
-        <a:font script="Mlym" typeface="Kartika"/>
-        <a:font script="Laoo" typeface="DokChampa"/>
-        <a:font script="Sinh" typeface="Iskoola Pota"/>
-        <a:font script="Mong" typeface="Mongolian Baiti"/>
-        <a:font script="Viet" typeface="Arial"/>
-        <a:font script="Uigh" typeface="Microsoft Uighur"/>
-        <a:font script="Geor" typeface="Sylfaen"/>
-      </a:minorFont>
-    </a:fontScheme>
-    <a:fmtScheme name="Office">
-      <a:fillStyleLst>
-        <a:solidFill>
-          <a:schemeClr val="phClr"/>
-        </a:solidFill>
-        <a:gradFill rotWithShape="1">
-          <a:gsLst>
-            <a:gs pos="0">
-              <a:schemeClr val="phClr">
-                <a:tint val="50000"/>
-                <a:satMod val="300000"/>
-              </a:schemeClr>
-            </a:gs>
-            <a:gs pos="35000">
-              <a:schemeClr val="phClr">
-                <a:tint val="37000"/>
-                <a:satMod val="300000"/>
-              </a:schemeClr>
-            </a:gs>
-            <a:gs pos="100000">
-              <a:schemeClr val="phClr">
-                <a:tint val="15000"/>
-                <a:satMod val="350000"/>
-              </a:schemeClr>
-            </a:gs>
-          </a:gsLst>
-          <a:lin ang="16200000" scaled="1"/>
-        </a:gradFill>
-        <a:gradFill rotWithShape="1">
-          <a:gsLst>
-            <a:gs pos="0">
-              <a:schemeClr val="phClr">
-                <a:tint val="100000"/>
-                <a:shade val="100000"/>
-                <a:satMod val="130000"/>
-              </a:schemeClr>
-            </a:gs>
-            <a:gs pos="100000">
-              <a:schemeClr val="phClr">
-                <a:tint val="50000"/>
-                <a:shade val="100000"/>
-                <a:satMod val="350000"/>
-              </a:schemeClr>
-            </a:gs>
-          </a:gsLst>
-          <a:lin ang="16200000" scaled="0"/>
-        </a:gradFill>
-      </a:fillStyleLst>
-      <a:lnStyleLst>
-        <a:ln w="9525" cap="flat" cmpd="sng" algn="ctr">
-          <a:solidFill>
-            <a:schemeClr val="phClr">
-              <a:shade val="95000"/>
-              <a:satMod val="105000"/>
-            </a:schemeClr>
-          </a:solidFill>
-          <a:prstDash val="solid"/>
-        </a:ln>
-        <a:ln w="25400" cap="flat" cmpd="sng" algn="ctr">
-          <a:solidFill>
-            <a:schemeClr val="phClr"/>
-          </a:solidFill>
-          <a:prstDash val="solid"/>
-        </a:ln>
-        <a:ln w="38100" cap="flat" cmpd="sng" algn="ctr">
-          <a:solidFill>
-            <a:schemeClr val="phClr"/>
-          </a:solidFill>
-          <a:prstDash val="solid"/>
-        </a:ln>
-      </a:lnStyleLst>
-      <a:effectStyleLst>
-        <a:effectStyle>
-          <a:effectLst>
-            <a:outerShdw blurRad="40000" dist="20000" dir="5400000" rotWithShape="0">
-              <a:srgbClr val="000000">
-                <a:alpha val="38000"/>
-              </a:srgbClr>
-            </a:outerShdw>
-          </a:effectLst>
-        </a:effectStyle>
-        <a:effectStyle>
-          <a:effectLst>
-            <a:outerShdw blurRad="40000" dist="23000" dir="5400000" rotWithShape="0">
-              <a:srgbClr val="000000">
-                <a:alpha val="35000"/>
-              </a:srgbClr>
-            </a:outerShdw>
-          </a:effectLst>
-        </a:effectStyle>
-        <a:effectStyle>
-          <a:effectLst>
-            <a:outerShdw blurRad="40000" dist="23000" dir="5400000" rotWithShape="0">
-              <a:srgbClr val="000000">
-                <a:alpha val="35000"/>
-              </a:srgbClr>
-            </a:outerShdw>
-          </a:effectLst>
-          <a:scene3d>
-            <a:camera prst="orthographicFront">
-              <a:rot lat="0" lon="0" rev="0"/>
-            </a:camera>
-            <a:lightRig rig="threePt" dir="t">
-              <a:rot lat="0" lon="0" rev="1200000"/>
-            </a:lightRig>
-          </a:scene3d>
-          <a:sp3d>
-            <a:bevelT w="63500" h="25400"/>
-          </a:sp3d>
-        </a:effectStyle>
-      </a:effectStyleLst>
-      <a:bgFillStyleLst>
-        <a:solidFill>
-          <a:schemeClr val="phClr"/>
-        </a:solidFill>
-        <a:gradFill rotWithShape="1">
-          <a:gsLst>
-            <a:gs pos="0">
-              <a:schemeClr val="phClr">
-                <a:tint val="40000"/>
-                <a:satMod val="350000"/>
-              </a:schemeClr>
-            </a:gs>
-            <a:gs pos="40000">
-              <a:schemeClr val="phClr">
-                <a:tint val="45000"/>
-                <a:shade val="99000"/>
-                <a:satMod val="350000"/>
-              </a:schemeClr>
-            </a:gs>
-            <a:gs pos="100000">
-              <a:schemeClr val="phClr">
-                <a:shade val="20000"/>
-                <a:satMod val="255000"/>
-              </a:schemeClr>
-            </a:gs>
-          </a:gsLst>
-          <a:path path="circle">
-            <a:fillToRect l="50000" t="-80000" r="50000" b="180000"/>
-          </a:path>
-        </a:gradFill>
-        <a:gradFill rotWithShape="1">
-          <a:gsLst>
-            <a:gs pos="0">
-              <a:schemeClr val="phClr">
-                <a:tint val="80000"/>
-                <a:satMod val="300000"/>
-              </a:schemeClr>
-            </a:gs>
-            <a:gs pos="100000">
-              <a:schemeClr val="phClr">
-                <a:shade val="30000"/>
-                <a:satMod val="200000"/>
-              </a:schemeClr>
-            </a:gs>
-          </a:gsLst>
-          <a:path path="circle">
-            <a:fillToRect l="50000" t="50000" r="50000" b="50000"/>
-          </a:path>
-        </a:gradFill>
-      </a:bgFillStyleLst>
-    </a:fmtScheme>
-  </a:themeElements>
+  <a:objectDefaults/>
+  <a:extraClrSchemeLst/>
 </a:theme>
 </file>